--- a/Presentation Template.pptx
+++ b/Presentation Template.pptx
@@ -5615,7 +5615,7 @@
           <a:p>
             <a:fld id="{C17F2C1D-F243-42AB-ADF2-E7CB4E04900E}" type="datetimeFigureOut">
               <a:rPr lang="en-US" smtClean="0"/>
-              <a:t>5/31/2022</a:t>
+              <a:t>6/9/2023</a:t>
             </a:fld>
             <a:endParaRPr lang="en-US"/>
           </a:p>
@@ -5792,7 +5792,7 @@
           <a:p>
             <a:fld id="{020CE34E-5667-4A32-A6BA-10C7A552BC63}" type="datetimeFigureOut">
               <a:rPr lang="en-US" smtClean="0"/>
-              <a:t>5/31/2022</a:t>
+              <a:t>6/9/2023</a:t>
             </a:fld>
             <a:endParaRPr lang="en-US"/>
           </a:p>
@@ -18923,6 +18923,14 @@
 <file path=ppt/slides/slide1.xml><?xml version="1.0" encoding="utf-8"?>
 <p:sld xmlns:a="http://schemas.openxmlformats.org/drawingml/2006/main" xmlns:r="http://schemas.openxmlformats.org/officeDocument/2006/relationships" xmlns:p="http://schemas.openxmlformats.org/presentationml/2006/main">
   <p:cSld>
+    <p:bg>
+      <p:bgPr>
+        <a:solidFill>
+          <a:schemeClr val="bg2"/>
+        </a:solidFill>
+        <a:effectLst/>
+      </p:bgPr>
+    </p:bg>
     <p:spTree>
       <p:nvGrpSpPr>
         <p:cNvPr id="1" name=""/>
@@ -18939,36 +18947,888 @@
       </p:grpSpPr>
       <p:sp>
         <p:nvSpPr>
-          <p:cNvPr id="2" name="Title 1">
+          <p:cNvPr id="40" name="Freeform: Shape 39">
             <a:extLst>
               <a:ext uri="{FF2B5EF4-FFF2-40B4-BE49-F238E27FC236}">
-                <a16:creationId xmlns:a16="http://schemas.microsoft.com/office/drawing/2014/main" id="{286E938C-9D94-4B05-979A-D39FFC457291}"/>
+                <a16:creationId xmlns:a16="http://schemas.microsoft.com/office/drawing/2014/main" id="{82184FF4-7029-4ED7-813A-192E60608764}"/>
+              </a:ext>
+              <a:ext uri="{C183D7F6-B498-43B3-948B-1728B52AA6E4}">
+                <adec:decorative xmlns:adec="http://schemas.microsoft.com/office/drawing/2017/decorative" val="1"/>
               </a:ext>
             </a:extLst>
           </p:cNvPr>
           <p:cNvSpPr>
-            <a:spLocks noGrp="1"/>
+            <a:spLocks noGrp="1" noRot="1" noChangeAspect="1" noMove="1" noResize="1" noEditPoints="1" noAdjustHandles="1" noChangeArrowheads="1" noChangeShapeType="1" noTextEdit="1"/>
           </p:cNvSpPr>
           <p:nvPr>
-            <p:ph type="ctrTitle"/>
+            <p:extLst>
+              <p:ext uri="{386F3935-93C4-4BCD-93E2-E3B085C9AB24}">
+                <p16:designElem xmlns:p16="http://schemas.microsoft.com/office/powerpoint/2015/main" val="1"/>
+              </p:ext>
+            </p:extLst>
+          </p:nvPr>
+        </p:nvSpPr>
+        <p:spPr>
+          <a:xfrm rot="2700000">
+            <a:off x="612445" y="481888"/>
+            <a:ext cx="1080000" cy="1262947"/>
+          </a:xfrm>
+          <a:custGeom>
+            <a:avLst/>
+            <a:gdLst/>
+            <a:ahLst/>
+            <a:cxnLst/>
+            <a:rect l="l" t="t" r="r" b="b"/>
+            <a:pathLst>
+              <a:path w="1080000" h="1262947">
+                <a:moveTo>
+                  <a:pt x="540000" y="0"/>
+                </a:moveTo>
+                <a:lnTo>
+                  <a:pt x="1064374" y="931034"/>
+                </a:lnTo>
+                <a:lnTo>
+                  <a:pt x="1069029" y="938533"/>
+                </a:lnTo>
+                <a:cubicBezTo>
+                  <a:pt x="1076223" y="956109"/>
+                  <a:pt x="1080000" y="974307"/>
+                  <a:pt x="1080000" y="992947"/>
+                </a:cubicBezTo>
+                <a:cubicBezTo>
+                  <a:pt x="1080000" y="1142064"/>
+                  <a:pt x="838234" y="1262947"/>
+                  <a:pt x="540000" y="1262947"/>
+                </a:cubicBezTo>
+                <a:cubicBezTo>
+                  <a:pt x="241766" y="1262947"/>
+                  <a:pt x="0" y="1142064"/>
+                  <a:pt x="0" y="992947"/>
+                </a:cubicBezTo>
+                <a:cubicBezTo>
+                  <a:pt x="0" y="974307"/>
+                  <a:pt x="3778" y="956109"/>
+                  <a:pt x="10971" y="938533"/>
+                </a:cubicBezTo>
+                <a:lnTo>
+                  <a:pt x="15626" y="931034"/>
+                </a:lnTo>
+                <a:lnTo>
+                  <a:pt x="540000" y="0"/>
+                </a:lnTo>
+                <a:close/>
+              </a:path>
+            </a:pathLst>
+          </a:custGeom>
+          <a:gradFill>
+            <a:gsLst>
+              <a:gs pos="60000">
+                <a:schemeClr val="bg2">
+                  <a:lumMod val="90000"/>
+                  <a:lumOff val="10000"/>
+                </a:schemeClr>
+              </a:gs>
+              <a:gs pos="30000">
+                <a:schemeClr val="bg2">
+                  <a:lumMod val="90000"/>
+                  <a:lumOff val="10000"/>
+                </a:schemeClr>
+              </a:gs>
+              <a:gs pos="40000">
+                <a:schemeClr val="bg2">
+                  <a:lumMod val="75000"/>
+                  <a:lumOff val="25000"/>
+                </a:schemeClr>
+              </a:gs>
+              <a:gs pos="100000">
+                <a:schemeClr val="bg2"/>
+              </a:gs>
+            </a:gsLst>
+            <a:lin ang="600000" scaled="0"/>
+          </a:gradFill>
+          <a:ln>
+            <a:noFill/>
+          </a:ln>
+          <a:effectLst>
+            <a:innerShdw blurRad="254000" dist="101600" dir="2700000">
+              <a:schemeClr val="accent1">
+                <a:lumMod val="60000"/>
+                <a:lumOff val="40000"/>
+                <a:alpha val="40000"/>
+              </a:schemeClr>
+            </a:innerShdw>
+          </a:effectLst>
+        </p:spPr>
+        <p:style>
+          <a:lnRef idx="2">
+            <a:schemeClr val="accent1">
+              <a:shade val="50000"/>
+            </a:schemeClr>
+          </a:lnRef>
+          <a:fillRef idx="1">
+            <a:schemeClr val="accent1"/>
+          </a:fillRef>
+          <a:effectRef idx="0">
+            <a:schemeClr val="accent1"/>
+          </a:effectRef>
+          <a:fontRef idx="minor">
+            <a:schemeClr val="lt1"/>
+          </a:fontRef>
+        </p:style>
+        <p:txBody>
+          <a:bodyPr rot="0" spcFirstLastPara="0" vertOverflow="overflow" horzOverflow="overflow" vert="horz" wrap="square" lIns="91440" tIns="45720" rIns="91440" bIns="45720" numCol="1" spcCol="0" rtlCol="0" fromWordArt="0" anchor="ctr" anchorCtr="0" forceAA="0" compatLnSpc="1">
+            <a:prstTxWarp prst="textNoShape">
+              <a:avLst/>
+            </a:prstTxWarp>
+            <a:noAutofit/>
+          </a:bodyPr>
+          <a:lstStyle/>
+          <a:p>
+            <a:pPr algn="ctr"/>
+            <a:endParaRPr lang="en-US"/>
+          </a:p>
+        </p:txBody>
+      </p:sp>
+      <p:sp>
+        <p:nvSpPr>
+          <p:cNvPr id="42" name="Oval 41">
+            <a:extLst>
+              <a:ext uri="{FF2B5EF4-FFF2-40B4-BE49-F238E27FC236}">
+                <a16:creationId xmlns:a16="http://schemas.microsoft.com/office/drawing/2014/main" id="{AAA7AB09-557C-41AD-9113-FF9F68FA1035}"/>
+              </a:ext>
+              <a:ext uri="{C183D7F6-B498-43B3-948B-1728B52AA6E4}">
+                <adec:decorative xmlns:adec="http://schemas.microsoft.com/office/drawing/2017/decorative" val="1"/>
+              </a:ext>
+            </a:extLst>
+          </p:cNvPr>
+          <p:cNvSpPr>
+            <a:spLocks noGrp="1" noRot="1" noChangeAspect="1" noMove="1" noResize="1" noEditPoints="1" noAdjustHandles="1" noChangeArrowheads="1" noChangeShapeType="1" noTextEdit="1"/>
+          </p:cNvSpPr>
+          <p:nvPr>
+            <p:extLst>
+              <p:ext uri="{386F3935-93C4-4BCD-93E2-E3B085C9AB24}">
+                <p16:designElem xmlns:p16="http://schemas.microsoft.com/office/powerpoint/2015/main" val="1"/>
+              </p:ext>
+            </p:extLst>
+          </p:nvPr>
+        </p:nvSpPr>
+        <p:spPr>
+          <a:xfrm rot="8100000">
+            <a:off x="626845" y="828962"/>
+            <a:ext cx="540000" cy="1080000"/>
+          </a:xfrm>
+          <a:prstGeom prst="ellipse">
+            <a:avLst/>
+          </a:prstGeom>
+          <a:gradFill>
+            <a:gsLst>
+              <a:gs pos="100000">
+                <a:schemeClr val="bg2">
+                  <a:lumMod val="90000"/>
+                  <a:lumOff val="10000"/>
+                </a:schemeClr>
+              </a:gs>
+              <a:gs pos="50000">
+                <a:schemeClr val="bg2">
+                  <a:lumMod val="95000"/>
+                  <a:lumOff val="5000"/>
+                </a:schemeClr>
+              </a:gs>
+            </a:gsLst>
+            <a:lin ang="5400000" scaled="0"/>
+          </a:gradFill>
+          <a:ln>
+            <a:noFill/>
+          </a:ln>
+          <a:effectLst>
+            <a:innerShdw blurRad="1270000" dist="2540000">
+              <a:schemeClr val="accent1">
+                <a:lumMod val="60000"/>
+                <a:lumOff val="40000"/>
+                <a:alpha val="0"/>
+              </a:schemeClr>
+            </a:innerShdw>
+          </a:effectLst>
+        </p:spPr>
+        <p:style>
+          <a:lnRef idx="2">
+            <a:schemeClr val="accent1">
+              <a:shade val="50000"/>
+            </a:schemeClr>
+          </a:lnRef>
+          <a:fillRef idx="1">
+            <a:schemeClr val="accent1"/>
+          </a:fillRef>
+          <a:effectRef idx="0">
+            <a:schemeClr val="accent1"/>
+          </a:effectRef>
+          <a:fontRef idx="minor">
+            <a:schemeClr val="lt1"/>
+          </a:fontRef>
+        </p:style>
+        <p:txBody>
+          <a:bodyPr rot="0" spcFirstLastPara="0" vertOverflow="overflow" horzOverflow="overflow" vert="horz" wrap="square" lIns="91440" tIns="45720" rIns="91440" bIns="45720" numCol="1" spcCol="0" rtlCol="0" fromWordArt="0" anchor="ctr" anchorCtr="0" forceAA="0" compatLnSpc="1">
+            <a:prstTxWarp prst="textNoShape">
+              <a:avLst/>
+            </a:prstTxWarp>
+            <a:noAutofit/>
+          </a:bodyPr>
+          <a:lstStyle/>
+          <a:p>
+            <a:pPr algn="ctr"/>
+            <a:endParaRPr lang="en-US"/>
+          </a:p>
+        </p:txBody>
+      </p:sp>
+      <p:sp>
+        <p:nvSpPr>
+          <p:cNvPr id="44" name="Oval 43">
+            <a:extLst>
+              <a:ext uri="{FF2B5EF4-FFF2-40B4-BE49-F238E27FC236}">
+                <a16:creationId xmlns:a16="http://schemas.microsoft.com/office/drawing/2014/main" id="{EF99ECAA-1F11-4937-BBA6-51935AB44C9D}"/>
+              </a:ext>
+              <a:ext uri="{C183D7F6-B498-43B3-948B-1728B52AA6E4}">
+                <adec:decorative xmlns:adec="http://schemas.microsoft.com/office/drawing/2017/decorative" val="1"/>
+              </a:ext>
+            </a:extLst>
+          </p:cNvPr>
+          <p:cNvSpPr>
+            <a:spLocks noGrp="1" noRot="1" noChangeAspect="1" noMove="1" noResize="1" noEditPoints="1" noAdjustHandles="1" noChangeArrowheads="1" noChangeShapeType="1" noTextEdit="1"/>
+          </p:cNvSpPr>
+          <p:nvPr>
+            <p:extLst>
+              <p:ext uri="{386F3935-93C4-4BCD-93E2-E3B085C9AB24}">
+                <p16:designElem xmlns:p16="http://schemas.microsoft.com/office/powerpoint/2015/main" val="1"/>
+              </p:ext>
+            </p:extLst>
           </p:nvPr>
         </p:nvSpPr>
         <p:spPr>
           <a:xfrm>
-            <a:off x="7999414" y="1051551"/>
-            <a:ext cx="3565524" cy="2384898"/>
+            <a:off x="1800802" y="2472855"/>
+            <a:ext cx="360000" cy="360000"/>
           </a:xfrm>
+          <a:prstGeom prst="ellipse">
+            <a:avLst/>
+          </a:prstGeom>
+          <a:gradFill flip="none" rotWithShape="1">
+            <a:gsLst>
+              <a:gs pos="100000">
+                <a:schemeClr val="bg2">
+                  <a:lumMod val="50000"/>
+                  <a:lumOff val="50000"/>
+                </a:schemeClr>
+              </a:gs>
+              <a:gs pos="60000">
+                <a:schemeClr val="bg2"/>
+              </a:gs>
+            </a:gsLst>
+            <a:path path="circle">
+              <a:fillToRect l="100000" b="100000"/>
+            </a:path>
+            <a:tileRect t="-100000" r="-100000"/>
+          </a:gradFill>
+          <a:ln>
+            <a:noFill/>
+          </a:ln>
+          <a:effectLst>
+            <a:innerShdw blurRad="127000" dist="63500" dir="2700000">
+              <a:schemeClr val="accent1">
+                <a:lumMod val="60000"/>
+                <a:lumOff val="40000"/>
+                <a:alpha val="20000"/>
+              </a:schemeClr>
+            </a:innerShdw>
+            <a:softEdge rad="0"/>
+          </a:effectLst>
         </p:spPr>
+        <p:style>
+          <a:lnRef idx="2">
+            <a:schemeClr val="accent1">
+              <a:shade val="50000"/>
+            </a:schemeClr>
+          </a:lnRef>
+          <a:fillRef idx="1">
+            <a:schemeClr val="accent1"/>
+          </a:fillRef>
+          <a:effectRef idx="0">
+            <a:schemeClr val="accent1"/>
+          </a:effectRef>
+          <a:fontRef idx="minor">
+            <a:schemeClr val="lt1"/>
+          </a:fontRef>
+        </p:style>
         <p:txBody>
-          <a:bodyPr anchor="b" anchorCtr="0">
-            <a:normAutofit/>
+          <a:bodyPr rot="0" spcFirstLastPara="0" vertOverflow="overflow" horzOverflow="overflow" vert="horz" wrap="square" lIns="91440" tIns="45720" rIns="91440" bIns="45720" numCol="1" spcCol="0" rtlCol="0" fromWordArt="0" anchor="ctr" anchorCtr="0" forceAA="0" compatLnSpc="1">
+            <a:prstTxWarp prst="textNoShape">
+              <a:avLst/>
+            </a:prstTxWarp>
+            <a:noAutofit/>
           </a:bodyPr>
           <a:lstStyle/>
           <a:p>
-            <a:r>
-              <a:rPr lang="en-US" dirty="0"/>
-              <a:t>Presentation Title</a:t>
-            </a:r>
+            <a:pPr algn="ctr"/>
+            <a:endParaRPr lang="en-US"/>
+          </a:p>
+        </p:txBody>
+      </p:sp>
+      <p:grpSp>
+        <p:nvGrpSpPr>
+          <p:cNvPr id="46" name="Group 45">
+            <a:extLst>
+              <a:ext uri="{FF2B5EF4-FFF2-40B4-BE49-F238E27FC236}">
+                <a16:creationId xmlns:a16="http://schemas.microsoft.com/office/drawing/2014/main" id="{79DE9FAB-6BBA-4CFE-B67D-77B47F01ECA4}"/>
+              </a:ext>
+              <a:ext uri="{C183D7F6-B498-43B3-948B-1728B52AA6E4}">
+                <adec:decorative xmlns:adec="http://schemas.microsoft.com/office/drawing/2017/decorative" val="1"/>
+              </a:ext>
+            </a:extLst>
+          </p:cNvPr>
+          <p:cNvGrpSpPr>
+            <a:grpSpLocks noGrp="1" noUngrp="1" noRot="1" noChangeAspect="1" noMove="1" noResize="1"/>
+          </p:cNvGrpSpPr>
+          <p:nvPr>
+            <p:extLst>
+              <p:ext uri="{386F3935-93C4-4BCD-93E2-E3B085C9AB24}">
+                <p16:designElem xmlns:p16="http://schemas.microsoft.com/office/powerpoint/2015/main" val="1"/>
+              </p:ext>
+            </p:extLst>
+          </p:nvPr>
+        </p:nvGrpSpPr>
+        <p:grpSpPr>
+          <a:xfrm>
+            <a:off x="1329952" y="4524379"/>
+            <a:ext cx="1980001" cy="1363916"/>
+            <a:chOff x="4879602" y="3781429"/>
+            <a:chExt cx="1980001" cy="1363916"/>
+          </a:xfrm>
+        </p:grpSpPr>
+        <p:sp>
+          <p:nvSpPr>
+            <p:cNvPr id="47" name="Freeform: Shape 46">
+              <a:extLst>
+                <a:ext uri="{FF2B5EF4-FFF2-40B4-BE49-F238E27FC236}">
+                  <a16:creationId xmlns:a16="http://schemas.microsoft.com/office/drawing/2014/main" id="{79FAC916-D9BB-4794-81B4-7C47C67E850D}"/>
+                </a:ext>
+                <a:ext uri="{C183D7F6-B498-43B3-948B-1728B52AA6E4}">
+                  <adec:decorative xmlns:adec="http://schemas.microsoft.com/office/drawing/2017/decorative" val="1"/>
+                </a:ext>
+              </a:extLst>
+            </p:cNvPr>
+            <p:cNvSpPr>
+              <a:spLocks noChangeAspect="1"/>
+            </p:cNvSpPr>
+            <p:nvPr>
+              <p:extLst>
+                <p:ext uri="{386F3935-93C4-4BCD-93E2-E3B085C9AB24}">
+                  <p16:designElem xmlns:p16="http://schemas.microsoft.com/office/powerpoint/2015/main" val="1"/>
+                </p:ext>
+              </p:extLst>
+            </p:nvPr>
+          </p:nvSpPr>
+          <p:spPr>
+            <a:xfrm rot="18900000" flipV="1">
+              <a:off x="5005634" y="4191206"/>
+              <a:ext cx="1853969" cy="926985"/>
+            </a:xfrm>
+            <a:custGeom>
+              <a:avLst/>
+              <a:gdLst>
+                <a:gd name="connsiteX0" fmla="*/ 1329373 w 2658746"/>
+                <a:gd name="connsiteY0" fmla="*/ 0 h 1329373"/>
+                <a:gd name="connsiteX1" fmla="*/ 2658746 w 2658746"/>
+                <a:gd name="connsiteY1" fmla="*/ 1329373 h 1329373"/>
+                <a:gd name="connsiteX2" fmla="*/ 1994059 w 2658746"/>
+                <a:gd name="connsiteY2" fmla="*/ 1329373 h 1329373"/>
+                <a:gd name="connsiteX3" fmla="*/ 1329373 w 2658746"/>
+                <a:gd name="connsiteY3" fmla="*/ 664687 h 1329373"/>
+                <a:gd name="connsiteX4" fmla="*/ 664687 w 2658746"/>
+                <a:gd name="connsiteY4" fmla="*/ 1329373 h 1329373"/>
+                <a:gd name="connsiteX5" fmla="*/ 0 w 2658746"/>
+                <a:gd name="connsiteY5" fmla="*/ 1329373 h 1329373"/>
+                <a:gd name="connsiteX6" fmla="*/ 1329373 w 2658746"/>
+                <a:gd name="connsiteY6" fmla="*/ 0 h 1329373"/>
+              </a:gdLst>
+              <a:ahLst/>
+              <a:cxnLst>
+                <a:cxn ang="0">
+                  <a:pos x="connsiteX0" y="connsiteY0"/>
+                </a:cxn>
+                <a:cxn ang="0">
+                  <a:pos x="connsiteX1" y="connsiteY1"/>
+                </a:cxn>
+                <a:cxn ang="0">
+                  <a:pos x="connsiteX2" y="connsiteY2"/>
+                </a:cxn>
+                <a:cxn ang="0">
+                  <a:pos x="connsiteX3" y="connsiteY3"/>
+                </a:cxn>
+                <a:cxn ang="0">
+                  <a:pos x="connsiteX4" y="connsiteY4"/>
+                </a:cxn>
+                <a:cxn ang="0">
+                  <a:pos x="connsiteX5" y="connsiteY5"/>
+                </a:cxn>
+                <a:cxn ang="0">
+                  <a:pos x="connsiteX6" y="connsiteY6"/>
+                </a:cxn>
+              </a:cxnLst>
+              <a:rect l="l" t="t" r="r" b="b"/>
+              <a:pathLst>
+                <a:path w="2658746" h="1329373">
+                  <a:moveTo>
+                    <a:pt x="1329373" y="0"/>
+                  </a:moveTo>
+                  <a:cubicBezTo>
+                    <a:pt x="2063565" y="0"/>
+                    <a:pt x="2658746" y="595181"/>
+                    <a:pt x="2658746" y="1329373"/>
+                  </a:cubicBezTo>
+                  <a:lnTo>
+                    <a:pt x="1994059" y="1329373"/>
+                  </a:lnTo>
+                  <a:cubicBezTo>
+                    <a:pt x="1994059" y="962277"/>
+                    <a:pt x="1696469" y="664687"/>
+                    <a:pt x="1329373" y="664687"/>
+                  </a:cubicBezTo>
+                  <a:cubicBezTo>
+                    <a:pt x="962277" y="664687"/>
+                    <a:pt x="664687" y="962277"/>
+                    <a:pt x="664687" y="1329373"/>
+                  </a:cubicBezTo>
+                  <a:lnTo>
+                    <a:pt x="0" y="1329373"/>
+                  </a:lnTo>
+                  <a:cubicBezTo>
+                    <a:pt x="0" y="595181"/>
+                    <a:pt x="595181" y="0"/>
+                    <a:pt x="1329373" y="0"/>
+                  </a:cubicBezTo>
+                  <a:close/>
+                </a:path>
+              </a:pathLst>
+            </a:custGeom>
+            <a:solidFill>
+              <a:schemeClr val="bg2"/>
+            </a:solidFill>
+            <a:ln>
+              <a:noFill/>
+            </a:ln>
+            <a:effectLst>
+              <a:innerShdw blurRad="254000" dist="50800" dir="16200000">
+                <a:schemeClr val="accent1">
+                  <a:lumMod val="40000"/>
+                  <a:lumOff val="60000"/>
+                  <a:alpha val="40000"/>
+                </a:schemeClr>
+              </a:innerShdw>
+            </a:effectLst>
+          </p:spPr>
+          <p:style>
+            <a:lnRef idx="2">
+              <a:schemeClr val="accent1">
+                <a:shade val="50000"/>
+              </a:schemeClr>
+            </a:lnRef>
+            <a:fillRef idx="1">
+              <a:schemeClr val="accent1"/>
+            </a:fillRef>
+            <a:effectRef idx="0">
+              <a:schemeClr val="accent1"/>
+            </a:effectRef>
+            <a:fontRef idx="minor">
+              <a:schemeClr val="lt1"/>
+            </a:fontRef>
+          </p:style>
+          <p:txBody>
+            <a:bodyPr rtlCol="0" anchor="ctr"/>
+            <a:lstStyle/>
+            <a:p>
+              <a:pPr algn="ctr"/>
+              <a:endParaRPr lang="en-US" dirty="0"/>
+            </a:p>
+          </p:txBody>
+        </p:sp>
+        <p:sp>
+          <p:nvSpPr>
+            <p:cNvPr id="48" name="Freeform: Shape 47">
+              <a:extLst>
+                <a:ext uri="{FF2B5EF4-FFF2-40B4-BE49-F238E27FC236}">
+                  <a16:creationId xmlns:a16="http://schemas.microsoft.com/office/drawing/2014/main" id="{B5CA2231-7A65-4D16-8400-A210CC41DB73}"/>
+                </a:ext>
+                <a:ext uri="{C183D7F6-B498-43B3-948B-1728B52AA6E4}">
+                  <adec:decorative xmlns:adec="http://schemas.microsoft.com/office/drawing/2017/decorative" val="1"/>
+                </a:ext>
+              </a:extLst>
+            </p:cNvPr>
+            <p:cNvSpPr>
+              <a:spLocks noChangeAspect="1"/>
+            </p:cNvSpPr>
+            <p:nvPr>
+              <p:extLst>
+                <p:ext uri="{386F3935-93C4-4BCD-93E2-E3B085C9AB24}">
+                  <p16:designElem xmlns:p16="http://schemas.microsoft.com/office/powerpoint/2015/main" val="1"/>
+                </p:ext>
+              </p:extLst>
+            </p:nvPr>
+          </p:nvSpPr>
+          <p:spPr>
+            <a:xfrm rot="18900000" flipV="1">
+              <a:off x="4957101" y="4052255"/>
+              <a:ext cx="1853969" cy="1093090"/>
+            </a:xfrm>
+            <a:custGeom>
+              <a:avLst/>
+              <a:gdLst>
+                <a:gd name="connsiteX0" fmla="*/ 1329373 w 2658746"/>
+                <a:gd name="connsiteY0" fmla="*/ 0 h 1329373"/>
+                <a:gd name="connsiteX1" fmla="*/ 2658746 w 2658746"/>
+                <a:gd name="connsiteY1" fmla="*/ 1329373 h 1329373"/>
+                <a:gd name="connsiteX2" fmla="*/ 1994059 w 2658746"/>
+                <a:gd name="connsiteY2" fmla="*/ 1329373 h 1329373"/>
+                <a:gd name="connsiteX3" fmla="*/ 1329373 w 2658746"/>
+                <a:gd name="connsiteY3" fmla="*/ 664687 h 1329373"/>
+                <a:gd name="connsiteX4" fmla="*/ 664687 w 2658746"/>
+                <a:gd name="connsiteY4" fmla="*/ 1329373 h 1329373"/>
+                <a:gd name="connsiteX5" fmla="*/ 0 w 2658746"/>
+                <a:gd name="connsiteY5" fmla="*/ 1329373 h 1329373"/>
+                <a:gd name="connsiteX6" fmla="*/ 1329373 w 2658746"/>
+                <a:gd name="connsiteY6" fmla="*/ 0 h 1329373"/>
+              </a:gdLst>
+              <a:ahLst/>
+              <a:cxnLst>
+                <a:cxn ang="0">
+                  <a:pos x="connsiteX0" y="connsiteY0"/>
+                </a:cxn>
+                <a:cxn ang="0">
+                  <a:pos x="connsiteX1" y="connsiteY1"/>
+                </a:cxn>
+                <a:cxn ang="0">
+                  <a:pos x="connsiteX2" y="connsiteY2"/>
+                </a:cxn>
+                <a:cxn ang="0">
+                  <a:pos x="connsiteX3" y="connsiteY3"/>
+                </a:cxn>
+                <a:cxn ang="0">
+                  <a:pos x="connsiteX4" y="connsiteY4"/>
+                </a:cxn>
+                <a:cxn ang="0">
+                  <a:pos x="connsiteX5" y="connsiteY5"/>
+                </a:cxn>
+                <a:cxn ang="0">
+                  <a:pos x="connsiteX6" y="connsiteY6"/>
+                </a:cxn>
+              </a:cxnLst>
+              <a:rect l="l" t="t" r="r" b="b"/>
+              <a:pathLst>
+                <a:path w="2658746" h="1329373">
+                  <a:moveTo>
+                    <a:pt x="1329373" y="0"/>
+                  </a:moveTo>
+                  <a:cubicBezTo>
+                    <a:pt x="2063565" y="0"/>
+                    <a:pt x="2658746" y="595181"/>
+                    <a:pt x="2658746" y="1329373"/>
+                  </a:cubicBezTo>
+                  <a:lnTo>
+                    <a:pt x="1994059" y="1329373"/>
+                  </a:lnTo>
+                  <a:cubicBezTo>
+                    <a:pt x="1994059" y="962277"/>
+                    <a:pt x="1696469" y="664687"/>
+                    <a:pt x="1329373" y="664687"/>
+                  </a:cubicBezTo>
+                  <a:cubicBezTo>
+                    <a:pt x="962277" y="664687"/>
+                    <a:pt x="664687" y="962277"/>
+                    <a:pt x="664687" y="1329373"/>
+                  </a:cubicBezTo>
+                  <a:lnTo>
+                    <a:pt x="0" y="1329373"/>
+                  </a:lnTo>
+                  <a:cubicBezTo>
+                    <a:pt x="0" y="595181"/>
+                    <a:pt x="595181" y="0"/>
+                    <a:pt x="1329373" y="0"/>
+                  </a:cubicBezTo>
+                  <a:close/>
+                </a:path>
+              </a:pathLst>
+            </a:custGeom>
+            <a:solidFill>
+              <a:schemeClr val="bg2">
+                <a:lumMod val="50000"/>
+                <a:lumOff val="50000"/>
+                <a:alpha val="40000"/>
+              </a:schemeClr>
+            </a:solidFill>
+            <a:ln>
+              <a:noFill/>
+            </a:ln>
+            <a:effectLst>
+              <a:softEdge rad="190500"/>
+            </a:effectLst>
+          </p:spPr>
+          <p:style>
+            <a:lnRef idx="2">
+              <a:schemeClr val="accent1">
+                <a:shade val="50000"/>
+              </a:schemeClr>
+            </a:lnRef>
+            <a:fillRef idx="1">
+              <a:schemeClr val="accent1"/>
+            </a:fillRef>
+            <a:effectRef idx="0">
+              <a:schemeClr val="accent1"/>
+            </a:effectRef>
+            <a:fontRef idx="minor">
+              <a:schemeClr val="lt1"/>
+            </a:fontRef>
+          </p:style>
+          <p:txBody>
+            <a:bodyPr rtlCol="0" anchor="ctr"/>
+            <a:lstStyle/>
+            <a:p>
+              <a:pPr algn="ctr"/>
+              <a:endParaRPr lang="en-US" dirty="0">
+                <a:solidFill>
+                  <a:schemeClr val="tx1"/>
+                </a:solidFill>
+              </a:endParaRPr>
+            </a:p>
+          </p:txBody>
+        </p:sp>
+        <p:sp>
+          <p:nvSpPr>
+            <p:cNvPr id="49" name="Oval 48">
+              <a:extLst>
+                <a:ext uri="{FF2B5EF4-FFF2-40B4-BE49-F238E27FC236}">
+                  <a16:creationId xmlns:a16="http://schemas.microsoft.com/office/drawing/2014/main" id="{4B089C8C-B82B-4704-88E2-E857A5E21529}"/>
+                </a:ext>
+                <a:ext uri="{C183D7F6-B498-43B3-948B-1728B52AA6E4}">
+                  <adec:decorative xmlns:adec="http://schemas.microsoft.com/office/drawing/2017/decorative" val="1"/>
+                </a:ext>
+              </a:extLst>
+            </p:cNvPr>
+            <p:cNvSpPr/>
+            <p:nvPr>
+              <p:extLst>
+                <p:ext uri="{386F3935-93C4-4BCD-93E2-E3B085C9AB24}">
+                  <p16:designElem xmlns:p16="http://schemas.microsoft.com/office/powerpoint/2015/main" val="1"/>
+                </p:ext>
+              </p:extLst>
+            </p:nvPr>
+          </p:nvSpPr>
+          <p:spPr>
+            <a:xfrm rot="13500000" flipV="1">
+              <a:off x="6040374" y="3601683"/>
+              <a:ext cx="107098" cy="466589"/>
+            </a:xfrm>
+            <a:prstGeom prst="ellipse">
+              <a:avLst/>
+            </a:prstGeom>
+            <a:solidFill>
+              <a:schemeClr val="bg2">
+                <a:lumMod val="90000"/>
+                <a:lumOff val="10000"/>
+              </a:schemeClr>
+            </a:solidFill>
+            <a:ln>
+              <a:noFill/>
+            </a:ln>
+            <a:effectLst>
+              <a:innerShdw blurRad="63500" dist="2540000">
+                <a:schemeClr val="accent1">
+                  <a:lumMod val="60000"/>
+                  <a:lumOff val="40000"/>
+                  <a:alpha val="0"/>
+                </a:schemeClr>
+              </a:innerShdw>
+            </a:effectLst>
+          </p:spPr>
+          <p:style>
+            <a:lnRef idx="2">
+              <a:schemeClr val="accent1">
+                <a:shade val="50000"/>
+              </a:schemeClr>
+            </a:lnRef>
+            <a:fillRef idx="1">
+              <a:schemeClr val="accent1"/>
+            </a:fillRef>
+            <a:effectRef idx="0">
+              <a:schemeClr val="accent1"/>
+            </a:effectRef>
+            <a:fontRef idx="minor">
+              <a:schemeClr val="lt1"/>
+            </a:fontRef>
+          </p:style>
+          <p:txBody>
+            <a:bodyPr rot="0" spcFirstLastPara="0" vertOverflow="overflow" horzOverflow="overflow" vert="horz" wrap="square" lIns="91440" tIns="45720" rIns="91440" bIns="45720" numCol="1" spcCol="0" rtlCol="0" fromWordArt="0" anchor="ctr" anchorCtr="0" forceAA="0" compatLnSpc="1">
+              <a:prstTxWarp prst="textNoShape">
+                <a:avLst/>
+              </a:prstTxWarp>
+              <a:noAutofit/>
+            </a:bodyPr>
+            <a:lstStyle/>
+            <a:p>
+              <a:pPr algn="ctr"/>
+              <a:endParaRPr lang="en-US"/>
+            </a:p>
+          </p:txBody>
+        </p:sp>
+        <p:sp>
+          <p:nvSpPr>
+            <p:cNvPr id="50" name="Oval 49">
+              <a:extLst>
+                <a:ext uri="{FF2B5EF4-FFF2-40B4-BE49-F238E27FC236}">
+                  <a16:creationId xmlns:a16="http://schemas.microsoft.com/office/drawing/2014/main" id="{434B90C8-5B4D-456E-AD99-80EF748FDD72}"/>
+                </a:ext>
+                <a:ext uri="{C183D7F6-B498-43B3-948B-1728B52AA6E4}">
+                  <adec:decorative xmlns:adec="http://schemas.microsoft.com/office/drawing/2017/decorative" val="1"/>
+                </a:ext>
+              </a:extLst>
+            </p:cNvPr>
+            <p:cNvSpPr/>
+            <p:nvPr>
+              <p:extLst>
+                <p:ext uri="{386F3935-93C4-4BCD-93E2-E3B085C9AB24}">
+                  <p16:designElem xmlns:p16="http://schemas.microsoft.com/office/powerpoint/2015/main" val="1"/>
+                </p:ext>
+              </p:extLst>
+            </p:nvPr>
+          </p:nvSpPr>
+          <p:spPr>
+            <a:xfrm rot="13500000" flipV="1">
+              <a:off x="5059348" y="4582709"/>
+              <a:ext cx="107098" cy="466589"/>
+            </a:xfrm>
+            <a:prstGeom prst="ellipse">
+              <a:avLst/>
+            </a:prstGeom>
+            <a:solidFill>
+              <a:schemeClr val="bg2">
+                <a:lumMod val="90000"/>
+                <a:lumOff val="10000"/>
+              </a:schemeClr>
+            </a:solidFill>
+            <a:ln>
+              <a:noFill/>
+            </a:ln>
+            <a:effectLst>
+              <a:innerShdw blurRad="63500" dist="2540000">
+                <a:schemeClr val="accent1">
+                  <a:lumMod val="60000"/>
+                  <a:lumOff val="40000"/>
+                  <a:alpha val="0"/>
+                </a:schemeClr>
+              </a:innerShdw>
+            </a:effectLst>
+          </p:spPr>
+          <p:style>
+            <a:lnRef idx="2">
+              <a:schemeClr val="accent1">
+                <a:shade val="50000"/>
+              </a:schemeClr>
+            </a:lnRef>
+            <a:fillRef idx="1">
+              <a:schemeClr val="accent1"/>
+            </a:fillRef>
+            <a:effectRef idx="0">
+              <a:schemeClr val="accent1"/>
+            </a:effectRef>
+            <a:fontRef idx="minor">
+              <a:schemeClr val="lt1"/>
+            </a:fontRef>
+          </p:style>
+          <p:txBody>
+            <a:bodyPr rot="0" spcFirstLastPara="0" vertOverflow="overflow" horzOverflow="overflow" vert="horz" wrap="square" lIns="91440" tIns="45720" rIns="91440" bIns="45720" numCol="1" spcCol="0" rtlCol="0" fromWordArt="0" anchor="ctr" anchorCtr="0" forceAA="0" compatLnSpc="1">
+              <a:prstTxWarp prst="textNoShape">
+                <a:avLst/>
+              </a:prstTxWarp>
+              <a:noAutofit/>
+            </a:bodyPr>
+            <a:lstStyle/>
+            <a:p>
+              <a:pPr algn="ctr"/>
+              <a:endParaRPr lang="en-US"/>
+            </a:p>
+          </p:txBody>
+        </p:sp>
+      </p:grpSp>
+      <p:sp useBgFill="1">
+        <p:nvSpPr>
+          <p:cNvPr id="52" name="Rectangle 51">
+            <a:extLst>
+              <a:ext uri="{FF2B5EF4-FFF2-40B4-BE49-F238E27FC236}">
+                <a16:creationId xmlns:a16="http://schemas.microsoft.com/office/drawing/2014/main" id="{1DB043B4-68C6-45B9-82AC-A5800EADB8DB}"/>
+              </a:ext>
+              <a:ext uri="{C183D7F6-B498-43B3-948B-1728B52AA6E4}">
+                <adec:decorative xmlns:adec="http://schemas.microsoft.com/office/drawing/2017/decorative" val="1"/>
+              </a:ext>
+            </a:extLst>
+          </p:cNvPr>
+          <p:cNvSpPr>
+            <a:spLocks noGrp="1" noRot="1" noChangeAspect="1" noMove="1" noResize="1" noEditPoints="1" noAdjustHandles="1" noChangeArrowheads="1" noChangeShapeType="1" noTextEdit="1"/>
+          </p:cNvSpPr>
+          <p:nvPr>
+            <p:extLst>
+              <p:ext uri="{386F3935-93C4-4BCD-93E2-E3B085C9AB24}">
+                <p16:designElem xmlns:p16="http://schemas.microsoft.com/office/powerpoint/2015/main" val="1"/>
+              </p:ext>
+            </p:extLst>
+          </p:nvPr>
+        </p:nvSpPr>
+        <p:spPr>
+          <a:xfrm>
+            <a:off x="0" y="0"/>
+            <a:ext cx="12192000" cy="6858000"/>
+          </a:xfrm>
+          <a:prstGeom prst="rect">
+            <a:avLst/>
+          </a:prstGeom>
+          <a:ln w="12700" cap="flat" cmpd="sng" algn="ctr">
+            <a:noFill/>
+            <a:prstDash val="solid"/>
+            <a:miter lim="800000"/>
+          </a:ln>
+          <a:effectLst/>
+          <a:extLst>
+            <a:ext uri="{91240B29-F687-4F45-9708-019B960494DF}">
+              <a14:hiddenLine xmlns:a14="http://schemas.microsoft.com/office/drawing/2010/main" w="12700" cap="flat" cmpd="sng" algn="ctr">
+                <a:solidFill>
+                  <a:schemeClr val="accent1">
+                    <a:shade val="50000"/>
+                  </a:schemeClr>
+                </a:solidFill>
+                <a:prstDash val="solid"/>
+                <a:miter lim="800000"/>
+              </a14:hiddenLine>
+            </a:ext>
+          </a:extLst>
+        </p:spPr>
+        <p:style>
+          <a:lnRef idx="2">
+            <a:schemeClr val="accent1">
+              <a:shade val="50000"/>
+            </a:schemeClr>
+          </a:lnRef>
+          <a:fillRef idx="1">
+            <a:schemeClr val="accent1"/>
+          </a:fillRef>
+          <a:effectRef idx="0">
+            <a:schemeClr val="accent1"/>
+          </a:effectRef>
+          <a:fontRef idx="minor">
+            <a:schemeClr val="lt1"/>
+          </a:fontRef>
+        </p:style>
+        <p:txBody>
+          <a:bodyPr rtlCol="0" anchor="ctr"/>
+          <a:lstStyle/>
+          <a:p>
+            <a:pPr algn="ctr"/>
+            <a:endParaRPr lang="en-US"/>
           </a:p>
         </p:txBody>
       </p:sp>
@@ -18996,16 +19856,156 @@
               </a:ext>
             </a:extLst>
           </a:blip>
-          <a:srcRect/>
+          <a:srcRect b="38859"/>
           <a:stretch/>
         </p:blipFill>
         <p:spPr>
           <a:xfrm>
-            <a:off x="0" y="0"/>
-            <a:ext cx="7452360" cy="6858000"/>
+            <a:off x="20" y="1"/>
+            <a:ext cx="12191980" cy="6858000"/>
+          </a:xfrm>
+          <a:custGeom>
+            <a:avLst/>
+            <a:gdLst/>
+            <a:ahLst/>
+            <a:cxnLst/>
+            <a:rect l="l" t="t" r="r" b="b"/>
+            <a:pathLst>
+              <a:path w="12192000" h="6858000">
+                <a:moveTo>
+                  <a:pt x="0" y="0"/>
+                </a:moveTo>
+                <a:lnTo>
+                  <a:pt x="12192000" y="0"/>
+                </a:lnTo>
+                <a:lnTo>
+                  <a:pt x="12192000" y="6858000"/>
+                </a:lnTo>
+                <a:lnTo>
+                  <a:pt x="0" y="6858000"/>
+                </a:lnTo>
+                <a:close/>
+              </a:path>
+            </a:pathLst>
+          </a:custGeom>
+        </p:spPr>
+      </p:pic>
+      <p:sp>
+        <p:nvSpPr>
+          <p:cNvPr id="54" name="Rectangle 53">
+            <a:extLst>
+              <a:ext uri="{FF2B5EF4-FFF2-40B4-BE49-F238E27FC236}">
+                <a16:creationId xmlns:a16="http://schemas.microsoft.com/office/drawing/2014/main" id="{E49CA12F-6E27-4C54-88C4-EE6CE7C473F1}"/>
+              </a:ext>
+              <a:ext uri="{C183D7F6-B498-43B3-948B-1728B52AA6E4}">
+                <adec:decorative xmlns:adec="http://schemas.microsoft.com/office/drawing/2017/decorative" val="1"/>
+              </a:ext>
+            </a:extLst>
+          </p:cNvPr>
+          <p:cNvSpPr>
+            <a:spLocks noGrp="1" noRot="1" noChangeAspect="1" noMove="1" noResize="1" noEditPoints="1" noAdjustHandles="1" noChangeArrowheads="1" noChangeShapeType="1" noTextEdit="1"/>
+          </p:cNvSpPr>
+          <p:nvPr>
+            <p:extLst>
+              <p:ext uri="{386F3935-93C4-4BCD-93E2-E3B085C9AB24}">
+                <p16:designElem xmlns:p16="http://schemas.microsoft.com/office/powerpoint/2015/main" val="1"/>
+              </p:ext>
+            </p:extLst>
+          </p:nvPr>
+        </p:nvSpPr>
+        <p:spPr>
+          <a:xfrm rot="10800000">
+            <a:off x="0" y="-2"/>
+            <a:ext cx="12192000" cy="4857751"/>
+          </a:xfrm>
+          <a:prstGeom prst="rect">
+            <a:avLst/>
+          </a:prstGeom>
+          <a:gradFill flip="none" rotWithShape="1">
+            <a:gsLst>
+              <a:gs pos="70000">
+                <a:schemeClr val="bg2">
+                  <a:alpha val="60000"/>
+                </a:schemeClr>
+              </a:gs>
+              <a:gs pos="26000">
+                <a:schemeClr val="bg2">
+                  <a:alpha val="0"/>
+                </a:schemeClr>
+              </a:gs>
+            </a:gsLst>
+            <a:lin ang="5400000" scaled="0"/>
+            <a:tileRect/>
+          </a:gradFill>
+          <a:ln>
+            <a:noFill/>
+          </a:ln>
+        </p:spPr>
+        <p:style>
+          <a:lnRef idx="2">
+            <a:schemeClr val="accent1">
+              <a:shade val="50000"/>
+            </a:schemeClr>
+          </a:lnRef>
+          <a:fillRef idx="1">
+            <a:schemeClr val="accent1"/>
+          </a:fillRef>
+          <a:effectRef idx="0">
+            <a:schemeClr val="accent1"/>
+          </a:effectRef>
+          <a:fontRef idx="minor">
+            <a:schemeClr val="lt1"/>
+          </a:fontRef>
+        </p:style>
+        <p:txBody>
+          <a:bodyPr rtlCol="0" anchor="ctr"/>
+          <a:lstStyle/>
+          <a:p>
+            <a:pPr algn="ctr"/>
+            <a:endParaRPr lang="en-US"/>
+          </a:p>
+        </p:txBody>
+      </p:sp>
+      <p:sp>
+        <p:nvSpPr>
+          <p:cNvPr id="2" name="Title 1">
+            <a:extLst>
+              <a:ext uri="{FF2B5EF4-FFF2-40B4-BE49-F238E27FC236}">
+                <a16:creationId xmlns:a16="http://schemas.microsoft.com/office/drawing/2014/main" id="{286E938C-9D94-4B05-979A-D39FFC457291}"/>
+              </a:ext>
+            </a:extLst>
+          </p:cNvPr>
+          <p:cNvSpPr>
+            <a:spLocks noGrp="1"/>
+          </p:cNvSpPr>
+          <p:nvPr>
+            <p:ph type="ctrTitle"/>
+          </p:nvPr>
+        </p:nvSpPr>
+        <p:spPr>
+          <a:xfrm>
+            <a:off x="550863" y="549275"/>
+            <a:ext cx="7308849" cy="984885"/>
           </a:xfrm>
         </p:spPr>
-      </p:pic>
+        <p:txBody>
+          <a:bodyPr vert="horz" wrap="square" lIns="0" tIns="0" rIns="0" bIns="0" rtlCol="0" anchor="ctr" anchorCtr="0">
+            <a:normAutofit/>
+          </a:bodyPr>
+          <a:lstStyle/>
+          <a:p>
+            <a:pPr>
+              <a:lnSpc>
+                <a:spcPct val="100000"/>
+              </a:lnSpc>
+            </a:pPr>
+            <a:r>
+              <a:rPr lang="en-US"/>
+              <a:t>Pc interview</a:t>
+            </a:r>
+          </a:p>
+        </p:txBody>
+      </p:sp>
       <p:sp>
         <p:nvSpPr>
           <p:cNvPr id="3" name="Subtitle 2">
@@ -19024,20 +20024,101 @@
         </p:nvSpPr>
         <p:spPr>
           <a:xfrm>
-            <a:off x="7999413" y="3568700"/>
-            <a:ext cx="3565524" cy="1731963"/>
+            <a:off x="8075613" y="549275"/>
+            <a:ext cx="3563938" cy="984885"/>
           </a:xfrm>
         </p:spPr>
         <p:txBody>
-          <a:bodyPr>
+          <a:bodyPr vert="horz" wrap="square" lIns="0" tIns="0" rIns="0" bIns="0" rtlCol="0" anchor="ctr">
             <a:normAutofit/>
           </a:bodyPr>
           <a:lstStyle/>
           <a:p>
+            <a:pPr marL="0" indent="0" algn="r">
+              <a:lnSpc>
+                <a:spcPct val="100000"/>
+              </a:lnSpc>
+            </a:pPr>
             <a:r>
-              <a:rPr lang="en-US" dirty="0"/>
-              <a:t>Group Name</a:t>
+              <a:rPr lang="en-US" sz="2400"/>
+              <a:t>Coey sherwin</a:t>
             </a:r>
+          </a:p>
+        </p:txBody>
+      </p:sp>
+      <p:sp>
+        <p:nvSpPr>
+          <p:cNvPr id="56" name="Rectangle 55">
+            <a:extLst>
+              <a:ext uri="{FF2B5EF4-FFF2-40B4-BE49-F238E27FC236}">
+                <a16:creationId xmlns:a16="http://schemas.microsoft.com/office/drawing/2014/main" id="{5337EA23-6703-4C96-9EEB-A408CBDD67BD}"/>
+              </a:ext>
+              <a:ext uri="{C183D7F6-B498-43B3-948B-1728B52AA6E4}">
+                <adec:decorative xmlns:adec="http://schemas.microsoft.com/office/drawing/2017/decorative" val="1"/>
+              </a:ext>
+            </a:extLst>
+          </p:cNvPr>
+          <p:cNvSpPr>
+            <a:spLocks noGrp="1" noRot="1" noChangeAspect="1" noMove="1" noResize="1" noEditPoints="1" noAdjustHandles="1" noChangeArrowheads="1" noChangeShapeType="1" noTextEdit="1"/>
+          </p:cNvSpPr>
+          <p:nvPr>
+            <p:extLst>
+              <p:ext uri="{386F3935-93C4-4BCD-93E2-E3B085C9AB24}">
+                <p16:designElem xmlns:p16="http://schemas.microsoft.com/office/powerpoint/2015/main" val="1"/>
+              </p:ext>
+            </p:extLst>
+          </p:nvPr>
+        </p:nvSpPr>
+        <p:spPr>
+          <a:xfrm>
+            <a:off x="0" y="5773729"/>
+            <a:ext cx="12192000" cy="1084271"/>
+          </a:xfrm>
+          <a:prstGeom prst="rect">
+            <a:avLst/>
+          </a:prstGeom>
+          <a:gradFill flip="none" rotWithShape="1">
+            <a:gsLst>
+              <a:gs pos="100000">
+                <a:schemeClr val="bg2">
+                  <a:alpha val="60000"/>
+                </a:schemeClr>
+              </a:gs>
+              <a:gs pos="40000">
+                <a:schemeClr val="bg2">
+                  <a:alpha val="0"/>
+                </a:schemeClr>
+              </a:gs>
+            </a:gsLst>
+            <a:lin ang="5400000" scaled="0"/>
+            <a:tileRect/>
+          </a:gradFill>
+          <a:ln>
+            <a:noFill/>
+          </a:ln>
+        </p:spPr>
+        <p:style>
+          <a:lnRef idx="2">
+            <a:schemeClr val="accent1">
+              <a:shade val="50000"/>
+            </a:schemeClr>
+          </a:lnRef>
+          <a:fillRef idx="1">
+            <a:schemeClr val="accent1"/>
+          </a:fillRef>
+          <a:effectRef idx="0">
+            <a:schemeClr val="accent1"/>
+          </a:effectRef>
+          <a:fontRef idx="minor">
+            <a:schemeClr val="lt1"/>
+          </a:fontRef>
+        </p:style>
+        <p:txBody>
+          <a:bodyPr rtlCol="0" anchor="ctr"/>
+          <a:lstStyle/>
+          <a:p>
+            <a:pPr algn="ctr"/>
+            <a:endParaRPr lang="en-US"/>
           </a:p>
         </p:txBody>
       </p:sp>
@@ -23177,6 +24258,14 @@
 <file path=ppt/slides/slide2.xml><?xml version="1.0" encoding="utf-8"?>
 <p:sld xmlns:a="http://schemas.openxmlformats.org/drawingml/2006/main" xmlns:r="http://schemas.openxmlformats.org/officeDocument/2006/relationships" xmlns:p="http://schemas.openxmlformats.org/presentationml/2006/main">
   <p:cSld>
+    <p:bg>
+      <p:bgPr>
+        <a:solidFill>
+          <a:schemeClr val="bg2"/>
+        </a:solidFill>
+        <a:effectLst/>
+      </p:bgPr>
+    </p:bg>
     <p:spTree>
       <p:nvGrpSpPr>
         <p:cNvPr id="1" name=""/>
@@ -23191,6 +24280,570 @@
           <a:chExt cx="0" cy="0"/>
         </a:xfrm>
       </p:grpSpPr>
+      <p:grpSp>
+        <p:nvGrpSpPr>
+          <p:cNvPr id="83" name="Group 69">
+            <a:extLst>
+              <a:ext uri="{FF2B5EF4-FFF2-40B4-BE49-F238E27FC236}">
+                <a16:creationId xmlns:a16="http://schemas.microsoft.com/office/drawing/2014/main" id="{3BDBC526-6DCD-4FF6-8395-D8C22E46E527}"/>
+              </a:ext>
+              <a:ext uri="{C183D7F6-B498-43B3-948B-1728B52AA6E4}">
+                <adec:decorative xmlns:adec="http://schemas.microsoft.com/office/drawing/2017/decorative" val="1"/>
+              </a:ext>
+            </a:extLst>
+          </p:cNvPr>
+          <p:cNvGrpSpPr>
+            <a:grpSpLocks noGrp="1" noUngrp="1" noRot="1" noChangeAspect="1" noMove="1" noResize="1"/>
+          </p:cNvGrpSpPr>
+          <p:nvPr>
+            <p:extLst>
+              <p:ext uri="{386F3935-93C4-4BCD-93E2-E3B085C9AB24}">
+                <p16:designElem xmlns:p16="http://schemas.microsoft.com/office/powerpoint/2015/main" val="1"/>
+              </p:ext>
+            </p:extLst>
+          </p:nvPr>
+        </p:nvGrpSpPr>
+        <p:grpSpPr>
+          <a:xfrm>
+            <a:off x="613998" y="5334748"/>
+            <a:ext cx="678135" cy="990000"/>
+            <a:chOff x="10490969" y="1448827"/>
+            <a:chExt cx="678135" cy="990000"/>
+          </a:xfrm>
+        </p:grpSpPr>
+        <p:sp>
+          <p:nvSpPr>
+            <p:cNvPr id="84" name="Freeform: Shape 70">
+              <a:extLst>
+                <a:ext uri="{FF2B5EF4-FFF2-40B4-BE49-F238E27FC236}">
+                  <a16:creationId xmlns:a16="http://schemas.microsoft.com/office/drawing/2014/main" id="{02ECB475-568C-47AC-B16D-2E202DEB2DE0}"/>
+                </a:ext>
+                <a:ext uri="{C183D7F6-B498-43B3-948B-1728B52AA6E4}">
+                  <adec:decorative xmlns:adec="http://schemas.microsoft.com/office/drawing/2017/decorative" val="1"/>
+                </a:ext>
+              </a:extLst>
+            </p:cNvPr>
+            <p:cNvSpPr>
+              <a:spLocks noChangeAspect="1"/>
+            </p:cNvSpPr>
+            <p:nvPr>
+              <p:extLst>
+                <p:ext uri="{386F3935-93C4-4BCD-93E2-E3B085C9AB24}">
+                  <p16:designElem xmlns:p16="http://schemas.microsoft.com/office/powerpoint/2015/main" val="1"/>
+                </p:ext>
+              </p:extLst>
+            </p:nvPr>
+          </p:nvSpPr>
+          <p:spPr>
+            <a:xfrm rot="2700000" flipH="1" flipV="1">
+              <a:off x="10268976" y="1743588"/>
+              <a:ext cx="926985" cy="463493"/>
+            </a:xfrm>
+            <a:custGeom>
+              <a:avLst/>
+              <a:gdLst>
+                <a:gd name="connsiteX0" fmla="*/ 1329373 w 2658746"/>
+                <a:gd name="connsiteY0" fmla="*/ 0 h 1329373"/>
+                <a:gd name="connsiteX1" fmla="*/ 2658746 w 2658746"/>
+                <a:gd name="connsiteY1" fmla="*/ 1329373 h 1329373"/>
+                <a:gd name="connsiteX2" fmla="*/ 1994059 w 2658746"/>
+                <a:gd name="connsiteY2" fmla="*/ 1329373 h 1329373"/>
+                <a:gd name="connsiteX3" fmla="*/ 1329373 w 2658746"/>
+                <a:gd name="connsiteY3" fmla="*/ 664687 h 1329373"/>
+                <a:gd name="connsiteX4" fmla="*/ 664687 w 2658746"/>
+                <a:gd name="connsiteY4" fmla="*/ 1329373 h 1329373"/>
+                <a:gd name="connsiteX5" fmla="*/ 0 w 2658746"/>
+                <a:gd name="connsiteY5" fmla="*/ 1329373 h 1329373"/>
+                <a:gd name="connsiteX6" fmla="*/ 1329373 w 2658746"/>
+                <a:gd name="connsiteY6" fmla="*/ 0 h 1329373"/>
+              </a:gdLst>
+              <a:ahLst/>
+              <a:cxnLst>
+                <a:cxn ang="0">
+                  <a:pos x="connsiteX0" y="connsiteY0"/>
+                </a:cxn>
+                <a:cxn ang="0">
+                  <a:pos x="connsiteX1" y="connsiteY1"/>
+                </a:cxn>
+                <a:cxn ang="0">
+                  <a:pos x="connsiteX2" y="connsiteY2"/>
+                </a:cxn>
+                <a:cxn ang="0">
+                  <a:pos x="connsiteX3" y="connsiteY3"/>
+                </a:cxn>
+                <a:cxn ang="0">
+                  <a:pos x="connsiteX4" y="connsiteY4"/>
+                </a:cxn>
+                <a:cxn ang="0">
+                  <a:pos x="connsiteX5" y="connsiteY5"/>
+                </a:cxn>
+                <a:cxn ang="0">
+                  <a:pos x="connsiteX6" y="connsiteY6"/>
+                </a:cxn>
+              </a:cxnLst>
+              <a:rect l="l" t="t" r="r" b="b"/>
+              <a:pathLst>
+                <a:path w="2658746" h="1329373">
+                  <a:moveTo>
+                    <a:pt x="1329373" y="0"/>
+                  </a:moveTo>
+                  <a:cubicBezTo>
+                    <a:pt x="2063565" y="0"/>
+                    <a:pt x="2658746" y="595181"/>
+                    <a:pt x="2658746" y="1329373"/>
+                  </a:cubicBezTo>
+                  <a:lnTo>
+                    <a:pt x="1994059" y="1329373"/>
+                  </a:lnTo>
+                  <a:cubicBezTo>
+                    <a:pt x="1994059" y="962277"/>
+                    <a:pt x="1696469" y="664687"/>
+                    <a:pt x="1329373" y="664687"/>
+                  </a:cubicBezTo>
+                  <a:cubicBezTo>
+                    <a:pt x="962277" y="664687"/>
+                    <a:pt x="664687" y="962277"/>
+                    <a:pt x="664687" y="1329373"/>
+                  </a:cubicBezTo>
+                  <a:lnTo>
+                    <a:pt x="0" y="1329373"/>
+                  </a:lnTo>
+                  <a:cubicBezTo>
+                    <a:pt x="0" y="595181"/>
+                    <a:pt x="595181" y="0"/>
+                    <a:pt x="1329373" y="0"/>
+                  </a:cubicBezTo>
+                  <a:close/>
+                </a:path>
+              </a:pathLst>
+            </a:custGeom>
+            <a:solidFill>
+              <a:schemeClr val="bg2"/>
+            </a:solidFill>
+            <a:ln>
+              <a:noFill/>
+            </a:ln>
+            <a:effectLst>
+              <a:innerShdw blurRad="127000" dist="50800" dir="13500000">
+                <a:schemeClr val="accent1">
+                  <a:lumMod val="40000"/>
+                  <a:lumOff val="60000"/>
+                  <a:alpha val="20000"/>
+                </a:schemeClr>
+              </a:innerShdw>
+            </a:effectLst>
+          </p:spPr>
+          <p:style>
+            <a:lnRef idx="2">
+              <a:schemeClr val="accent1">
+                <a:shade val="50000"/>
+              </a:schemeClr>
+            </a:lnRef>
+            <a:fillRef idx="1">
+              <a:schemeClr val="accent1"/>
+            </a:fillRef>
+            <a:effectRef idx="0">
+              <a:schemeClr val="accent1"/>
+            </a:effectRef>
+            <a:fontRef idx="minor">
+              <a:schemeClr val="lt1"/>
+            </a:fontRef>
+          </p:style>
+          <p:txBody>
+            <a:bodyPr rtlCol="0" anchor="ctr"/>
+            <a:lstStyle/>
+            <a:p>
+              <a:pPr algn="ctr"/>
+              <a:endParaRPr lang="en-US" dirty="0">
+                <a:solidFill>
+                  <a:schemeClr val="tx1"/>
+                </a:solidFill>
+              </a:endParaRPr>
+            </a:p>
+          </p:txBody>
+        </p:sp>
+        <p:sp>
+          <p:nvSpPr>
+            <p:cNvPr id="85" name="Oval 71">
+              <a:extLst>
+                <a:ext uri="{FF2B5EF4-FFF2-40B4-BE49-F238E27FC236}">
+                  <a16:creationId xmlns:a16="http://schemas.microsoft.com/office/drawing/2014/main" id="{080D8764-525A-441E-B58F-068E82F09714}"/>
+                </a:ext>
+                <a:ext uri="{C183D7F6-B498-43B3-948B-1728B52AA6E4}">
+                  <adec:decorative xmlns:adec="http://schemas.microsoft.com/office/drawing/2017/decorative" val="1"/>
+                </a:ext>
+              </a:extLst>
+            </p:cNvPr>
+            <p:cNvSpPr/>
+            <p:nvPr>
+              <p:extLst>
+                <p:ext uri="{386F3935-93C4-4BCD-93E2-E3B085C9AB24}">
+                  <p16:designElem xmlns:p16="http://schemas.microsoft.com/office/powerpoint/2015/main" val="1"/>
+                </p:ext>
+              </p:extLst>
+            </p:nvPr>
+          </p:nvSpPr>
+          <p:spPr>
+            <a:xfrm rot="8100000" flipH="1" flipV="1">
+              <a:off x="11115555" y="1939340"/>
+              <a:ext cx="53549" cy="233295"/>
+            </a:xfrm>
+            <a:prstGeom prst="ellipse">
+              <a:avLst/>
+            </a:prstGeom>
+            <a:solidFill>
+              <a:schemeClr val="bg2">
+                <a:lumMod val="90000"/>
+                <a:lumOff val="10000"/>
+              </a:schemeClr>
+            </a:solidFill>
+            <a:ln>
+              <a:noFill/>
+            </a:ln>
+            <a:effectLst>
+              <a:innerShdw blurRad="63500" dist="2540000">
+                <a:schemeClr val="accent1">
+                  <a:lumMod val="60000"/>
+                  <a:lumOff val="40000"/>
+                  <a:alpha val="0"/>
+                </a:schemeClr>
+              </a:innerShdw>
+            </a:effectLst>
+          </p:spPr>
+          <p:style>
+            <a:lnRef idx="2">
+              <a:schemeClr val="accent1">
+                <a:shade val="50000"/>
+              </a:schemeClr>
+            </a:lnRef>
+            <a:fillRef idx="1">
+              <a:schemeClr val="accent1"/>
+            </a:fillRef>
+            <a:effectRef idx="0">
+              <a:schemeClr val="accent1"/>
+            </a:effectRef>
+            <a:fontRef idx="minor">
+              <a:schemeClr val="lt1"/>
+            </a:fontRef>
+          </p:style>
+          <p:txBody>
+            <a:bodyPr rot="0" spcFirstLastPara="0" vertOverflow="overflow" horzOverflow="overflow" vert="horz" wrap="square" lIns="91440" tIns="45720" rIns="91440" bIns="45720" numCol="1" spcCol="0" rtlCol="0" fromWordArt="0" anchor="ctr" anchorCtr="0" forceAA="0" compatLnSpc="1">
+              <a:prstTxWarp prst="textNoShape">
+                <a:avLst/>
+              </a:prstTxWarp>
+              <a:noAutofit/>
+            </a:bodyPr>
+            <a:lstStyle/>
+            <a:p>
+              <a:pPr algn="ctr"/>
+              <a:endParaRPr lang="en-US"/>
+            </a:p>
+          </p:txBody>
+        </p:sp>
+        <p:sp>
+          <p:nvSpPr>
+            <p:cNvPr id="86" name="Oval 72">
+              <a:extLst>
+                <a:ext uri="{FF2B5EF4-FFF2-40B4-BE49-F238E27FC236}">
+                  <a16:creationId xmlns:a16="http://schemas.microsoft.com/office/drawing/2014/main" id="{11196109-6F2B-4738-B2FC-2CCC753AABD4}"/>
+                </a:ext>
+                <a:ext uri="{C183D7F6-B498-43B3-948B-1728B52AA6E4}">
+                  <adec:decorative xmlns:adec="http://schemas.microsoft.com/office/drawing/2017/decorative" val="1"/>
+                </a:ext>
+              </a:extLst>
+            </p:cNvPr>
+            <p:cNvSpPr/>
+            <p:nvPr>
+              <p:extLst>
+                <p:ext uri="{386F3935-93C4-4BCD-93E2-E3B085C9AB24}">
+                  <p16:designElem xmlns:p16="http://schemas.microsoft.com/office/powerpoint/2015/main" val="1"/>
+                </p:ext>
+              </p:extLst>
+            </p:nvPr>
+          </p:nvSpPr>
+          <p:spPr>
+            <a:xfrm rot="8100000" flipH="1" flipV="1">
+              <a:off x="10625042" y="1448827"/>
+              <a:ext cx="53549" cy="233295"/>
+            </a:xfrm>
+            <a:prstGeom prst="ellipse">
+              <a:avLst/>
+            </a:prstGeom>
+            <a:solidFill>
+              <a:schemeClr val="bg2">
+                <a:lumMod val="90000"/>
+                <a:lumOff val="10000"/>
+              </a:schemeClr>
+            </a:solidFill>
+            <a:ln>
+              <a:noFill/>
+            </a:ln>
+            <a:effectLst>
+              <a:innerShdw blurRad="63500" dist="2540000">
+                <a:schemeClr val="accent1">
+                  <a:lumMod val="60000"/>
+                  <a:lumOff val="40000"/>
+                  <a:alpha val="0"/>
+                </a:schemeClr>
+              </a:innerShdw>
+            </a:effectLst>
+          </p:spPr>
+          <p:style>
+            <a:lnRef idx="2">
+              <a:schemeClr val="accent1">
+                <a:shade val="50000"/>
+              </a:schemeClr>
+            </a:lnRef>
+            <a:fillRef idx="1">
+              <a:schemeClr val="accent1"/>
+            </a:fillRef>
+            <a:effectRef idx="0">
+              <a:schemeClr val="accent1"/>
+            </a:effectRef>
+            <a:fontRef idx="minor">
+              <a:schemeClr val="lt1"/>
+            </a:fontRef>
+          </p:style>
+          <p:txBody>
+            <a:bodyPr rot="0" spcFirstLastPara="0" vertOverflow="overflow" horzOverflow="overflow" vert="horz" wrap="square" lIns="91440" tIns="45720" rIns="91440" bIns="45720" numCol="1" spcCol="0" rtlCol="0" fromWordArt="0" anchor="ctr" anchorCtr="0" forceAA="0" compatLnSpc="1">
+              <a:prstTxWarp prst="textNoShape">
+                <a:avLst/>
+              </a:prstTxWarp>
+              <a:noAutofit/>
+            </a:bodyPr>
+            <a:lstStyle/>
+            <a:p>
+              <a:pPr algn="ctr"/>
+              <a:endParaRPr lang="en-US"/>
+            </a:p>
+          </p:txBody>
+        </p:sp>
+        <p:sp>
+          <p:nvSpPr>
+            <p:cNvPr id="87" name="Freeform: Shape 73">
+              <a:extLst>
+                <a:ext uri="{FF2B5EF4-FFF2-40B4-BE49-F238E27FC236}">
+                  <a16:creationId xmlns:a16="http://schemas.microsoft.com/office/drawing/2014/main" id="{F7E468C2-69B8-470B-85E3-801A3CB1D7E2}"/>
+                </a:ext>
+                <a:ext uri="{C183D7F6-B498-43B3-948B-1728B52AA6E4}">
+                  <adec:decorative xmlns:adec="http://schemas.microsoft.com/office/drawing/2017/decorative" val="1"/>
+                </a:ext>
+              </a:extLst>
+            </p:cNvPr>
+            <p:cNvSpPr>
+              <a:spLocks noChangeAspect="1"/>
+            </p:cNvSpPr>
+            <p:nvPr>
+              <p:extLst>
+                <p:ext uri="{386F3935-93C4-4BCD-93E2-E3B085C9AB24}">
+                  <p16:designElem xmlns:p16="http://schemas.microsoft.com/office/powerpoint/2015/main" val="1"/>
+                </p:ext>
+              </p:extLst>
+            </p:nvPr>
+          </p:nvSpPr>
+          <p:spPr>
+            <a:xfrm rot="2700000" flipH="1" flipV="1">
+              <a:off x="10292519" y="1686748"/>
+              <a:ext cx="926985" cy="530086"/>
+            </a:xfrm>
+            <a:custGeom>
+              <a:avLst/>
+              <a:gdLst>
+                <a:gd name="connsiteX0" fmla="*/ 1329373 w 2658746"/>
+                <a:gd name="connsiteY0" fmla="*/ 0 h 1329373"/>
+                <a:gd name="connsiteX1" fmla="*/ 2658746 w 2658746"/>
+                <a:gd name="connsiteY1" fmla="*/ 1329373 h 1329373"/>
+                <a:gd name="connsiteX2" fmla="*/ 1994059 w 2658746"/>
+                <a:gd name="connsiteY2" fmla="*/ 1329373 h 1329373"/>
+                <a:gd name="connsiteX3" fmla="*/ 1329373 w 2658746"/>
+                <a:gd name="connsiteY3" fmla="*/ 664687 h 1329373"/>
+                <a:gd name="connsiteX4" fmla="*/ 664687 w 2658746"/>
+                <a:gd name="connsiteY4" fmla="*/ 1329373 h 1329373"/>
+                <a:gd name="connsiteX5" fmla="*/ 0 w 2658746"/>
+                <a:gd name="connsiteY5" fmla="*/ 1329373 h 1329373"/>
+                <a:gd name="connsiteX6" fmla="*/ 1329373 w 2658746"/>
+                <a:gd name="connsiteY6" fmla="*/ 0 h 1329373"/>
+              </a:gdLst>
+              <a:ahLst/>
+              <a:cxnLst>
+                <a:cxn ang="0">
+                  <a:pos x="connsiteX0" y="connsiteY0"/>
+                </a:cxn>
+                <a:cxn ang="0">
+                  <a:pos x="connsiteX1" y="connsiteY1"/>
+                </a:cxn>
+                <a:cxn ang="0">
+                  <a:pos x="connsiteX2" y="connsiteY2"/>
+                </a:cxn>
+                <a:cxn ang="0">
+                  <a:pos x="connsiteX3" y="connsiteY3"/>
+                </a:cxn>
+                <a:cxn ang="0">
+                  <a:pos x="connsiteX4" y="connsiteY4"/>
+                </a:cxn>
+                <a:cxn ang="0">
+                  <a:pos x="connsiteX5" y="connsiteY5"/>
+                </a:cxn>
+                <a:cxn ang="0">
+                  <a:pos x="connsiteX6" y="connsiteY6"/>
+                </a:cxn>
+              </a:cxnLst>
+              <a:rect l="l" t="t" r="r" b="b"/>
+              <a:pathLst>
+                <a:path w="2658746" h="1329373">
+                  <a:moveTo>
+                    <a:pt x="1329373" y="0"/>
+                  </a:moveTo>
+                  <a:cubicBezTo>
+                    <a:pt x="2063565" y="0"/>
+                    <a:pt x="2658746" y="595181"/>
+                    <a:pt x="2658746" y="1329373"/>
+                  </a:cubicBezTo>
+                  <a:lnTo>
+                    <a:pt x="1994059" y="1329373"/>
+                  </a:lnTo>
+                  <a:cubicBezTo>
+                    <a:pt x="1994059" y="962277"/>
+                    <a:pt x="1696469" y="664687"/>
+                    <a:pt x="1329373" y="664687"/>
+                  </a:cubicBezTo>
+                  <a:cubicBezTo>
+                    <a:pt x="962277" y="664687"/>
+                    <a:pt x="664687" y="962277"/>
+                    <a:pt x="664687" y="1329373"/>
+                  </a:cubicBezTo>
+                  <a:lnTo>
+                    <a:pt x="0" y="1329373"/>
+                  </a:lnTo>
+                  <a:cubicBezTo>
+                    <a:pt x="0" y="595181"/>
+                    <a:pt x="595181" y="0"/>
+                    <a:pt x="1329373" y="0"/>
+                  </a:cubicBezTo>
+                  <a:close/>
+                </a:path>
+              </a:pathLst>
+            </a:custGeom>
+            <a:solidFill>
+              <a:schemeClr val="bg2">
+                <a:lumMod val="50000"/>
+                <a:lumOff val="50000"/>
+                <a:alpha val="20000"/>
+              </a:schemeClr>
+            </a:solidFill>
+            <a:ln>
+              <a:noFill/>
+            </a:ln>
+            <a:effectLst>
+              <a:softEdge rad="101600"/>
+            </a:effectLst>
+          </p:spPr>
+          <p:style>
+            <a:lnRef idx="2">
+              <a:schemeClr val="accent1">
+                <a:shade val="50000"/>
+              </a:schemeClr>
+            </a:lnRef>
+            <a:fillRef idx="1">
+              <a:schemeClr val="accent1"/>
+            </a:fillRef>
+            <a:effectRef idx="0">
+              <a:schemeClr val="accent1"/>
+            </a:effectRef>
+            <a:fontRef idx="minor">
+              <a:schemeClr val="lt1"/>
+            </a:fontRef>
+          </p:style>
+          <p:txBody>
+            <a:bodyPr rtlCol="0" anchor="ctr"/>
+            <a:lstStyle/>
+            <a:p>
+              <a:pPr algn="ctr"/>
+              <a:endParaRPr lang="en-US" dirty="0">
+                <a:solidFill>
+                  <a:schemeClr val="tx1"/>
+                </a:solidFill>
+              </a:endParaRPr>
+            </a:p>
+          </p:txBody>
+        </p:sp>
+      </p:grpSp>
+      <p:sp useBgFill="1">
+        <p:nvSpPr>
+          <p:cNvPr id="88" name="Rectangle 75">
+            <a:extLst>
+              <a:ext uri="{FF2B5EF4-FFF2-40B4-BE49-F238E27FC236}">
+                <a16:creationId xmlns:a16="http://schemas.microsoft.com/office/drawing/2014/main" id="{A5931BE0-4B93-4D6C-878E-ACC59D6B4587}"/>
+              </a:ext>
+              <a:ext uri="{C183D7F6-B498-43B3-948B-1728B52AA6E4}">
+                <adec:decorative xmlns:adec="http://schemas.microsoft.com/office/drawing/2017/decorative" val="1"/>
+              </a:ext>
+            </a:extLst>
+          </p:cNvPr>
+          <p:cNvSpPr>
+            <a:spLocks noGrp="1" noRot="1" noChangeAspect="1" noMove="1" noResize="1" noEditPoints="1" noAdjustHandles="1" noChangeArrowheads="1" noChangeShapeType="1" noTextEdit="1"/>
+          </p:cNvSpPr>
+          <p:nvPr>
+            <p:extLst>
+              <p:ext uri="{386F3935-93C4-4BCD-93E2-E3B085C9AB24}">
+                <p16:designElem xmlns:p16="http://schemas.microsoft.com/office/powerpoint/2015/main" val="1"/>
+              </p:ext>
+            </p:extLst>
+          </p:nvPr>
+        </p:nvSpPr>
+        <p:spPr>
+          <a:xfrm>
+            <a:off x="0" y="0"/>
+            <a:ext cx="12192000" cy="6858000"/>
+          </a:xfrm>
+          <a:prstGeom prst="rect">
+            <a:avLst/>
+          </a:prstGeom>
+          <a:ln w="12700" cap="flat" cmpd="sng" algn="ctr">
+            <a:noFill/>
+            <a:prstDash val="solid"/>
+            <a:miter lim="800000"/>
+          </a:ln>
+          <a:effectLst/>
+          <a:extLst>
+            <a:ext uri="{91240B29-F687-4F45-9708-019B960494DF}">
+              <a14:hiddenLine xmlns:a14="http://schemas.microsoft.com/office/drawing/2010/main" w="12700" cap="flat" cmpd="sng" algn="ctr">
+                <a:solidFill>
+                  <a:schemeClr val="accent1">
+                    <a:shade val="50000"/>
+                  </a:schemeClr>
+                </a:solidFill>
+                <a:prstDash val="solid"/>
+                <a:miter lim="800000"/>
+              </a14:hiddenLine>
+            </a:ext>
+          </a:extLst>
+        </p:spPr>
+        <p:style>
+          <a:lnRef idx="2">
+            <a:schemeClr val="accent1">
+              <a:shade val="50000"/>
+            </a:schemeClr>
+          </a:lnRef>
+          <a:fillRef idx="1">
+            <a:schemeClr val="accent1"/>
+          </a:fillRef>
+          <a:effectRef idx="0">
+            <a:schemeClr val="accent1"/>
+          </a:effectRef>
+          <a:fontRef idx="minor">
+            <a:schemeClr val="lt1"/>
+          </a:fontRef>
+        </p:style>
+        <p:txBody>
+          <a:bodyPr rtlCol="0" anchor="ctr"/>
+          <a:lstStyle/>
+          <a:p>
+            <a:pPr algn="ctr"/>
+            <a:endParaRPr lang="en-US"/>
+          </a:p>
+        </p:txBody>
+      </p:sp>
       <p:sp>
         <p:nvSpPr>
           <p:cNvPr id="2" name="Title 1">
@@ -23209,81 +24862,369 @@
         </p:nvSpPr>
         <p:spPr>
           <a:xfrm>
-            <a:off x="550864" y="549276"/>
-            <a:ext cx="3565524" cy="1047496"/>
+            <a:off x="550861" y="580363"/>
+            <a:ext cx="5437189" cy="1333055"/>
           </a:xfrm>
         </p:spPr>
         <p:txBody>
-          <a:bodyPr/>
+          <a:bodyPr vert="horz" wrap="square" lIns="0" tIns="0" rIns="0" bIns="0" rtlCol="0" anchor="t" anchorCtr="0">
+            <a:normAutofit/>
+          </a:bodyPr>
           <a:lstStyle/>
           <a:p>
+            <a:pPr>
+              <a:lnSpc>
+                <a:spcPct val="100000"/>
+              </a:lnSpc>
+            </a:pPr>
             <a:r>
-              <a:rPr lang="en-US" dirty="0"/>
+              <a:rPr lang="en-US"/>
               <a:t>Agenda</a:t>
             </a:r>
           </a:p>
         </p:txBody>
       </p:sp>
-      <p:sp>
-        <p:nvSpPr>
-          <p:cNvPr id="3" name="Content Placeholder 2">
+      <p:grpSp>
+        <p:nvGrpSpPr>
+          <p:cNvPr id="89" name="Group 77">
             <a:extLst>
               <a:ext uri="{FF2B5EF4-FFF2-40B4-BE49-F238E27FC236}">
-                <a16:creationId xmlns:a16="http://schemas.microsoft.com/office/drawing/2014/main" id="{D3B60D6F-4D0F-4D33-B2A7-159C8583FF00}"/>
+                <a16:creationId xmlns:a16="http://schemas.microsoft.com/office/drawing/2014/main" id="{11F8F457-0192-4F9A-9EEF-D784521FAC11}"/>
+              </a:ext>
+              <a:ext uri="{C183D7F6-B498-43B3-948B-1728B52AA6E4}">
+                <adec:decorative xmlns:adec="http://schemas.microsoft.com/office/drawing/2017/decorative" val="1"/>
               </a:ext>
             </a:extLst>
           </p:cNvPr>
-          <p:cNvSpPr>
-            <a:spLocks noGrp="1"/>
-          </p:cNvSpPr>
+          <p:cNvGrpSpPr>
+            <a:grpSpLocks noGrp="1" noUngrp="1" noRot="1" noChangeAspect="1" noMove="1" noResize="1"/>
+          </p:cNvGrpSpPr>
           <p:nvPr>
-            <p:ph idx="1"/>
+            <p:extLst>
+              <p:ext uri="{386F3935-93C4-4BCD-93E2-E3B085C9AB24}">
+                <p16:designElem xmlns:p16="http://schemas.microsoft.com/office/powerpoint/2015/main" val="1"/>
+              </p:ext>
+            </p:extLst>
           </p:nvPr>
-        </p:nvSpPr>
-        <p:spPr>
+        </p:nvGrpSpPr>
+        <p:grpSpPr>
           <a:xfrm>
-            <a:off x="550863" y="1596772"/>
-            <a:ext cx="3565525" cy="4496054"/>
+            <a:off x="11102932" y="412017"/>
+            <a:ext cx="667800" cy="631474"/>
+            <a:chOff x="8069541" y="1262702"/>
+            <a:chExt cx="667800" cy="631474"/>
           </a:xfrm>
-        </p:spPr>
-        <p:txBody>
-          <a:bodyPr/>
-          <a:lstStyle/>
-          <a:p>
-            <a:r>
-              <a:rPr lang="en-US" dirty="0"/>
-              <a:t>Introduction – (what is this all about)</a:t>
-            </a:r>
-          </a:p>
-          <a:p>
-            <a:r>
-              <a:rPr lang="en-US" dirty="0"/>
-              <a:t>Getting Started – (what research did you do)</a:t>
-            </a:r>
-          </a:p>
-          <a:p>
-            <a:r>
-              <a:rPr lang="en-US" dirty="0"/>
-              <a:t>Interview Description – (who was the user, what are their needs)</a:t>
-            </a:r>
-          </a:p>
-          <a:p>
-            <a:r>
-              <a:rPr lang="en-US" dirty="0"/>
-              <a:t>Selection – (explain a few considerations) </a:t>
-            </a:r>
-          </a:p>
-          <a:p>
-            <a:r>
-              <a:rPr lang="en-US" dirty="0"/>
-              <a:t>Justification – (why does this fit the users needs)</a:t>
-            </a:r>
-          </a:p>
-          <a:p>
-            <a:endParaRPr lang="en-US" dirty="0"/>
-          </a:p>
-        </p:txBody>
-      </p:sp>
+        </p:grpSpPr>
+        <p:sp>
+          <p:nvSpPr>
+            <p:cNvPr id="79" name="Freeform: Shape 78">
+              <a:extLst>
+                <a:ext uri="{FF2B5EF4-FFF2-40B4-BE49-F238E27FC236}">
+                  <a16:creationId xmlns:a16="http://schemas.microsoft.com/office/drawing/2014/main" id="{811A27EA-330C-4F31-9051-19CBAE97885C}"/>
+                </a:ext>
+                <a:ext uri="{C183D7F6-B498-43B3-948B-1728B52AA6E4}">
+                  <adec:decorative xmlns:adec="http://schemas.microsoft.com/office/drawing/2017/decorative" val="1"/>
+                </a:ext>
+              </a:extLst>
+            </p:cNvPr>
+            <p:cNvSpPr>
+              <a:spLocks noChangeAspect="1"/>
+            </p:cNvSpPr>
+            <p:nvPr>
+              <p:extLst>
+                <p:ext uri="{386F3935-93C4-4BCD-93E2-E3B085C9AB24}">
+                  <p16:designElem xmlns:p16="http://schemas.microsoft.com/office/powerpoint/2015/main" val="1"/>
+                </p:ext>
+              </p:extLst>
+            </p:nvPr>
+          </p:nvSpPr>
+          <p:spPr>
+            <a:xfrm rot="18900000">
+              <a:off x="8069541" y="1262702"/>
+              <a:ext cx="540000" cy="631474"/>
+            </a:xfrm>
+            <a:custGeom>
+              <a:avLst/>
+              <a:gdLst>
+                <a:gd name="connsiteX0" fmla="*/ 540000 w 1080000"/>
+                <a:gd name="connsiteY0" fmla="*/ 0 h 1262947"/>
+                <a:gd name="connsiteX1" fmla="*/ 1080000 w 1080000"/>
+                <a:gd name="connsiteY1" fmla="*/ 931034 h 1262947"/>
+                <a:gd name="connsiteX2" fmla="*/ 1064374 w 1080000"/>
+                <a:gd name="connsiteY2" fmla="*/ 931034 h 1262947"/>
+                <a:gd name="connsiteX3" fmla="*/ 1069029 w 1080000"/>
+                <a:gd name="connsiteY3" fmla="*/ 938533 h 1262947"/>
+                <a:gd name="connsiteX4" fmla="*/ 1080000 w 1080000"/>
+                <a:gd name="connsiteY4" fmla="*/ 992947 h 1262947"/>
+                <a:gd name="connsiteX5" fmla="*/ 540000 w 1080000"/>
+                <a:gd name="connsiteY5" fmla="*/ 1262947 h 1262947"/>
+                <a:gd name="connsiteX6" fmla="*/ 0 w 1080000"/>
+                <a:gd name="connsiteY6" fmla="*/ 992947 h 1262947"/>
+                <a:gd name="connsiteX7" fmla="*/ 10971 w 1080000"/>
+                <a:gd name="connsiteY7" fmla="*/ 938533 h 1262947"/>
+                <a:gd name="connsiteX8" fmla="*/ 15626 w 1080000"/>
+                <a:gd name="connsiteY8" fmla="*/ 931034 h 1262947"/>
+                <a:gd name="connsiteX9" fmla="*/ 0 w 1080000"/>
+                <a:gd name="connsiteY9" fmla="*/ 931034 h 1262947"/>
+                <a:gd name="connsiteX0" fmla="*/ 540000 w 1080000"/>
+                <a:gd name="connsiteY0" fmla="*/ 0 h 1262947"/>
+                <a:gd name="connsiteX1" fmla="*/ 1080000 w 1080000"/>
+                <a:gd name="connsiteY1" fmla="*/ 931034 h 1262947"/>
+                <a:gd name="connsiteX2" fmla="*/ 1064374 w 1080000"/>
+                <a:gd name="connsiteY2" fmla="*/ 931034 h 1262947"/>
+                <a:gd name="connsiteX3" fmla="*/ 1069029 w 1080000"/>
+                <a:gd name="connsiteY3" fmla="*/ 938533 h 1262947"/>
+                <a:gd name="connsiteX4" fmla="*/ 1080000 w 1080000"/>
+                <a:gd name="connsiteY4" fmla="*/ 992947 h 1262947"/>
+                <a:gd name="connsiteX5" fmla="*/ 540000 w 1080000"/>
+                <a:gd name="connsiteY5" fmla="*/ 1262947 h 1262947"/>
+                <a:gd name="connsiteX6" fmla="*/ 0 w 1080000"/>
+                <a:gd name="connsiteY6" fmla="*/ 992947 h 1262947"/>
+                <a:gd name="connsiteX7" fmla="*/ 10971 w 1080000"/>
+                <a:gd name="connsiteY7" fmla="*/ 938533 h 1262947"/>
+                <a:gd name="connsiteX8" fmla="*/ 15626 w 1080000"/>
+                <a:gd name="connsiteY8" fmla="*/ 931034 h 1262947"/>
+                <a:gd name="connsiteX9" fmla="*/ 540000 w 1080000"/>
+                <a:gd name="connsiteY9" fmla="*/ 0 h 1262947"/>
+                <a:gd name="connsiteX0" fmla="*/ 540000 w 1080000"/>
+                <a:gd name="connsiteY0" fmla="*/ 0 h 1262947"/>
+                <a:gd name="connsiteX1" fmla="*/ 1064374 w 1080000"/>
+                <a:gd name="connsiteY1" fmla="*/ 931034 h 1262947"/>
+                <a:gd name="connsiteX2" fmla="*/ 1069029 w 1080000"/>
+                <a:gd name="connsiteY2" fmla="*/ 938533 h 1262947"/>
+                <a:gd name="connsiteX3" fmla="*/ 1080000 w 1080000"/>
+                <a:gd name="connsiteY3" fmla="*/ 992947 h 1262947"/>
+                <a:gd name="connsiteX4" fmla="*/ 540000 w 1080000"/>
+                <a:gd name="connsiteY4" fmla="*/ 1262947 h 1262947"/>
+                <a:gd name="connsiteX5" fmla="*/ 0 w 1080000"/>
+                <a:gd name="connsiteY5" fmla="*/ 992947 h 1262947"/>
+                <a:gd name="connsiteX6" fmla="*/ 10971 w 1080000"/>
+                <a:gd name="connsiteY6" fmla="*/ 938533 h 1262947"/>
+                <a:gd name="connsiteX7" fmla="*/ 15626 w 1080000"/>
+                <a:gd name="connsiteY7" fmla="*/ 931034 h 1262947"/>
+                <a:gd name="connsiteX8" fmla="*/ 540000 w 1080000"/>
+                <a:gd name="connsiteY8" fmla="*/ 0 h 1262947"/>
+              </a:gdLst>
+              <a:ahLst/>
+              <a:cxnLst>
+                <a:cxn ang="0">
+                  <a:pos x="connsiteX0" y="connsiteY0"/>
+                </a:cxn>
+                <a:cxn ang="0">
+                  <a:pos x="connsiteX1" y="connsiteY1"/>
+                </a:cxn>
+                <a:cxn ang="0">
+                  <a:pos x="connsiteX2" y="connsiteY2"/>
+                </a:cxn>
+                <a:cxn ang="0">
+                  <a:pos x="connsiteX3" y="connsiteY3"/>
+                </a:cxn>
+                <a:cxn ang="0">
+                  <a:pos x="connsiteX4" y="connsiteY4"/>
+                </a:cxn>
+                <a:cxn ang="0">
+                  <a:pos x="connsiteX5" y="connsiteY5"/>
+                </a:cxn>
+                <a:cxn ang="0">
+                  <a:pos x="connsiteX6" y="connsiteY6"/>
+                </a:cxn>
+                <a:cxn ang="0">
+                  <a:pos x="connsiteX7" y="connsiteY7"/>
+                </a:cxn>
+                <a:cxn ang="0">
+                  <a:pos x="connsiteX8" y="connsiteY8"/>
+                </a:cxn>
+              </a:cxnLst>
+              <a:rect l="l" t="t" r="r" b="b"/>
+              <a:pathLst>
+                <a:path w="1080000" h="1262947">
+                  <a:moveTo>
+                    <a:pt x="540000" y="0"/>
+                  </a:moveTo>
+                  <a:lnTo>
+                    <a:pt x="1064374" y="931034"/>
+                  </a:lnTo>
+                  <a:lnTo>
+                    <a:pt x="1069029" y="938533"/>
+                  </a:lnTo>
+                  <a:cubicBezTo>
+                    <a:pt x="1076223" y="956109"/>
+                    <a:pt x="1080000" y="974307"/>
+                    <a:pt x="1080000" y="992947"/>
+                  </a:cubicBezTo>
+                  <a:cubicBezTo>
+                    <a:pt x="1080000" y="1142064"/>
+                    <a:pt x="838234" y="1262947"/>
+                    <a:pt x="540000" y="1262947"/>
+                  </a:cubicBezTo>
+                  <a:cubicBezTo>
+                    <a:pt x="241766" y="1262947"/>
+                    <a:pt x="0" y="1142064"/>
+                    <a:pt x="0" y="992947"/>
+                  </a:cubicBezTo>
+                  <a:cubicBezTo>
+                    <a:pt x="0" y="974307"/>
+                    <a:pt x="3778" y="956109"/>
+                    <a:pt x="10971" y="938533"/>
+                  </a:cubicBezTo>
+                  <a:lnTo>
+                    <a:pt x="15626" y="931034"/>
+                  </a:lnTo>
+                  <a:lnTo>
+                    <a:pt x="540000" y="0"/>
+                  </a:lnTo>
+                  <a:close/>
+                </a:path>
+              </a:pathLst>
+            </a:custGeom>
+            <a:gradFill>
+              <a:gsLst>
+                <a:gs pos="60000">
+                  <a:schemeClr val="bg2">
+                    <a:lumMod val="90000"/>
+                    <a:lumOff val="10000"/>
+                  </a:schemeClr>
+                </a:gs>
+                <a:gs pos="30000">
+                  <a:schemeClr val="bg2">
+                    <a:lumMod val="90000"/>
+                    <a:lumOff val="10000"/>
+                  </a:schemeClr>
+                </a:gs>
+                <a:gs pos="40000">
+                  <a:schemeClr val="bg2">
+                    <a:lumMod val="75000"/>
+                    <a:lumOff val="25000"/>
+                  </a:schemeClr>
+                </a:gs>
+                <a:gs pos="100000">
+                  <a:schemeClr val="bg2"/>
+                </a:gs>
+              </a:gsLst>
+              <a:lin ang="10200000" scaled="0"/>
+            </a:gradFill>
+            <a:ln>
+              <a:noFill/>
+            </a:ln>
+            <a:effectLst>
+              <a:innerShdw blurRad="127000" dist="50800" dir="4200000">
+                <a:schemeClr val="accent1">
+                  <a:lumMod val="60000"/>
+                  <a:lumOff val="40000"/>
+                  <a:alpha val="20000"/>
+                </a:schemeClr>
+              </a:innerShdw>
+            </a:effectLst>
+          </p:spPr>
+          <p:style>
+            <a:lnRef idx="2">
+              <a:schemeClr val="accent1">
+                <a:shade val="50000"/>
+              </a:schemeClr>
+            </a:lnRef>
+            <a:fillRef idx="1">
+              <a:schemeClr val="accent1"/>
+            </a:fillRef>
+            <a:effectRef idx="0">
+              <a:schemeClr val="accent1"/>
+            </a:effectRef>
+            <a:fontRef idx="minor">
+              <a:schemeClr val="lt1"/>
+            </a:fontRef>
+          </p:style>
+          <p:txBody>
+            <a:bodyPr rot="0" spcFirstLastPara="0" vertOverflow="overflow" horzOverflow="overflow" vert="horz" wrap="square" lIns="91440" tIns="45720" rIns="91440" bIns="45720" numCol="1" spcCol="0" rtlCol="0" fromWordArt="0" anchor="ctr" anchorCtr="0" forceAA="0" compatLnSpc="1">
+              <a:prstTxWarp prst="textNoShape">
+                <a:avLst/>
+              </a:prstTxWarp>
+              <a:noAutofit/>
+            </a:bodyPr>
+            <a:lstStyle/>
+            <a:p>
+              <a:pPr algn="ctr"/>
+              <a:endParaRPr lang="en-US"/>
+            </a:p>
+          </p:txBody>
+        </p:sp>
+        <p:sp>
+          <p:nvSpPr>
+            <p:cNvPr id="90" name="Oval 79">
+              <a:extLst>
+                <a:ext uri="{FF2B5EF4-FFF2-40B4-BE49-F238E27FC236}">
+                  <a16:creationId xmlns:a16="http://schemas.microsoft.com/office/drawing/2014/main" id="{786FC59F-EC76-4A7A-AF75-507FBE3B52D7}"/>
+                </a:ext>
+                <a:ext uri="{C183D7F6-B498-43B3-948B-1728B52AA6E4}">
+                  <adec:decorative xmlns:adec="http://schemas.microsoft.com/office/drawing/2017/decorative" val="1"/>
+                </a:ext>
+              </a:extLst>
+            </p:cNvPr>
+            <p:cNvSpPr/>
+            <p:nvPr>
+              <p:extLst>
+                <p:ext uri="{386F3935-93C4-4BCD-93E2-E3B085C9AB24}">
+                  <p16:designElem xmlns:p16="http://schemas.microsoft.com/office/powerpoint/2015/main" val="1"/>
+                </p:ext>
+              </p:extLst>
+            </p:nvPr>
+          </p:nvSpPr>
+          <p:spPr>
+            <a:xfrm rot="2700000">
+              <a:off x="8332341" y="1436239"/>
+              <a:ext cx="270000" cy="540000"/>
+            </a:xfrm>
+            <a:prstGeom prst="ellipse">
+              <a:avLst/>
+            </a:prstGeom>
+            <a:solidFill>
+              <a:schemeClr val="bg2">
+                <a:lumMod val="90000"/>
+                <a:lumOff val="10000"/>
+              </a:schemeClr>
+            </a:solidFill>
+            <a:ln>
+              <a:noFill/>
+            </a:ln>
+            <a:effectLst>
+              <a:innerShdw blurRad="1270000" dist="2540000">
+                <a:schemeClr val="accent1">
+                  <a:lumMod val="60000"/>
+                  <a:lumOff val="40000"/>
+                  <a:alpha val="0"/>
+                </a:schemeClr>
+              </a:innerShdw>
+            </a:effectLst>
+          </p:spPr>
+          <p:style>
+            <a:lnRef idx="2">
+              <a:schemeClr val="accent1">
+                <a:shade val="50000"/>
+              </a:schemeClr>
+            </a:lnRef>
+            <a:fillRef idx="1">
+              <a:schemeClr val="accent1"/>
+            </a:fillRef>
+            <a:effectRef idx="0">
+              <a:schemeClr val="accent1"/>
+            </a:effectRef>
+            <a:fontRef idx="minor">
+              <a:schemeClr val="lt1"/>
+            </a:fontRef>
+          </p:style>
+          <p:txBody>
+            <a:bodyPr rot="0" spcFirstLastPara="0" vertOverflow="overflow" horzOverflow="overflow" vert="horz" wrap="square" lIns="91440" tIns="45720" rIns="91440" bIns="45720" numCol="1" spcCol="0" rtlCol="0" fromWordArt="0" anchor="ctr" anchorCtr="0" forceAA="0" compatLnSpc="1">
+              <a:prstTxWarp prst="textNoShape">
+                <a:avLst/>
+              </a:prstTxWarp>
+              <a:noAutofit/>
+            </a:bodyPr>
+            <a:lstStyle/>
+            <a:p>
+              <a:pPr algn="ctr"/>
+              <a:endParaRPr lang="en-US" dirty="0"/>
+            </a:p>
+          </p:txBody>
+        </p:sp>
+      </p:grpSp>
       <p:pic>
         <p:nvPicPr>
           <p:cNvPr id="8" name="Picture Placeholder 7" descr="Digital Data">
@@ -23308,14 +25249,38 @@
               </a:ext>
             </a:extLst>
           </a:blip>
-          <a:srcRect/>
+          <a:srcRect l="24537" r="24511" b="4"/>
           <a:stretch/>
         </p:blipFill>
         <p:spPr>
           <a:xfrm>
-            <a:off x="5208928" y="1596771"/>
-            <a:ext cx="3448558" cy="3448558"/>
+            <a:off x="550863" y="2530474"/>
+            <a:ext cx="1926000" cy="3779838"/>
           </a:xfrm>
+          <a:custGeom>
+            <a:avLst/>
+            <a:gdLst/>
+            <a:ahLst/>
+            <a:cxnLst/>
+            <a:rect l="l" t="t" r="r" b="b"/>
+            <a:pathLst>
+              <a:path w="1926000" h="3779838">
+                <a:moveTo>
+                  <a:pt x="0" y="0"/>
+                </a:moveTo>
+                <a:lnTo>
+                  <a:pt x="1926000" y="0"/>
+                </a:lnTo>
+                <a:lnTo>
+                  <a:pt x="1926000" y="3779838"/>
+                </a:lnTo>
+                <a:lnTo>
+                  <a:pt x="0" y="3779838"/>
+                </a:lnTo>
+                <a:close/>
+              </a:path>
+            </a:pathLst>
+          </a:custGeom>
         </p:spPr>
       </p:pic>
       <p:pic>
@@ -23342,14 +25307,38 @@
               </a:ext>
             </a:extLst>
           </a:blip>
-          <a:srcRect/>
+          <a:srcRect l="42402" r="6506" b="1"/>
           <a:stretch/>
         </p:blipFill>
         <p:spPr>
           <a:xfrm>
-            <a:off x="8918575" y="596392"/>
-            <a:ext cx="2263776" cy="2263776"/>
+            <a:off x="4399263" y="2530474"/>
+            <a:ext cx="1926000" cy="3779838"/>
           </a:xfrm>
+          <a:custGeom>
+            <a:avLst/>
+            <a:gdLst/>
+            <a:ahLst/>
+            <a:cxnLst/>
+            <a:rect l="l" t="t" r="r" b="b"/>
+            <a:pathLst>
+              <a:path w="1926000" h="3779838">
+                <a:moveTo>
+                  <a:pt x="0" y="0"/>
+                </a:moveTo>
+                <a:lnTo>
+                  <a:pt x="1926000" y="0"/>
+                </a:lnTo>
+                <a:lnTo>
+                  <a:pt x="1926000" y="3779838"/>
+                </a:lnTo>
+                <a:lnTo>
+                  <a:pt x="0" y="3779838"/>
+                </a:lnTo>
+                <a:close/>
+              </a:path>
+            </a:pathLst>
+          </a:custGeom>
         </p:spPr>
       </p:pic>
       <p:pic>
@@ -23376,16 +25365,134 @@
               </a:ext>
             </a:extLst>
           </a:blip>
-          <a:srcRect/>
+          <a:srcRect l="24518" r="24529" b="4"/>
           <a:stretch/>
         </p:blipFill>
         <p:spPr>
           <a:xfrm>
-            <a:off x="9091612" y="3324733"/>
-            <a:ext cx="2936876" cy="2936876"/>
+            <a:off x="2476863" y="2530474"/>
+            <a:ext cx="1926000" cy="3779838"/>
+          </a:xfrm>
+          <a:custGeom>
+            <a:avLst/>
+            <a:gdLst/>
+            <a:ahLst/>
+            <a:cxnLst/>
+            <a:rect l="l" t="t" r="r" b="b"/>
+            <a:pathLst>
+              <a:path w="1926000" h="3779838">
+                <a:moveTo>
+                  <a:pt x="0" y="0"/>
+                </a:moveTo>
+                <a:lnTo>
+                  <a:pt x="1926000" y="0"/>
+                </a:lnTo>
+                <a:lnTo>
+                  <a:pt x="1926000" y="3779838"/>
+                </a:lnTo>
+                <a:lnTo>
+                  <a:pt x="0" y="3779838"/>
+                </a:lnTo>
+                <a:close/>
+              </a:path>
+            </a:pathLst>
+          </a:custGeom>
+        </p:spPr>
+      </p:pic>
+      <p:sp>
+        <p:nvSpPr>
+          <p:cNvPr id="3" name="Content Placeholder 2">
+            <a:extLst>
+              <a:ext uri="{FF2B5EF4-FFF2-40B4-BE49-F238E27FC236}">
+                <a16:creationId xmlns:a16="http://schemas.microsoft.com/office/drawing/2014/main" id="{D3B60D6F-4D0F-4D33-B2A7-159C8583FF00}"/>
+              </a:ext>
+            </a:extLst>
+          </p:cNvPr>
+          <p:cNvSpPr>
+            <a:spLocks noGrp="1"/>
+          </p:cNvSpPr>
+          <p:nvPr>
+            <p:ph idx="1"/>
+          </p:nvPr>
+        </p:nvSpPr>
+        <p:spPr>
+          <a:xfrm>
+            <a:off x="7140575" y="1520825"/>
+            <a:ext cx="4500562" cy="4572000"/>
           </a:xfrm>
         </p:spPr>
-      </p:pic>
+        <p:txBody>
+          <a:bodyPr vert="horz" wrap="square" lIns="0" tIns="0" rIns="0" bIns="0" rtlCol="0" anchor="t">
+            <a:normAutofit/>
+          </a:bodyPr>
+          <a:lstStyle/>
+          <a:p>
+            <a:pPr>
+              <a:lnSpc>
+                <a:spcPct val="100000"/>
+              </a:lnSpc>
+              <a:buFont typeface="Arial" panose="020B0604020202020204" pitchFamily="34" charset="0"/>
+              <a:buChar char="•"/>
+            </a:pPr>
+            <a:r>
+              <a:rPr lang="en-US" sz="1700" dirty="0"/>
+              <a:t> this is a PowerPoint about an interview conducted about people and their preference about pcs.  </a:t>
+            </a:r>
+          </a:p>
+          <a:p>
+            <a:pPr>
+              <a:lnSpc>
+                <a:spcPct val="100000"/>
+              </a:lnSpc>
+              <a:buFont typeface="Arial" panose="020B0604020202020204" pitchFamily="34" charset="0"/>
+              <a:buChar char="•"/>
+            </a:pPr>
+            <a:r>
+              <a:rPr lang="en-US" sz="1700" dirty="0"/>
+              <a:t> I did research about prices of pcs and the specs and cosmetics.</a:t>
+            </a:r>
+          </a:p>
+          <a:p>
+            <a:pPr>
+              <a:lnSpc>
+                <a:spcPct val="100000"/>
+              </a:lnSpc>
+              <a:buFont typeface="Arial" panose="020B0604020202020204" pitchFamily="34" charset="0"/>
+              <a:buChar char="•"/>
+            </a:pPr>
+            <a:r>
+              <a:rPr lang="en-US" sz="1700" dirty="0"/>
+              <a:t>Interview Description: Chad Charles Mathews.</a:t>
+            </a:r>
+          </a:p>
+          <a:p>
+            <a:pPr>
+              <a:lnSpc>
+                <a:spcPct val="100000"/>
+              </a:lnSpc>
+              <a:buFont typeface="Arial" panose="020B0604020202020204" pitchFamily="34" charset="0"/>
+              <a:buChar char="•"/>
+            </a:pPr>
+            <a:r>
+              <a:rPr lang="en-US" sz="1700" dirty="0"/>
+              <a:t>Budget,performance,aesthetic,design.</a:t>
+            </a:r>
+          </a:p>
+          <a:p>
+            <a:pPr>
+              <a:lnSpc>
+                <a:spcPct val="100000"/>
+              </a:lnSpc>
+              <a:buFont typeface="Arial" panose="020B0604020202020204" pitchFamily="34" charset="0"/>
+              <a:buChar char="•"/>
+            </a:pPr>
+            <a:r>
+              <a:rPr lang="en-US" sz="1700" dirty="0"/>
+              <a:t>Because the pc needs to not break the look of there room/storage place, and it needs to handle for the persons work gaming and other entertainment they may want to experience with it.</a:t>
+            </a:r>
+          </a:p>
+        </p:txBody>
+      </p:sp>
       <p:sp>
         <p:nvSpPr>
           <p:cNvPr id="13" name="Date Placeholder 12">
@@ -23409,11 +25516,24 @@
           </a:xfrm>
         </p:spPr>
         <p:txBody>
-          <a:bodyPr/>
+          <a:bodyPr vert="horz" wrap="square" lIns="0" tIns="0" rIns="0" bIns="0" rtlCol="0" anchor="ctr">
+            <a:normAutofit/>
+          </a:bodyPr>
           <a:lstStyle/>
           <a:p>
+            <a:pPr>
+              <a:spcAft>
+                <a:spcPts val="600"/>
+              </a:spcAft>
+            </a:pPr>
             <a:r>
-              <a:rPr lang="en-US"/>
+              <a:rPr lang="en-US">
+                <a:solidFill>
+                  <a:schemeClr val="tx1">
+                    <a:alpha val="80000"/>
+                  </a:schemeClr>
+                </a:solidFill>
+              </a:rPr>
               <a:t>Tuesday, February 2, 20XX</a:t>
             </a:r>
           </a:p>
@@ -23442,13 +25562,123 @@
           </a:xfrm>
         </p:spPr>
         <p:txBody>
-          <a:bodyPr/>
+          <a:bodyPr vert="horz" wrap="square" lIns="0" tIns="0" rIns="0" bIns="0" rtlCol="0" anchor="ctr">
+            <a:normAutofit/>
+          </a:bodyPr>
           <a:lstStyle/>
           <a:p>
+            <a:pPr>
+              <a:spcAft>
+                <a:spcPts val="600"/>
+              </a:spcAft>
+            </a:pPr>
             <a:r>
-              <a:rPr lang="en-US" dirty="0"/>
+              <a:rPr lang="en-US" kern="1200">
+                <a:solidFill>
+                  <a:schemeClr val="tx1">
+                    <a:alpha val="80000"/>
+                  </a:schemeClr>
+                </a:solidFill>
+                <a:latin typeface="+mn-lt"/>
+                <a:ea typeface="+mn-ea"/>
+                <a:cs typeface="+mn-cs"/>
+              </a:rPr>
               <a:t>Sample Footer Text</a:t>
             </a:r>
+          </a:p>
+        </p:txBody>
+      </p:sp>
+      <p:sp>
+        <p:nvSpPr>
+          <p:cNvPr id="82" name="Oval 81">
+            <a:extLst>
+              <a:ext uri="{FF2B5EF4-FFF2-40B4-BE49-F238E27FC236}">
+                <a16:creationId xmlns:a16="http://schemas.microsoft.com/office/drawing/2014/main" id="{1AC4FAA8-29F9-468B-BCFF-A8B11A2A12CF}"/>
+              </a:ext>
+              <a:ext uri="{C183D7F6-B498-43B3-948B-1728B52AA6E4}">
+                <adec:decorative xmlns:adec="http://schemas.microsoft.com/office/drawing/2017/decorative" val="1"/>
+              </a:ext>
+            </a:extLst>
+          </p:cNvPr>
+          <p:cNvSpPr>
+            <a:spLocks noGrp="1" noRot="1" noChangeAspect="1" noMove="1" noResize="1" noEditPoints="1" noAdjustHandles="1" noChangeArrowheads="1" noChangeShapeType="1" noTextEdit="1"/>
+          </p:cNvSpPr>
+          <p:nvPr>
+            <p:extLst>
+              <p:ext uri="{386F3935-93C4-4BCD-93E2-E3B085C9AB24}">
+                <p16:designElem xmlns:p16="http://schemas.microsoft.com/office/powerpoint/2015/main" val="1"/>
+              </p:ext>
+            </p:extLst>
+          </p:nvPr>
+        </p:nvSpPr>
+        <p:spPr>
+          <a:xfrm>
+            <a:off x="6096000" y="5504156"/>
+            <a:ext cx="1080000" cy="1080000"/>
+          </a:xfrm>
+          <a:prstGeom prst="ellipse">
+            <a:avLst/>
+          </a:prstGeom>
+          <a:gradFill flip="none" rotWithShape="1">
+            <a:gsLst>
+              <a:gs pos="100000">
+                <a:schemeClr val="bg2">
+                  <a:lumMod val="50000"/>
+                  <a:lumOff val="50000"/>
+                </a:schemeClr>
+              </a:gs>
+              <a:gs pos="60000">
+                <a:schemeClr val="bg2">
+                  <a:lumMod val="100000"/>
+                </a:schemeClr>
+              </a:gs>
+            </a:gsLst>
+            <a:path path="circle">
+              <a:fillToRect l="100000" b="100000"/>
+            </a:path>
+            <a:tileRect t="-100000" r="-100000"/>
+          </a:gradFill>
+          <a:ln>
+            <a:noFill/>
+          </a:ln>
+          <a:effectLst>
+            <a:innerShdw blurRad="254000" dist="127000" dir="2700000">
+              <a:schemeClr val="accent1">
+                <a:lumMod val="60000"/>
+                <a:lumOff val="40000"/>
+                <a:alpha val="40000"/>
+              </a:schemeClr>
+            </a:innerShdw>
+            <a:softEdge rad="0"/>
+          </a:effectLst>
+        </p:spPr>
+        <p:style>
+          <a:lnRef idx="2">
+            <a:schemeClr val="accent1">
+              <a:shade val="50000"/>
+            </a:schemeClr>
+          </a:lnRef>
+          <a:fillRef idx="1">
+            <a:schemeClr val="accent1"/>
+          </a:fillRef>
+          <a:effectRef idx="0">
+            <a:schemeClr val="accent1"/>
+          </a:effectRef>
+          <a:fontRef idx="minor">
+            <a:schemeClr val="lt1"/>
+          </a:fontRef>
+        </p:style>
+        <p:txBody>
+          <a:bodyPr rot="0" spcFirstLastPara="0" vertOverflow="overflow" horzOverflow="overflow" vert="horz" wrap="square" lIns="91440" tIns="45720" rIns="91440" bIns="45720" numCol="1" spcCol="0" rtlCol="0" fromWordArt="0" anchor="ctr" anchorCtr="0" forceAA="0" compatLnSpc="1">
+            <a:prstTxWarp prst="textNoShape">
+              <a:avLst/>
+            </a:prstTxWarp>
+            <a:noAutofit/>
+          </a:bodyPr>
+          <a:lstStyle/>
+          <a:p>
+            <a:pPr algn="ctr"/>
+            <a:endParaRPr lang="en-US"/>
           </a:p>
         </p:txBody>
       </p:sp>
@@ -23475,15 +25705,38 @@
           </a:xfrm>
         </p:spPr>
         <p:txBody>
-          <a:bodyPr/>
+          <a:bodyPr vert="horz" wrap="square" lIns="0" tIns="0" rIns="0" bIns="0" rtlCol="0" anchor="ctr">
+            <a:normAutofit/>
+          </a:bodyPr>
           <a:lstStyle/>
           <a:p>
+            <a:pPr>
+              <a:spcAft>
+                <a:spcPts val="600"/>
+              </a:spcAft>
+            </a:pPr>
             <a:fld id="{DBA1B0FB-D917-4C8C-928F-313BD683BF39}" type="slidenum">
-              <a:rPr lang="en-US" smtClean="0"/>
-              <a:pPr/>
+              <a:rPr lang="en-US" smtClean="0">
+                <a:solidFill>
+                  <a:schemeClr val="tx1">
+                    <a:alpha val="80000"/>
+                  </a:schemeClr>
+                </a:solidFill>
+              </a:rPr>
+              <a:pPr>
+                <a:spcAft>
+                  <a:spcPts val="600"/>
+                </a:spcAft>
+              </a:pPr>
               <a:t>2</a:t>
             </a:fld>
-            <a:endParaRPr lang="en-US"/>
+            <a:endParaRPr lang="en-US">
+              <a:solidFill>
+                <a:schemeClr val="tx1">
+                  <a:alpha val="80000"/>
+                </a:schemeClr>
+              </a:solidFill>
+            </a:endParaRPr>
           </a:p>
         </p:txBody>
       </p:sp>
@@ -23544,10 +25797,9 @@
           <a:lstStyle/>
           <a:p>
             <a:r>
-              <a:rPr lang="en-US"/>
-              <a:t>Introduction</a:t>
+              <a:rPr lang="en-US" dirty="0"/>
+              <a:t>Inter viewing a  person : Chad</a:t>
             </a:r>
-            <a:endParaRPr lang="en-US" dirty="0"/>
           </a:p>
         </p:txBody>
       </p:sp>
@@ -23789,42 +26041,31 @@
           </a:xfrm>
         </p:spPr>
       </p:pic>
-      <p:sp>
-        <p:nvSpPr>
-          <p:cNvPr id="12" name="Content Placeholder 11">
+      <p:pic>
+        <p:nvPicPr>
+          <p:cNvPr id="10" name="Picture Placeholder 9" descr="A dog running in the snow&#10;&#10;Description automatically generated with medium confidence">
             <a:extLst>
               <a:ext uri="{FF2B5EF4-FFF2-40B4-BE49-F238E27FC236}">
-                <a16:creationId xmlns:a16="http://schemas.microsoft.com/office/drawing/2014/main" id="{E5127060-CDBF-435F-9009-A5451CCE305D}"/>
+                <a16:creationId xmlns:a16="http://schemas.microsoft.com/office/drawing/2014/main" id="{FD563FD7-4130-2DC5-2A4F-31E50B1EFB82}"/>
               </a:ext>
             </a:extLst>
           </p:cNvPr>
-          <p:cNvSpPr>
-            <a:spLocks noGrp="1"/>
-          </p:cNvSpPr>
+          <p:cNvPicPr>
+            <a:picLocks noGrp="1" noChangeAspect="1"/>
+          </p:cNvPicPr>
           <p:nvPr>
-            <p:ph sz="quarter" idx="15"/>
+            <p:ph type="pic" sz="quarter" idx="15"/>
           </p:nvPr>
-        </p:nvSpPr>
-        <p:spPr>
-          <a:xfrm>
-            <a:off x="5262563" y="4508499"/>
-            <a:ext cx="6221412" cy="1750257"/>
-          </a:xfrm>
-          <a:noFill/>
-        </p:spPr>
-        <p:txBody>
-          <a:bodyPr>
-            <a:normAutofit/>
-          </a:bodyPr>
-          <a:lstStyle/>
-          <a:p>
-            <a:r>
-              <a:rPr lang="en-US" dirty="0"/>
-              <a:t>With PowerPoint, you can create presentations and share your work with others, wherever they are. Type the text you want here to get started. You can also add images, art, and videos on this template. Save to OneDrive and access your presentations from your computer, tablet, or phone. </a:t>
-            </a:r>
-          </a:p>
-        </p:txBody>
-      </p:sp>
+        </p:nvPicPr>
+        <p:blipFill>
+          <a:blip r:embed="rId7"/>
+          <a:srcRect l="23042" r="23042"/>
+          <a:stretch>
+            <a:fillRect/>
+          </a:stretch>
+        </p:blipFill>
+        <p:spPr/>
+      </p:pic>
     </p:spTree>
     <p:extLst>
       <p:ext uri="{BB962C8B-B14F-4D97-AF65-F5344CB8AC3E}">
@@ -23839,6 +26080,1398 @@
 </file>
 
 <file path=ppt/slides/slide4.xml><?xml version="1.0" encoding="utf-8"?>
+<p:sld xmlns:a="http://schemas.openxmlformats.org/drawingml/2006/main" xmlns:r="http://schemas.openxmlformats.org/officeDocument/2006/relationships" xmlns:p="http://schemas.openxmlformats.org/presentationml/2006/main">
+  <p:cSld>
+    <p:bg>
+      <p:bgPr>
+        <a:solidFill>
+          <a:schemeClr val="bg2"/>
+        </a:solidFill>
+        <a:effectLst/>
+      </p:bgPr>
+    </p:bg>
+    <p:spTree>
+      <p:nvGrpSpPr>
+        <p:cNvPr id="1" name=""/>
+        <p:cNvGrpSpPr/>
+        <p:nvPr/>
+      </p:nvGrpSpPr>
+      <p:grpSpPr>
+        <a:xfrm>
+          <a:off x="0" y="0"/>
+          <a:ext cx="0" cy="0"/>
+          <a:chOff x="0" y="0"/>
+          <a:chExt cx="0" cy="0"/>
+        </a:xfrm>
+      </p:grpSpPr>
+      <p:sp>
+        <p:nvSpPr>
+          <p:cNvPr id="55" name="Freeform: Shape 54">
+            <a:extLst>
+              <a:ext uri="{FF2B5EF4-FFF2-40B4-BE49-F238E27FC236}">
+                <a16:creationId xmlns:a16="http://schemas.microsoft.com/office/drawing/2014/main" id="{82184FF4-7029-4ED7-813A-192E60608764}"/>
+              </a:ext>
+              <a:ext uri="{C183D7F6-B498-43B3-948B-1728B52AA6E4}">
+                <adec:decorative xmlns:adec="http://schemas.microsoft.com/office/drawing/2017/decorative" val="1"/>
+              </a:ext>
+            </a:extLst>
+          </p:cNvPr>
+          <p:cNvSpPr>
+            <a:spLocks noGrp="1" noRot="1" noChangeAspect="1" noMove="1" noResize="1" noEditPoints="1" noAdjustHandles="1" noChangeArrowheads="1" noChangeShapeType="1" noTextEdit="1"/>
+          </p:cNvSpPr>
+          <p:nvPr>
+            <p:extLst>
+              <p:ext uri="{386F3935-93C4-4BCD-93E2-E3B085C9AB24}">
+                <p16:designElem xmlns:p16="http://schemas.microsoft.com/office/powerpoint/2015/main" val="1"/>
+              </p:ext>
+            </p:extLst>
+          </p:nvPr>
+        </p:nvSpPr>
+        <p:spPr>
+          <a:xfrm rot="2700000">
+            <a:off x="612445" y="481888"/>
+            <a:ext cx="1080000" cy="1262947"/>
+          </a:xfrm>
+          <a:custGeom>
+            <a:avLst/>
+            <a:gdLst/>
+            <a:ahLst/>
+            <a:cxnLst/>
+            <a:rect l="l" t="t" r="r" b="b"/>
+            <a:pathLst>
+              <a:path w="1080000" h="1262947">
+                <a:moveTo>
+                  <a:pt x="540000" y="0"/>
+                </a:moveTo>
+                <a:lnTo>
+                  <a:pt x="1064374" y="931034"/>
+                </a:lnTo>
+                <a:lnTo>
+                  <a:pt x="1069029" y="938533"/>
+                </a:lnTo>
+                <a:cubicBezTo>
+                  <a:pt x="1076223" y="956109"/>
+                  <a:pt x="1080000" y="974307"/>
+                  <a:pt x="1080000" y="992947"/>
+                </a:cubicBezTo>
+                <a:cubicBezTo>
+                  <a:pt x="1080000" y="1142064"/>
+                  <a:pt x="838234" y="1262947"/>
+                  <a:pt x="540000" y="1262947"/>
+                </a:cubicBezTo>
+                <a:cubicBezTo>
+                  <a:pt x="241766" y="1262947"/>
+                  <a:pt x="0" y="1142064"/>
+                  <a:pt x="0" y="992947"/>
+                </a:cubicBezTo>
+                <a:cubicBezTo>
+                  <a:pt x="0" y="974307"/>
+                  <a:pt x="3778" y="956109"/>
+                  <a:pt x="10971" y="938533"/>
+                </a:cubicBezTo>
+                <a:lnTo>
+                  <a:pt x="15626" y="931034"/>
+                </a:lnTo>
+                <a:lnTo>
+                  <a:pt x="540000" y="0"/>
+                </a:lnTo>
+                <a:close/>
+              </a:path>
+            </a:pathLst>
+          </a:custGeom>
+          <a:gradFill>
+            <a:gsLst>
+              <a:gs pos="60000">
+                <a:schemeClr val="bg2">
+                  <a:lumMod val="90000"/>
+                  <a:lumOff val="10000"/>
+                </a:schemeClr>
+              </a:gs>
+              <a:gs pos="30000">
+                <a:schemeClr val="bg2">
+                  <a:lumMod val="90000"/>
+                  <a:lumOff val="10000"/>
+                </a:schemeClr>
+              </a:gs>
+              <a:gs pos="40000">
+                <a:schemeClr val="bg2">
+                  <a:lumMod val="75000"/>
+                  <a:lumOff val="25000"/>
+                </a:schemeClr>
+              </a:gs>
+              <a:gs pos="100000">
+                <a:schemeClr val="bg2"/>
+              </a:gs>
+            </a:gsLst>
+            <a:lin ang="600000" scaled="0"/>
+          </a:gradFill>
+          <a:ln>
+            <a:noFill/>
+          </a:ln>
+          <a:effectLst>
+            <a:innerShdw blurRad="254000" dist="101600" dir="2700000">
+              <a:schemeClr val="accent1">
+                <a:lumMod val="60000"/>
+                <a:lumOff val="40000"/>
+                <a:alpha val="40000"/>
+              </a:schemeClr>
+            </a:innerShdw>
+          </a:effectLst>
+        </p:spPr>
+        <p:style>
+          <a:lnRef idx="2">
+            <a:schemeClr val="accent1">
+              <a:shade val="50000"/>
+            </a:schemeClr>
+          </a:lnRef>
+          <a:fillRef idx="1">
+            <a:schemeClr val="accent1"/>
+          </a:fillRef>
+          <a:effectRef idx="0">
+            <a:schemeClr val="accent1"/>
+          </a:effectRef>
+          <a:fontRef idx="minor">
+            <a:schemeClr val="lt1"/>
+          </a:fontRef>
+        </p:style>
+        <p:txBody>
+          <a:bodyPr rot="0" spcFirstLastPara="0" vertOverflow="overflow" horzOverflow="overflow" vert="horz" wrap="square" lIns="91440" tIns="45720" rIns="91440" bIns="45720" numCol="1" spcCol="0" rtlCol="0" fromWordArt="0" anchor="ctr" anchorCtr="0" forceAA="0" compatLnSpc="1">
+            <a:prstTxWarp prst="textNoShape">
+              <a:avLst/>
+            </a:prstTxWarp>
+            <a:noAutofit/>
+          </a:bodyPr>
+          <a:lstStyle/>
+          <a:p>
+            <a:pPr algn="ctr"/>
+            <a:endParaRPr lang="en-US"/>
+          </a:p>
+        </p:txBody>
+      </p:sp>
+      <p:sp>
+        <p:nvSpPr>
+          <p:cNvPr id="57" name="Oval 56">
+            <a:extLst>
+              <a:ext uri="{FF2B5EF4-FFF2-40B4-BE49-F238E27FC236}">
+                <a16:creationId xmlns:a16="http://schemas.microsoft.com/office/drawing/2014/main" id="{AAA7AB09-557C-41AD-9113-FF9F68FA1035}"/>
+              </a:ext>
+              <a:ext uri="{C183D7F6-B498-43B3-948B-1728B52AA6E4}">
+                <adec:decorative xmlns:adec="http://schemas.microsoft.com/office/drawing/2017/decorative" val="1"/>
+              </a:ext>
+            </a:extLst>
+          </p:cNvPr>
+          <p:cNvSpPr>
+            <a:spLocks noGrp="1" noRot="1" noChangeAspect="1" noMove="1" noResize="1" noEditPoints="1" noAdjustHandles="1" noChangeArrowheads="1" noChangeShapeType="1" noTextEdit="1"/>
+          </p:cNvSpPr>
+          <p:nvPr>
+            <p:extLst>
+              <p:ext uri="{386F3935-93C4-4BCD-93E2-E3B085C9AB24}">
+                <p16:designElem xmlns:p16="http://schemas.microsoft.com/office/powerpoint/2015/main" val="1"/>
+              </p:ext>
+            </p:extLst>
+          </p:nvPr>
+        </p:nvSpPr>
+        <p:spPr>
+          <a:xfrm rot="8100000">
+            <a:off x="626845" y="828962"/>
+            <a:ext cx="540000" cy="1080000"/>
+          </a:xfrm>
+          <a:prstGeom prst="ellipse">
+            <a:avLst/>
+          </a:prstGeom>
+          <a:gradFill>
+            <a:gsLst>
+              <a:gs pos="100000">
+                <a:schemeClr val="bg2">
+                  <a:lumMod val="90000"/>
+                  <a:lumOff val="10000"/>
+                </a:schemeClr>
+              </a:gs>
+              <a:gs pos="50000">
+                <a:schemeClr val="bg2">
+                  <a:lumMod val="95000"/>
+                  <a:lumOff val="5000"/>
+                </a:schemeClr>
+              </a:gs>
+            </a:gsLst>
+            <a:lin ang="5400000" scaled="0"/>
+          </a:gradFill>
+          <a:ln>
+            <a:noFill/>
+          </a:ln>
+          <a:effectLst>
+            <a:innerShdw blurRad="1270000" dist="2540000">
+              <a:schemeClr val="accent1">
+                <a:lumMod val="60000"/>
+                <a:lumOff val="40000"/>
+                <a:alpha val="0"/>
+              </a:schemeClr>
+            </a:innerShdw>
+          </a:effectLst>
+        </p:spPr>
+        <p:style>
+          <a:lnRef idx="2">
+            <a:schemeClr val="accent1">
+              <a:shade val="50000"/>
+            </a:schemeClr>
+          </a:lnRef>
+          <a:fillRef idx="1">
+            <a:schemeClr val="accent1"/>
+          </a:fillRef>
+          <a:effectRef idx="0">
+            <a:schemeClr val="accent1"/>
+          </a:effectRef>
+          <a:fontRef idx="minor">
+            <a:schemeClr val="lt1"/>
+          </a:fontRef>
+        </p:style>
+        <p:txBody>
+          <a:bodyPr rot="0" spcFirstLastPara="0" vertOverflow="overflow" horzOverflow="overflow" vert="horz" wrap="square" lIns="91440" tIns="45720" rIns="91440" bIns="45720" numCol="1" spcCol="0" rtlCol="0" fromWordArt="0" anchor="ctr" anchorCtr="0" forceAA="0" compatLnSpc="1">
+            <a:prstTxWarp prst="textNoShape">
+              <a:avLst/>
+            </a:prstTxWarp>
+            <a:noAutofit/>
+          </a:bodyPr>
+          <a:lstStyle/>
+          <a:p>
+            <a:pPr algn="ctr"/>
+            <a:endParaRPr lang="en-US"/>
+          </a:p>
+        </p:txBody>
+      </p:sp>
+      <p:sp>
+        <p:nvSpPr>
+          <p:cNvPr id="59" name="Oval 58">
+            <a:extLst>
+              <a:ext uri="{FF2B5EF4-FFF2-40B4-BE49-F238E27FC236}">
+                <a16:creationId xmlns:a16="http://schemas.microsoft.com/office/drawing/2014/main" id="{EF99ECAA-1F11-4937-BBA6-51935AB44C9D}"/>
+              </a:ext>
+              <a:ext uri="{C183D7F6-B498-43B3-948B-1728B52AA6E4}">
+                <adec:decorative xmlns:adec="http://schemas.microsoft.com/office/drawing/2017/decorative" val="1"/>
+              </a:ext>
+            </a:extLst>
+          </p:cNvPr>
+          <p:cNvSpPr>
+            <a:spLocks noGrp="1" noRot="1" noChangeAspect="1" noMove="1" noResize="1" noEditPoints="1" noAdjustHandles="1" noChangeArrowheads="1" noChangeShapeType="1" noTextEdit="1"/>
+          </p:cNvSpPr>
+          <p:nvPr>
+            <p:extLst>
+              <p:ext uri="{386F3935-93C4-4BCD-93E2-E3B085C9AB24}">
+                <p16:designElem xmlns:p16="http://schemas.microsoft.com/office/powerpoint/2015/main" val="1"/>
+              </p:ext>
+            </p:extLst>
+          </p:nvPr>
+        </p:nvSpPr>
+        <p:spPr>
+          <a:xfrm>
+            <a:off x="1800802" y="2472855"/>
+            <a:ext cx="360000" cy="360000"/>
+          </a:xfrm>
+          <a:prstGeom prst="ellipse">
+            <a:avLst/>
+          </a:prstGeom>
+          <a:gradFill flip="none" rotWithShape="1">
+            <a:gsLst>
+              <a:gs pos="100000">
+                <a:schemeClr val="bg2">
+                  <a:lumMod val="50000"/>
+                  <a:lumOff val="50000"/>
+                </a:schemeClr>
+              </a:gs>
+              <a:gs pos="60000">
+                <a:schemeClr val="bg2"/>
+              </a:gs>
+            </a:gsLst>
+            <a:path path="circle">
+              <a:fillToRect l="100000" b="100000"/>
+            </a:path>
+            <a:tileRect t="-100000" r="-100000"/>
+          </a:gradFill>
+          <a:ln>
+            <a:noFill/>
+          </a:ln>
+          <a:effectLst>
+            <a:innerShdw blurRad="127000" dist="63500" dir="2700000">
+              <a:schemeClr val="accent1">
+                <a:lumMod val="60000"/>
+                <a:lumOff val="40000"/>
+                <a:alpha val="20000"/>
+              </a:schemeClr>
+            </a:innerShdw>
+            <a:softEdge rad="0"/>
+          </a:effectLst>
+        </p:spPr>
+        <p:style>
+          <a:lnRef idx="2">
+            <a:schemeClr val="accent1">
+              <a:shade val="50000"/>
+            </a:schemeClr>
+          </a:lnRef>
+          <a:fillRef idx="1">
+            <a:schemeClr val="accent1"/>
+          </a:fillRef>
+          <a:effectRef idx="0">
+            <a:schemeClr val="accent1"/>
+          </a:effectRef>
+          <a:fontRef idx="minor">
+            <a:schemeClr val="lt1"/>
+          </a:fontRef>
+        </p:style>
+        <p:txBody>
+          <a:bodyPr rot="0" spcFirstLastPara="0" vertOverflow="overflow" horzOverflow="overflow" vert="horz" wrap="square" lIns="91440" tIns="45720" rIns="91440" bIns="45720" numCol="1" spcCol="0" rtlCol="0" fromWordArt="0" anchor="ctr" anchorCtr="0" forceAA="0" compatLnSpc="1">
+            <a:prstTxWarp prst="textNoShape">
+              <a:avLst/>
+            </a:prstTxWarp>
+            <a:noAutofit/>
+          </a:bodyPr>
+          <a:lstStyle/>
+          <a:p>
+            <a:pPr algn="ctr"/>
+            <a:endParaRPr lang="en-US"/>
+          </a:p>
+        </p:txBody>
+      </p:sp>
+      <p:grpSp>
+        <p:nvGrpSpPr>
+          <p:cNvPr id="61" name="Group 60">
+            <a:extLst>
+              <a:ext uri="{FF2B5EF4-FFF2-40B4-BE49-F238E27FC236}">
+                <a16:creationId xmlns:a16="http://schemas.microsoft.com/office/drawing/2014/main" id="{79DE9FAB-6BBA-4CFE-B67D-77B47F01ECA4}"/>
+              </a:ext>
+              <a:ext uri="{C183D7F6-B498-43B3-948B-1728B52AA6E4}">
+                <adec:decorative xmlns:adec="http://schemas.microsoft.com/office/drawing/2017/decorative" val="1"/>
+              </a:ext>
+            </a:extLst>
+          </p:cNvPr>
+          <p:cNvGrpSpPr>
+            <a:grpSpLocks noGrp="1" noUngrp="1" noRot="1" noChangeAspect="1" noMove="1" noResize="1"/>
+          </p:cNvGrpSpPr>
+          <p:nvPr>
+            <p:extLst>
+              <p:ext uri="{386F3935-93C4-4BCD-93E2-E3B085C9AB24}">
+                <p16:designElem xmlns:p16="http://schemas.microsoft.com/office/powerpoint/2015/main" val="1"/>
+              </p:ext>
+            </p:extLst>
+          </p:nvPr>
+        </p:nvGrpSpPr>
+        <p:grpSpPr>
+          <a:xfrm>
+            <a:off x="1329952" y="4524379"/>
+            <a:ext cx="1980001" cy="1363916"/>
+            <a:chOff x="4879602" y="3781429"/>
+            <a:chExt cx="1980001" cy="1363916"/>
+          </a:xfrm>
+        </p:grpSpPr>
+        <p:sp>
+          <p:nvSpPr>
+            <p:cNvPr id="62" name="Freeform: Shape 61">
+              <a:extLst>
+                <a:ext uri="{FF2B5EF4-FFF2-40B4-BE49-F238E27FC236}">
+                  <a16:creationId xmlns:a16="http://schemas.microsoft.com/office/drawing/2014/main" id="{79FAC916-D9BB-4794-81B4-7C47C67E850D}"/>
+                </a:ext>
+                <a:ext uri="{C183D7F6-B498-43B3-948B-1728B52AA6E4}">
+                  <adec:decorative xmlns:adec="http://schemas.microsoft.com/office/drawing/2017/decorative" val="1"/>
+                </a:ext>
+              </a:extLst>
+            </p:cNvPr>
+            <p:cNvSpPr>
+              <a:spLocks noChangeAspect="1"/>
+            </p:cNvSpPr>
+            <p:nvPr>
+              <p:extLst>
+                <p:ext uri="{386F3935-93C4-4BCD-93E2-E3B085C9AB24}">
+                  <p16:designElem xmlns:p16="http://schemas.microsoft.com/office/powerpoint/2015/main" val="1"/>
+                </p:ext>
+              </p:extLst>
+            </p:nvPr>
+          </p:nvSpPr>
+          <p:spPr>
+            <a:xfrm rot="18900000" flipV="1">
+              <a:off x="5005634" y="4191206"/>
+              <a:ext cx="1853969" cy="926985"/>
+            </a:xfrm>
+            <a:custGeom>
+              <a:avLst/>
+              <a:gdLst>
+                <a:gd name="connsiteX0" fmla="*/ 1329373 w 2658746"/>
+                <a:gd name="connsiteY0" fmla="*/ 0 h 1329373"/>
+                <a:gd name="connsiteX1" fmla="*/ 2658746 w 2658746"/>
+                <a:gd name="connsiteY1" fmla="*/ 1329373 h 1329373"/>
+                <a:gd name="connsiteX2" fmla="*/ 1994059 w 2658746"/>
+                <a:gd name="connsiteY2" fmla="*/ 1329373 h 1329373"/>
+                <a:gd name="connsiteX3" fmla="*/ 1329373 w 2658746"/>
+                <a:gd name="connsiteY3" fmla="*/ 664687 h 1329373"/>
+                <a:gd name="connsiteX4" fmla="*/ 664687 w 2658746"/>
+                <a:gd name="connsiteY4" fmla="*/ 1329373 h 1329373"/>
+                <a:gd name="connsiteX5" fmla="*/ 0 w 2658746"/>
+                <a:gd name="connsiteY5" fmla="*/ 1329373 h 1329373"/>
+                <a:gd name="connsiteX6" fmla="*/ 1329373 w 2658746"/>
+                <a:gd name="connsiteY6" fmla="*/ 0 h 1329373"/>
+              </a:gdLst>
+              <a:ahLst/>
+              <a:cxnLst>
+                <a:cxn ang="0">
+                  <a:pos x="connsiteX0" y="connsiteY0"/>
+                </a:cxn>
+                <a:cxn ang="0">
+                  <a:pos x="connsiteX1" y="connsiteY1"/>
+                </a:cxn>
+                <a:cxn ang="0">
+                  <a:pos x="connsiteX2" y="connsiteY2"/>
+                </a:cxn>
+                <a:cxn ang="0">
+                  <a:pos x="connsiteX3" y="connsiteY3"/>
+                </a:cxn>
+                <a:cxn ang="0">
+                  <a:pos x="connsiteX4" y="connsiteY4"/>
+                </a:cxn>
+                <a:cxn ang="0">
+                  <a:pos x="connsiteX5" y="connsiteY5"/>
+                </a:cxn>
+                <a:cxn ang="0">
+                  <a:pos x="connsiteX6" y="connsiteY6"/>
+                </a:cxn>
+              </a:cxnLst>
+              <a:rect l="l" t="t" r="r" b="b"/>
+              <a:pathLst>
+                <a:path w="2658746" h="1329373">
+                  <a:moveTo>
+                    <a:pt x="1329373" y="0"/>
+                  </a:moveTo>
+                  <a:cubicBezTo>
+                    <a:pt x="2063565" y="0"/>
+                    <a:pt x="2658746" y="595181"/>
+                    <a:pt x="2658746" y="1329373"/>
+                  </a:cubicBezTo>
+                  <a:lnTo>
+                    <a:pt x="1994059" y="1329373"/>
+                  </a:lnTo>
+                  <a:cubicBezTo>
+                    <a:pt x="1994059" y="962277"/>
+                    <a:pt x="1696469" y="664687"/>
+                    <a:pt x="1329373" y="664687"/>
+                  </a:cubicBezTo>
+                  <a:cubicBezTo>
+                    <a:pt x="962277" y="664687"/>
+                    <a:pt x="664687" y="962277"/>
+                    <a:pt x="664687" y="1329373"/>
+                  </a:cubicBezTo>
+                  <a:lnTo>
+                    <a:pt x="0" y="1329373"/>
+                  </a:lnTo>
+                  <a:cubicBezTo>
+                    <a:pt x="0" y="595181"/>
+                    <a:pt x="595181" y="0"/>
+                    <a:pt x="1329373" y="0"/>
+                  </a:cubicBezTo>
+                  <a:close/>
+                </a:path>
+              </a:pathLst>
+            </a:custGeom>
+            <a:solidFill>
+              <a:schemeClr val="bg2"/>
+            </a:solidFill>
+            <a:ln>
+              <a:noFill/>
+            </a:ln>
+            <a:effectLst>
+              <a:innerShdw blurRad="254000" dist="50800" dir="16200000">
+                <a:schemeClr val="accent1">
+                  <a:lumMod val="40000"/>
+                  <a:lumOff val="60000"/>
+                  <a:alpha val="40000"/>
+                </a:schemeClr>
+              </a:innerShdw>
+            </a:effectLst>
+          </p:spPr>
+          <p:style>
+            <a:lnRef idx="2">
+              <a:schemeClr val="accent1">
+                <a:shade val="50000"/>
+              </a:schemeClr>
+            </a:lnRef>
+            <a:fillRef idx="1">
+              <a:schemeClr val="accent1"/>
+            </a:fillRef>
+            <a:effectRef idx="0">
+              <a:schemeClr val="accent1"/>
+            </a:effectRef>
+            <a:fontRef idx="minor">
+              <a:schemeClr val="lt1"/>
+            </a:fontRef>
+          </p:style>
+          <p:txBody>
+            <a:bodyPr rtlCol="0" anchor="ctr"/>
+            <a:lstStyle/>
+            <a:p>
+              <a:pPr algn="ctr"/>
+              <a:endParaRPr lang="en-US"/>
+            </a:p>
+          </p:txBody>
+        </p:sp>
+        <p:sp>
+          <p:nvSpPr>
+            <p:cNvPr id="63" name="Freeform: Shape 62">
+              <a:extLst>
+                <a:ext uri="{FF2B5EF4-FFF2-40B4-BE49-F238E27FC236}">
+                  <a16:creationId xmlns:a16="http://schemas.microsoft.com/office/drawing/2014/main" id="{B5CA2231-7A65-4D16-8400-A210CC41DB73}"/>
+                </a:ext>
+                <a:ext uri="{C183D7F6-B498-43B3-948B-1728B52AA6E4}">
+                  <adec:decorative xmlns:adec="http://schemas.microsoft.com/office/drawing/2017/decorative" val="1"/>
+                </a:ext>
+              </a:extLst>
+            </p:cNvPr>
+            <p:cNvSpPr>
+              <a:spLocks noChangeAspect="1"/>
+            </p:cNvSpPr>
+            <p:nvPr>
+              <p:extLst>
+                <p:ext uri="{386F3935-93C4-4BCD-93E2-E3B085C9AB24}">
+                  <p16:designElem xmlns:p16="http://schemas.microsoft.com/office/powerpoint/2015/main" val="1"/>
+                </p:ext>
+              </p:extLst>
+            </p:nvPr>
+          </p:nvSpPr>
+          <p:spPr>
+            <a:xfrm rot="18900000" flipV="1">
+              <a:off x="4957101" y="4052255"/>
+              <a:ext cx="1853969" cy="1093090"/>
+            </a:xfrm>
+            <a:custGeom>
+              <a:avLst/>
+              <a:gdLst>
+                <a:gd name="connsiteX0" fmla="*/ 1329373 w 2658746"/>
+                <a:gd name="connsiteY0" fmla="*/ 0 h 1329373"/>
+                <a:gd name="connsiteX1" fmla="*/ 2658746 w 2658746"/>
+                <a:gd name="connsiteY1" fmla="*/ 1329373 h 1329373"/>
+                <a:gd name="connsiteX2" fmla="*/ 1994059 w 2658746"/>
+                <a:gd name="connsiteY2" fmla="*/ 1329373 h 1329373"/>
+                <a:gd name="connsiteX3" fmla="*/ 1329373 w 2658746"/>
+                <a:gd name="connsiteY3" fmla="*/ 664687 h 1329373"/>
+                <a:gd name="connsiteX4" fmla="*/ 664687 w 2658746"/>
+                <a:gd name="connsiteY4" fmla="*/ 1329373 h 1329373"/>
+                <a:gd name="connsiteX5" fmla="*/ 0 w 2658746"/>
+                <a:gd name="connsiteY5" fmla="*/ 1329373 h 1329373"/>
+                <a:gd name="connsiteX6" fmla="*/ 1329373 w 2658746"/>
+                <a:gd name="connsiteY6" fmla="*/ 0 h 1329373"/>
+              </a:gdLst>
+              <a:ahLst/>
+              <a:cxnLst>
+                <a:cxn ang="0">
+                  <a:pos x="connsiteX0" y="connsiteY0"/>
+                </a:cxn>
+                <a:cxn ang="0">
+                  <a:pos x="connsiteX1" y="connsiteY1"/>
+                </a:cxn>
+                <a:cxn ang="0">
+                  <a:pos x="connsiteX2" y="connsiteY2"/>
+                </a:cxn>
+                <a:cxn ang="0">
+                  <a:pos x="connsiteX3" y="connsiteY3"/>
+                </a:cxn>
+                <a:cxn ang="0">
+                  <a:pos x="connsiteX4" y="connsiteY4"/>
+                </a:cxn>
+                <a:cxn ang="0">
+                  <a:pos x="connsiteX5" y="connsiteY5"/>
+                </a:cxn>
+                <a:cxn ang="0">
+                  <a:pos x="connsiteX6" y="connsiteY6"/>
+                </a:cxn>
+              </a:cxnLst>
+              <a:rect l="l" t="t" r="r" b="b"/>
+              <a:pathLst>
+                <a:path w="2658746" h="1329373">
+                  <a:moveTo>
+                    <a:pt x="1329373" y="0"/>
+                  </a:moveTo>
+                  <a:cubicBezTo>
+                    <a:pt x="2063565" y="0"/>
+                    <a:pt x="2658746" y="595181"/>
+                    <a:pt x="2658746" y="1329373"/>
+                  </a:cubicBezTo>
+                  <a:lnTo>
+                    <a:pt x="1994059" y="1329373"/>
+                  </a:lnTo>
+                  <a:cubicBezTo>
+                    <a:pt x="1994059" y="962277"/>
+                    <a:pt x="1696469" y="664687"/>
+                    <a:pt x="1329373" y="664687"/>
+                  </a:cubicBezTo>
+                  <a:cubicBezTo>
+                    <a:pt x="962277" y="664687"/>
+                    <a:pt x="664687" y="962277"/>
+                    <a:pt x="664687" y="1329373"/>
+                  </a:cubicBezTo>
+                  <a:lnTo>
+                    <a:pt x="0" y="1329373"/>
+                  </a:lnTo>
+                  <a:cubicBezTo>
+                    <a:pt x="0" y="595181"/>
+                    <a:pt x="595181" y="0"/>
+                    <a:pt x="1329373" y="0"/>
+                  </a:cubicBezTo>
+                  <a:close/>
+                </a:path>
+              </a:pathLst>
+            </a:custGeom>
+            <a:solidFill>
+              <a:schemeClr val="bg2">
+                <a:lumMod val="50000"/>
+                <a:lumOff val="50000"/>
+                <a:alpha val="40000"/>
+              </a:schemeClr>
+            </a:solidFill>
+            <a:ln>
+              <a:noFill/>
+            </a:ln>
+            <a:effectLst>
+              <a:softEdge rad="190500"/>
+            </a:effectLst>
+          </p:spPr>
+          <p:style>
+            <a:lnRef idx="2">
+              <a:schemeClr val="accent1">
+                <a:shade val="50000"/>
+              </a:schemeClr>
+            </a:lnRef>
+            <a:fillRef idx="1">
+              <a:schemeClr val="accent1"/>
+            </a:fillRef>
+            <a:effectRef idx="0">
+              <a:schemeClr val="accent1"/>
+            </a:effectRef>
+            <a:fontRef idx="minor">
+              <a:schemeClr val="lt1"/>
+            </a:fontRef>
+          </p:style>
+          <p:txBody>
+            <a:bodyPr rtlCol="0" anchor="ctr"/>
+            <a:lstStyle/>
+            <a:p>
+              <a:pPr algn="ctr"/>
+              <a:endParaRPr lang="en-US">
+                <a:solidFill>
+                  <a:schemeClr val="tx1"/>
+                </a:solidFill>
+              </a:endParaRPr>
+            </a:p>
+          </p:txBody>
+        </p:sp>
+        <p:sp>
+          <p:nvSpPr>
+            <p:cNvPr id="64" name="Oval 63">
+              <a:extLst>
+                <a:ext uri="{FF2B5EF4-FFF2-40B4-BE49-F238E27FC236}">
+                  <a16:creationId xmlns:a16="http://schemas.microsoft.com/office/drawing/2014/main" id="{4B089C8C-B82B-4704-88E2-E857A5E21529}"/>
+                </a:ext>
+                <a:ext uri="{C183D7F6-B498-43B3-948B-1728B52AA6E4}">
+                  <adec:decorative xmlns:adec="http://schemas.microsoft.com/office/drawing/2017/decorative" val="1"/>
+                </a:ext>
+              </a:extLst>
+            </p:cNvPr>
+            <p:cNvSpPr/>
+            <p:nvPr>
+              <p:extLst>
+                <p:ext uri="{386F3935-93C4-4BCD-93E2-E3B085C9AB24}">
+                  <p16:designElem xmlns:p16="http://schemas.microsoft.com/office/powerpoint/2015/main" val="1"/>
+                </p:ext>
+              </p:extLst>
+            </p:nvPr>
+          </p:nvSpPr>
+          <p:spPr>
+            <a:xfrm rot="13500000" flipV="1">
+              <a:off x="6040374" y="3601683"/>
+              <a:ext cx="107098" cy="466589"/>
+            </a:xfrm>
+            <a:prstGeom prst="ellipse">
+              <a:avLst/>
+            </a:prstGeom>
+            <a:solidFill>
+              <a:schemeClr val="bg2">
+                <a:lumMod val="90000"/>
+                <a:lumOff val="10000"/>
+              </a:schemeClr>
+            </a:solidFill>
+            <a:ln>
+              <a:noFill/>
+            </a:ln>
+            <a:effectLst>
+              <a:innerShdw blurRad="63500" dist="2540000">
+                <a:schemeClr val="accent1">
+                  <a:lumMod val="60000"/>
+                  <a:lumOff val="40000"/>
+                  <a:alpha val="0"/>
+                </a:schemeClr>
+              </a:innerShdw>
+            </a:effectLst>
+          </p:spPr>
+          <p:style>
+            <a:lnRef idx="2">
+              <a:schemeClr val="accent1">
+                <a:shade val="50000"/>
+              </a:schemeClr>
+            </a:lnRef>
+            <a:fillRef idx="1">
+              <a:schemeClr val="accent1"/>
+            </a:fillRef>
+            <a:effectRef idx="0">
+              <a:schemeClr val="accent1"/>
+            </a:effectRef>
+            <a:fontRef idx="minor">
+              <a:schemeClr val="lt1"/>
+            </a:fontRef>
+          </p:style>
+          <p:txBody>
+            <a:bodyPr rot="0" spcFirstLastPara="0" vertOverflow="overflow" horzOverflow="overflow" vert="horz" wrap="square" lIns="91440" tIns="45720" rIns="91440" bIns="45720" numCol="1" spcCol="0" rtlCol="0" fromWordArt="0" anchor="ctr" anchorCtr="0" forceAA="0" compatLnSpc="1">
+              <a:prstTxWarp prst="textNoShape">
+                <a:avLst/>
+              </a:prstTxWarp>
+              <a:noAutofit/>
+            </a:bodyPr>
+            <a:lstStyle/>
+            <a:p>
+              <a:pPr algn="ctr"/>
+              <a:endParaRPr lang="en-US"/>
+            </a:p>
+          </p:txBody>
+        </p:sp>
+        <p:sp>
+          <p:nvSpPr>
+            <p:cNvPr id="65" name="Oval 64">
+              <a:extLst>
+                <a:ext uri="{FF2B5EF4-FFF2-40B4-BE49-F238E27FC236}">
+                  <a16:creationId xmlns:a16="http://schemas.microsoft.com/office/drawing/2014/main" id="{434B90C8-5B4D-456E-AD99-80EF748FDD72}"/>
+                </a:ext>
+                <a:ext uri="{C183D7F6-B498-43B3-948B-1728B52AA6E4}">
+                  <adec:decorative xmlns:adec="http://schemas.microsoft.com/office/drawing/2017/decorative" val="1"/>
+                </a:ext>
+              </a:extLst>
+            </p:cNvPr>
+            <p:cNvSpPr/>
+            <p:nvPr>
+              <p:extLst>
+                <p:ext uri="{386F3935-93C4-4BCD-93E2-E3B085C9AB24}">
+                  <p16:designElem xmlns:p16="http://schemas.microsoft.com/office/powerpoint/2015/main" val="1"/>
+                </p:ext>
+              </p:extLst>
+            </p:nvPr>
+          </p:nvSpPr>
+          <p:spPr>
+            <a:xfrm rot="13500000" flipV="1">
+              <a:off x="5059348" y="4582709"/>
+              <a:ext cx="107098" cy="466589"/>
+            </a:xfrm>
+            <a:prstGeom prst="ellipse">
+              <a:avLst/>
+            </a:prstGeom>
+            <a:solidFill>
+              <a:schemeClr val="bg2">
+                <a:lumMod val="90000"/>
+                <a:lumOff val="10000"/>
+              </a:schemeClr>
+            </a:solidFill>
+            <a:ln>
+              <a:noFill/>
+            </a:ln>
+            <a:effectLst>
+              <a:innerShdw blurRad="63500" dist="2540000">
+                <a:schemeClr val="accent1">
+                  <a:lumMod val="60000"/>
+                  <a:lumOff val="40000"/>
+                  <a:alpha val="0"/>
+                </a:schemeClr>
+              </a:innerShdw>
+            </a:effectLst>
+          </p:spPr>
+          <p:style>
+            <a:lnRef idx="2">
+              <a:schemeClr val="accent1">
+                <a:shade val="50000"/>
+              </a:schemeClr>
+            </a:lnRef>
+            <a:fillRef idx="1">
+              <a:schemeClr val="accent1"/>
+            </a:fillRef>
+            <a:effectRef idx="0">
+              <a:schemeClr val="accent1"/>
+            </a:effectRef>
+            <a:fontRef idx="minor">
+              <a:schemeClr val="lt1"/>
+            </a:fontRef>
+          </p:style>
+          <p:txBody>
+            <a:bodyPr rot="0" spcFirstLastPara="0" vertOverflow="overflow" horzOverflow="overflow" vert="horz" wrap="square" lIns="91440" tIns="45720" rIns="91440" bIns="45720" numCol="1" spcCol="0" rtlCol="0" fromWordArt="0" anchor="ctr" anchorCtr="0" forceAA="0" compatLnSpc="1">
+              <a:prstTxWarp prst="textNoShape">
+                <a:avLst/>
+              </a:prstTxWarp>
+              <a:noAutofit/>
+            </a:bodyPr>
+            <a:lstStyle/>
+            <a:p>
+              <a:pPr algn="ctr"/>
+              <a:endParaRPr lang="en-US"/>
+            </a:p>
+          </p:txBody>
+        </p:sp>
+      </p:grpSp>
+      <p:sp useBgFill="1">
+        <p:nvSpPr>
+          <p:cNvPr id="67" name="Rectangle 66">
+            <a:extLst>
+              <a:ext uri="{FF2B5EF4-FFF2-40B4-BE49-F238E27FC236}">
+                <a16:creationId xmlns:a16="http://schemas.microsoft.com/office/drawing/2014/main" id="{1DB043B4-68C6-45B9-82AC-A5800EADB8DB}"/>
+              </a:ext>
+              <a:ext uri="{C183D7F6-B498-43B3-948B-1728B52AA6E4}">
+                <adec:decorative xmlns:adec="http://schemas.microsoft.com/office/drawing/2017/decorative" val="1"/>
+              </a:ext>
+            </a:extLst>
+          </p:cNvPr>
+          <p:cNvSpPr>
+            <a:spLocks noGrp="1" noRot="1" noChangeAspect="1" noMove="1" noResize="1" noEditPoints="1" noAdjustHandles="1" noChangeArrowheads="1" noChangeShapeType="1" noTextEdit="1"/>
+          </p:cNvSpPr>
+          <p:nvPr>
+            <p:extLst>
+              <p:ext uri="{386F3935-93C4-4BCD-93E2-E3B085C9AB24}">
+                <p16:designElem xmlns:p16="http://schemas.microsoft.com/office/powerpoint/2015/main" val="1"/>
+              </p:ext>
+            </p:extLst>
+          </p:nvPr>
+        </p:nvSpPr>
+        <p:spPr>
+          <a:xfrm>
+            <a:off x="0" y="0"/>
+            <a:ext cx="12192000" cy="6858000"/>
+          </a:xfrm>
+          <a:prstGeom prst="rect">
+            <a:avLst/>
+          </a:prstGeom>
+          <a:ln w="12700" cap="flat" cmpd="sng" algn="ctr">
+            <a:noFill/>
+            <a:prstDash val="solid"/>
+            <a:miter lim="800000"/>
+          </a:ln>
+          <a:effectLst/>
+          <a:extLst>
+            <a:ext uri="{91240B29-F687-4F45-9708-019B960494DF}">
+              <a14:hiddenLine xmlns:a14="http://schemas.microsoft.com/office/drawing/2010/main" w="12700" cap="flat" cmpd="sng" algn="ctr">
+                <a:solidFill>
+                  <a:schemeClr val="accent1">
+                    <a:shade val="50000"/>
+                  </a:schemeClr>
+                </a:solidFill>
+                <a:prstDash val="solid"/>
+                <a:miter lim="800000"/>
+              </a14:hiddenLine>
+            </a:ext>
+          </a:extLst>
+        </p:spPr>
+        <p:style>
+          <a:lnRef idx="2">
+            <a:schemeClr val="accent1">
+              <a:shade val="50000"/>
+            </a:schemeClr>
+          </a:lnRef>
+          <a:fillRef idx="1">
+            <a:schemeClr val="accent1"/>
+          </a:fillRef>
+          <a:effectRef idx="0">
+            <a:schemeClr val="accent1"/>
+          </a:effectRef>
+          <a:fontRef idx="minor">
+            <a:schemeClr val="lt1"/>
+          </a:fontRef>
+        </p:style>
+        <p:txBody>
+          <a:bodyPr rtlCol="0" anchor="ctr"/>
+          <a:lstStyle/>
+          <a:p>
+            <a:pPr algn="ctr"/>
+            <a:endParaRPr lang="en-US"/>
+          </a:p>
+        </p:txBody>
+      </p:sp>
+      <p:pic>
+        <p:nvPicPr>
+          <p:cNvPr id="8" name="Picture Placeholder 7" descr="Data Points Digital background">
+            <a:extLst>
+              <a:ext uri="{FF2B5EF4-FFF2-40B4-BE49-F238E27FC236}">
+                <a16:creationId xmlns:a16="http://schemas.microsoft.com/office/drawing/2014/main" id="{5FED7C55-F545-49A1-90FD-D853A25AB453}"/>
+              </a:ext>
+            </a:extLst>
+          </p:cNvPr>
+          <p:cNvPicPr>
+            <a:picLocks noGrp="1" noChangeAspect="1"/>
+          </p:cNvPicPr>
+          <p:nvPr>
+            <p:ph type="pic" sz="quarter" idx="13"/>
+          </p:nvPr>
+        </p:nvPicPr>
+        <p:blipFill rotWithShape="1">
+          <a:blip r:embed="rId3">
+            <a:extLst>
+              <a:ext uri="{28A0092B-C50C-407E-A947-70E740481C1C}">
+                <a14:useLocalDpi xmlns:a14="http://schemas.microsoft.com/office/drawing/2010/main" val="0"/>
+              </a:ext>
+            </a:extLst>
+          </a:blip>
+          <a:srcRect/>
+          <a:stretch/>
+        </p:blipFill>
+        <p:spPr>
+          <a:xfrm>
+            <a:off x="20" y="1"/>
+            <a:ext cx="12191980" cy="6858000"/>
+          </a:xfrm>
+          <a:custGeom>
+            <a:avLst/>
+            <a:gdLst/>
+            <a:ahLst/>
+            <a:cxnLst/>
+            <a:rect l="l" t="t" r="r" b="b"/>
+            <a:pathLst>
+              <a:path w="12192000" h="6858000">
+                <a:moveTo>
+                  <a:pt x="0" y="0"/>
+                </a:moveTo>
+                <a:lnTo>
+                  <a:pt x="12192000" y="0"/>
+                </a:lnTo>
+                <a:lnTo>
+                  <a:pt x="12192000" y="6858000"/>
+                </a:lnTo>
+                <a:lnTo>
+                  <a:pt x="0" y="6858000"/>
+                </a:lnTo>
+                <a:close/>
+              </a:path>
+            </a:pathLst>
+          </a:custGeom>
+        </p:spPr>
+      </p:pic>
+      <p:sp>
+        <p:nvSpPr>
+          <p:cNvPr id="69" name="Rectangle 68">
+            <a:extLst>
+              <a:ext uri="{FF2B5EF4-FFF2-40B4-BE49-F238E27FC236}">
+                <a16:creationId xmlns:a16="http://schemas.microsoft.com/office/drawing/2014/main" id="{3C64A91D-E535-4C24-A0E3-96A3810E3FDC}"/>
+              </a:ext>
+              <a:ext uri="{C183D7F6-B498-43B3-948B-1728B52AA6E4}">
+                <adec:decorative xmlns:adec="http://schemas.microsoft.com/office/drawing/2017/decorative" val="1"/>
+              </a:ext>
+            </a:extLst>
+          </p:cNvPr>
+          <p:cNvSpPr>
+            <a:spLocks noGrp="1" noRot="1" noChangeAspect="1" noMove="1" noResize="1" noEditPoints="1" noAdjustHandles="1" noChangeArrowheads="1" noChangeShapeType="1" noTextEdit="1"/>
+          </p:cNvSpPr>
+          <p:nvPr>
+            <p:extLst>
+              <p:ext uri="{386F3935-93C4-4BCD-93E2-E3B085C9AB24}">
+                <p16:designElem xmlns:p16="http://schemas.microsoft.com/office/powerpoint/2015/main" val="1"/>
+              </p:ext>
+            </p:extLst>
+          </p:nvPr>
+        </p:nvSpPr>
+        <p:spPr>
+          <a:xfrm>
+            <a:off x="0" y="5773729"/>
+            <a:ext cx="12192000" cy="1084271"/>
+          </a:xfrm>
+          <a:prstGeom prst="rect">
+            <a:avLst/>
+          </a:prstGeom>
+          <a:gradFill flip="none" rotWithShape="1">
+            <a:gsLst>
+              <a:gs pos="90000">
+                <a:schemeClr val="bg2">
+                  <a:alpha val="60000"/>
+                </a:schemeClr>
+              </a:gs>
+              <a:gs pos="28000">
+                <a:schemeClr val="bg2">
+                  <a:alpha val="0"/>
+                </a:schemeClr>
+              </a:gs>
+            </a:gsLst>
+            <a:lin ang="5400000" scaled="0"/>
+            <a:tileRect/>
+          </a:gradFill>
+          <a:ln>
+            <a:noFill/>
+          </a:ln>
+        </p:spPr>
+        <p:style>
+          <a:lnRef idx="2">
+            <a:schemeClr val="accent1">
+              <a:shade val="50000"/>
+            </a:schemeClr>
+          </a:lnRef>
+          <a:fillRef idx="1">
+            <a:schemeClr val="accent1"/>
+          </a:fillRef>
+          <a:effectRef idx="0">
+            <a:schemeClr val="accent1"/>
+          </a:effectRef>
+          <a:fontRef idx="minor">
+            <a:schemeClr val="lt1"/>
+          </a:fontRef>
+        </p:style>
+        <p:txBody>
+          <a:bodyPr rtlCol="0" anchor="ctr"/>
+          <a:lstStyle/>
+          <a:p>
+            <a:pPr algn="ctr"/>
+            <a:endParaRPr lang="en-US"/>
+          </a:p>
+        </p:txBody>
+      </p:sp>
+      <p:sp>
+        <p:nvSpPr>
+          <p:cNvPr id="71" name="Rectangle 70">
+            <a:extLst>
+              <a:ext uri="{FF2B5EF4-FFF2-40B4-BE49-F238E27FC236}">
+                <a16:creationId xmlns:a16="http://schemas.microsoft.com/office/drawing/2014/main" id="{26FC4867-BA3E-4F8E-AB23-684F34DF3D31}"/>
+              </a:ext>
+              <a:ext uri="{C183D7F6-B498-43B3-948B-1728B52AA6E4}">
+                <adec:decorative xmlns:adec="http://schemas.microsoft.com/office/drawing/2017/decorative" val="1"/>
+              </a:ext>
+            </a:extLst>
+          </p:cNvPr>
+          <p:cNvSpPr>
+            <a:spLocks noGrp="1" noRot="1" noChangeAspect="1" noMove="1" noResize="1" noEditPoints="1" noAdjustHandles="1" noChangeArrowheads="1" noChangeShapeType="1" noTextEdit="1"/>
+          </p:cNvSpPr>
+          <p:nvPr>
+            <p:extLst>
+              <p:ext uri="{386F3935-93C4-4BCD-93E2-E3B085C9AB24}">
+                <p16:designElem xmlns:p16="http://schemas.microsoft.com/office/powerpoint/2015/main" val="1"/>
+              </p:ext>
+            </p:extLst>
+          </p:nvPr>
+        </p:nvSpPr>
+        <p:spPr>
+          <a:xfrm rot="10800000">
+            <a:off x="0" y="-3"/>
+            <a:ext cx="9000000" cy="6857998"/>
+          </a:xfrm>
+          <a:prstGeom prst="rect">
+            <a:avLst/>
+          </a:prstGeom>
+          <a:gradFill flip="none" rotWithShape="1">
+            <a:gsLst>
+              <a:gs pos="50000">
+                <a:schemeClr val="bg2">
+                  <a:alpha val="60000"/>
+                </a:schemeClr>
+              </a:gs>
+              <a:gs pos="0">
+                <a:schemeClr val="bg2">
+                  <a:alpha val="0"/>
+                </a:schemeClr>
+              </a:gs>
+            </a:gsLst>
+            <a:lin ang="0" scaled="0"/>
+            <a:tileRect/>
+          </a:gradFill>
+          <a:ln>
+            <a:noFill/>
+          </a:ln>
+        </p:spPr>
+        <p:style>
+          <a:lnRef idx="2">
+            <a:schemeClr val="accent1">
+              <a:shade val="50000"/>
+            </a:schemeClr>
+          </a:lnRef>
+          <a:fillRef idx="1">
+            <a:schemeClr val="accent1"/>
+          </a:fillRef>
+          <a:effectRef idx="0">
+            <a:schemeClr val="accent1"/>
+          </a:effectRef>
+          <a:fontRef idx="minor">
+            <a:schemeClr val="lt1"/>
+          </a:fontRef>
+        </p:style>
+        <p:txBody>
+          <a:bodyPr rtlCol="0" anchor="ctr"/>
+          <a:lstStyle/>
+          <a:p>
+            <a:pPr algn="ctr"/>
+            <a:endParaRPr lang="en-US"/>
+          </a:p>
+        </p:txBody>
+      </p:sp>
+      <p:sp>
+        <p:nvSpPr>
+          <p:cNvPr id="15" name="Title 14">
+            <a:extLst>
+              <a:ext uri="{FF2B5EF4-FFF2-40B4-BE49-F238E27FC236}">
+                <a16:creationId xmlns:a16="http://schemas.microsoft.com/office/drawing/2014/main" id="{40F1DF5B-353A-4270-8C10-6A1509441174}"/>
+              </a:ext>
+            </a:extLst>
+          </p:cNvPr>
+          <p:cNvSpPr>
+            <a:spLocks noGrp="1"/>
+          </p:cNvSpPr>
+          <p:nvPr>
+            <p:ph type="ctrTitle"/>
+          </p:nvPr>
+        </p:nvSpPr>
+        <p:spPr>
+          <a:xfrm>
+            <a:off x="550863" y="549275"/>
+            <a:ext cx="5437187" cy="2986234"/>
+          </a:xfrm>
+        </p:spPr>
+        <p:txBody>
+          <a:bodyPr vert="horz" wrap="square" lIns="0" tIns="0" rIns="0" bIns="0" rtlCol="0" anchor="b" anchorCtr="0">
+            <a:normAutofit/>
+          </a:bodyPr>
+          <a:lstStyle/>
+          <a:p>
+            <a:pPr>
+              <a:lnSpc>
+                <a:spcPct val="100000"/>
+              </a:lnSpc>
+            </a:pPr>
+            <a:r>
+              <a:rPr lang="en-US" kern="1200">
+                <a:solidFill>
+                  <a:schemeClr val="tx1"/>
+                </a:solidFill>
+                <a:latin typeface="+mj-lt"/>
+                <a:ea typeface="+mj-ea"/>
+                <a:cs typeface="+mj-cs"/>
+              </a:rPr>
+              <a:t>Getting Started</a:t>
+            </a:r>
+          </a:p>
+        </p:txBody>
+      </p:sp>
+      <p:sp>
+        <p:nvSpPr>
+          <p:cNvPr id="16" name="Subtitle 15">
+            <a:extLst>
+              <a:ext uri="{FF2B5EF4-FFF2-40B4-BE49-F238E27FC236}">
+                <a16:creationId xmlns:a16="http://schemas.microsoft.com/office/drawing/2014/main" id="{4BDCF583-1D5D-4235-97C2-39272B80A0B1}"/>
+              </a:ext>
+            </a:extLst>
+          </p:cNvPr>
+          <p:cNvSpPr>
+            <a:spLocks noGrp="1"/>
+          </p:cNvSpPr>
+          <p:nvPr>
+            <p:ph type="subTitle" idx="1"/>
+          </p:nvPr>
+        </p:nvSpPr>
+        <p:spPr>
+          <a:xfrm>
+            <a:off x="550863" y="3827610"/>
+            <a:ext cx="11193724" cy="2833490"/>
+          </a:xfrm>
+        </p:spPr>
+        <p:txBody>
+          <a:bodyPr vert="horz" wrap="square" lIns="0" tIns="0" rIns="0" bIns="0" rtlCol="0">
+            <a:normAutofit/>
+          </a:bodyPr>
+          <a:lstStyle/>
+          <a:p>
+            <a:pPr marL="0" indent="0">
+              <a:lnSpc>
+                <a:spcPct val="100000"/>
+              </a:lnSpc>
+              <a:buNone/>
+            </a:pPr>
+            <a:r>
+              <a:rPr lang="en-US" kern="1200" dirty="0">
+                <a:latin typeface="+mn-lt"/>
+                <a:ea typeface="+mn-ea"/>
+                <a:cs typeface="+mn-cs"/>
+              </a:rPr>
+              <a:t> I got started by researching pc parts on a site and compiling prices and specs </a:t>
+            </a:r>
+          </a:p>
+          <a:p>
+            <a:pPr marL="0" indent="0">
+              <a:lnSpc>
+                <a:spcPct val="100000"/>
+              </a:lnSpc>
+            </a:pPr>
+            <a:endParaRPr lang="en-US" kern="1200" dirty="0">
+              <a:latin typeface="+mn-lt"/>
+              <a:ea typeface="+mn-ea"/>
+              <a:cs typeface="+mn-cs"/>
+            </a:endParaRPr>
+          </a:p>
+        </p:txBody>
+      </p:sp>
+      <p:sp>
+        <p:nvSpPr>
+          <p:cNvPr id="2" name="Date Placeholder 1">
+            <a:extLst>
+              <a:ext uri="{FF2B5EF4-FFF2-40B4-BE49-F238E27FC236}">
+                <a16:creationId xmlns:a16="http://schemas.microsoft.com/office/drawing/2014/main" id="{2910D835-B454-4270-BB35-86A187307E6F}"/>
+              </a:ext>
+            </a:extLst>
+          </p:cNvPr>
+          <p:cNvSpPr>
+            <a:spLocks noGrp="1"/>
+          </p:cNvSpPr>
+          <p:nvPr>
+            <p:ph type="dt" sz="half" idx="10"/>
+          </p:nvPr>
+        </p:nvSpPr>
+        <p:spPr>
+          <a:xfrm>
+            <a:off x="550863" y="6507212"/>
+            <a:ext cx="2628900" cy="153888"/>
+          </a:xfrm>
+        </p:spPr>
+        <p:txBody>
+          <a:bodyPr vert="horz" wrap="square" lIns="0" tIns="0" rIns="0" bIns="0" rtlCol="0" anchor="ctr">
+            <a:normAutofit/>
+          </a:bodyPr>
+          <a:lstStyle/>
+          <a:p>
+            <a:pPr>
+              <a:spcAft>
+                <a:spcPts val="600"/>
+              </a:spcAft>
+            </a:pPr>
+            <a:r>
+              <a:rPr lang="en-US">
+                <a:solidFill>
+                  <a:schemeClr val="tx1">
+                    <a:alpha val="80000"/>
+                  </a:schemeClr>
+                </a:solidFill>
+              </a:rPr>
+              <a:t>Tuesday, February 2, 20XX</a:t>
+            </a:r>
+          </a:p>
+        </p:txBody>
+      </p:sp>
+      <p:sp>
+        <p:nvSpPr>
+          <p:cNvPr id="3" name="Footer Placeholder 2">
+            <a:extLst>
+              <a:ext uri="{FF2B5EF4-FFF2-40B4-BE49-F238E27FC236}">
+                <a16:creationId xmlns:a16="http://schemas.microsoft.com/office/drawing/2014/main" id="{7F7F653B-90B5-4F47-A33F-93DCB2EF68C2}"/>
+              </a:ext>
+            </a:extLst>
+          </p:cNvPr>
+          <p:cNvSpPr>
+            <a:spLocks noGrp="1"/>
+          </p:cNvSpPr>
+          <p:nvPr>
+            <p:ph type="ftr" sz="quarter" idx="11"/>
+          </p:nvPr>
+        </p:nvSpPr>
+        <p:spPr>
+          <a:xfrm>
+            <a:off x="3359150" y="6507212"/>
+            <a:ext cx="6379210" cy="153888"/>
+          </a:xfrm>
+        </p:spPr>
+        <p:txBody>
+          <a:bodyPr vert="horz" wrap="square" lIns="0" tIns="0" rIns="0" bIns="0" rtlCol="0" anchor="ctr">
+            <a:normAutofit/>
+          </a:bodyPr>
+          <a:lstStyle/>
+          <a:p>
+            <a:pPr>
+              <a:spcAft>
+                <a:spcPts val="600"/>
+              </a:spcAft>
+            </a:pPr>
+            <a:r>
+              <a:rPr lang="en-US" kern="1200">
+                <a:solidFill>
+                  <a:schemeClr val="tx1">
+                    <a:alpha val="80000"/>
+                  </a:schemeClr>
+                </a:solidFill>
+                <a:latin typeface="+mn-lt"/>
+                <a:ea typeface="+mn-ea"/>
+                <a:cs typeface="+mn-cs"/>
+              </a:rPr>
+              <a:t>Sample Footer Text</a:t>
+            </a:r>
+          </a:p>
+        </p:txBody>
+      </p:sp>
+      <p:sp>
+        <p:nvSpPr>
+          <p:cNvPr id="4" name="Slide Number Placeholder 3">
+            <a:extLst>
+              <a:ext uri="{FF2B5EF4-FFF2-40B4-BE49-F238E27FC236}">
+                <a16:creationId xmlns:a16="http://schemas.microsoft.com/office/drawing/2014/main" id="{E1E7D98D-6710-41D2-B258-E1A1059D29F8}"/>
+              </a:ext>
+            </a:extLst>
+          </p:cNvPr>
+          <p:cNvSpPr>
+            <a:spLocks noGrp="1"/>
+          </p:cNvSpPr>
+          <p:nvPr>
+            <p:ph type="sldNum" sz="quarter" idx="12"/>
+          </p:nvPr>
+        </p:nvSpPr>
+        <p:spPr>
+          <a:xfrm>
+            <a:off x="9948863" y="6507212"/>
+            <a:ext cx="1692274" cy="153888"/>
+          </a:xfrm>
+        </p:spPr>
+        <p:txBody>
+          <a:bodyPr vert="horz" wrap="square" lIns="0" tIns="0" rIns="0" bIns="0" rtlCol="0" anchor="ctr">
+            <a:normAutofit/>
+          </a:bodyPr>
+          <a:lstStyle/>
+          <a:p>
+            <a:pPr>
+              <a:spcAft>
+                <a:spcPts val="600"/>
+              </a:spcAft>
+            </a:pPr>
+            <a:fld id="{DBA1B0FB-D917-4C8C-928F-313BD683BF39}" type="slidenum">
+              <a:rPr lang="en-US" smtClean="0">
+                <a:solidFill>
+                  <a:schemeClr val="tx1">
+                    <a:alpha val="80000"/>
+                  </a:schemeClr>
+                </a:solidFill>
+              </a:rPr>
+              <a:pPr>
+                <a:spcAft>
+                  <a:spcPts val="600"/>
+                </a:spcAft>
+              </a:pPr>
+              <a:t>4</a:t>
+            </a:fld>
+            <a:endParaRPr lang="en-US">
+              <a:solidFill>
+                <a:schemeClr val="tx1">
+                  <a:alpha val="80000"/>
+                </a:schemeClr>
+              </a:solidFill>
+            </a:endParaRPr>
+          </a:p>
+        </p:txBody>
+      </p:sp>
+    </p:spTree>
+    <p:extLst>
+      <p:ext uri="{BB962C8B-B14F-4D97-AF65-F5344CB8AC3E}">
+        <p14:creationId xmlns:p14="http://schemas.microsoft.com/office/powerpoint/2010/main" val="560021826"/>
+      </p:ext>
+    </p:extLst>
+  </p:cSld>
+  <p:clrMapOvr>
+    <a:masterClrMapping/>
+  </p:clrMapOvr>
+</p:sld>
+</file>
+
+<file path=ppt/slides/slide5.xml><?xml version="1.0" encoding="utf-8"?>
 <p:sld xmlns:a="http://schemas.openxmlformats.org/drawingml/2006/main" xmlns:r="http://schemas.openxmlformats.org/officeDocument/2006/relationships" xmlns:p="http://schemas.openxmlformats.org/presentationml/2006/main">
   <p:cSld>
     <p:bg>
@@ -24779,7 +28412,12 @@
             <a:fillRect/>
           </a:stretch>
         </p:blipFill>
-        <p:spPr/>
+        <p:spPr>
+          <a:xfrm>
+            <a:off x="0" y="285004"/>
+            <a:ext cx="12192000" cy="6858000"/>
+          </a:xfrm>
+        </p:spPr>
       </p:pic>
       <p:sp>
         <p:nvSpPr>
@@ -24952,7 +28590,7 @@
         <p:spPr>
           <a:xfrm>
             <a:off x="550863" y="549275"/>
-            <a:ext cx="5929836" cy="2986234"/>
+            <a:ext cx="8024966" cy="2986234"/>
           </a:xfrm>
         </p:spPr>
         <p:txBody>
@@ -24968,7 +28606,7 @@
             </a:pPr>
             <a:r>
               <a:rPr lang="en-US" dirty="0"/>
-              <a:t>Getting Started</a:t>
+              <a:t>Pc interviewing </a:t>
             </a:r>
             <a:endParaRPr lang="en-US" sz="6400" kern="1200" dirty="0">
               <a:solidFill>
@@ -25000,7 +28638,7 @@
         <p:spPr>
           <a:xfrm>
             <a:off x="550863" y="3827610"/>
-            <a:ext cx="5437187" cy="2265216"/>
+            <a:ext cx="11344726" cy="3030390"/>
           </a:xfrm>
         </p:spPr>
         <p:txBody>
@@ -25021,8 +28659,96 @@
                 <a:ea typeface="+mn-ea"/>
                 <a:cs typeface="+mn-cs"/>
               </a:rPr>
-              <a:t>Subtitle</a:t>
+              <a:t>I interviewed Chad these three questions: </a:t>
             </a:r>
+            <a:r>
+              <a:rPr lang="en-US" dirty="0"/>
+              <a:t>?</a:t>
+            </a:r>
+            <a:r>
+              <a:rPr lang="en-US" kern="1200" dirty="0">
+                <a:latin typeface="+mn-lt"/>
+                <a:ea typeface="+mn-ea"/>
+                <a:cs typeface="+mn-cs"/>
+              </a:rPr>
+              <a:t>  [answers] :  at least 16gb</a:t>
+            </a:r>
+            <a:r>
+              <a:rPr lang="en-US" dirty="0"/>
+              <a:t>s and I don’t know </a:t>
+            </a:r>
+            <a:endParaRPr lang="en-US" kern="1200" dirty="0">
+              <a:latin typeface="+mn-lt"/>
+              <a:ea typeface="+mn-ea"/>
+              <a:cs typeface="+mn-cs"/>
+            </a:endParaRPr>
+          </a:p>
+          <a:p>
+            <a:pPr marL="0" indent="0">
+              <a:lnSpc>
+                <a:spcPct val="100000"/>
+              </a:lnSpc>
+              <a:buNone/>
+            </a:pPr>
+            <a:r>
+              <a:rPr lang="en-US" dirty="0"/>
+              <a:t>How strong of a ram and CPU do you want                  strong enough to play high </a:t>
+            </a:r>
+            <a:endParaRPr lang="en-US" kern="1200" dirty="0">
+              <a:latin typeface="+mn-lt"/>
+              <a:ea typeface="+mn-ea"/>
+              <a:cs typeface="+mn-cs"/>
+            </a:endParaRPr>
+          </a:p>
+          <a:p>
+            <a:pPr marL="0" indent="0">
+              <a:lnSpc>
+                <a:spcPct val="100000"/>
+              </a:lnSpc>
+              <a:buNone/>
+            </a:pPr>
+            <a:r>
+              <a:rPr lang="en-US" kern="1200" dirty="0">
+                <a:latin typeface="+mn-lt"/>
+                <a:ea typeface="+mn-ea"/>
+                <a:cs typeface="+mn-cs"/>
+              </a:rPr>
+              <a:t>how much budget would you like?                      </a:t>
+            </a:r>
+            <a:r>
+              <a:rPr lang="en-US" dirty="0"/>
+              <a:t>              end games.    2. 1200 max</a:t>
+            </a:r>
+            <a:endParaRPr lang="en-US" kern="1200" dirty="0">
+              <a:latin typeface="+mn-lt"/>
+              <a:ea typeface="+mn-ea"/>
+              <a:cs typeface="+mn-cs"/>
+            </a:endParaRPr>
+          </a:p>
+          <a:p>
+            <a:pPr marL="0" indent="0">
+              <a:lnSpc>
+                <a:spcPct val="100000"/>
+              </a:lnSpc>
+              <a:buNone/>
+            </a:pPr>
+            <a:r>
+              <a:rPr lang="en-US" dirty="0"/>
+              <a:t>  What would you use your new pc for?                               3.  gaming </a:t>
+            </a:r>
+          </a:p>
+          <a:p>
+            <a:pPr marL="0" indent="0">
+              <a:lnSpc>
+                <a:spcPct val="100000"/>
+              </a:lnSpc>
+              <a:buNone/>
+            </a:pPr>
+            <a:endParaRPr lang="en-US" kern="1200" dirty="0">
+              <a:latin typeface="+mn-lt"/>
+              <a:ea typeface="+mn-ea"/>
+              <a:cs typeface="+mn-cs"/>
+            </a:endParaRPr>
           </a:p>
         </p:txBody>
       </p:sp>
@@ -25105,7 +28831,7 @@
           <a:p>
             <a:fld id="{DBA1B0FB-D917-4C8C-928F-313BD683BF39}" type="slidenum">
               <a:rPr lang="en-US" smtClean="0"/>
-              <a:t>4</a:t>
+              <a:t>5</a:t>
             </a:fld>
             <a:endParaRPr lang="en-US"/>
           </a:p>
@@ -25114,7 +28840,7 @@
     </p:spTree>
     <p:extLst>
       <p:ext uri="{BB962C8B-B14F-4D97-AF65-F5344CB8AC3E}">
-        <p14:creationId xmlns:p14="http://schemas.microsoft.com/office/powerpoint/2010/main" val="560021826"/>
+        <p14:creationId xmlns:p14="http://schemas.microsoft.com/office/powerpoint/2010/main" val="3885125405"/>
       </p:ext>
     </p:extLst>
   </p:cSld>
@@ -25124,7 +28850,7 @@
 </p:sld>
 </file>
 
-<file path=ppt/slides/slide5.xml><?xml version="1.0" encoding="utf-8"?>
+<file path=ppt/slides/slide6.xml><?xml version="1.0" encoding="utf-8"?>
 <p:sld xmlns:a="http://schemas.openxmlformats.org/drawingml/2006/main" xmlns:r="http://schemas.openxmlformats.org/officeDocument/2006/relationships" xmlns:p="http://schemas.openxmlformats.org/presentationml/2006/main">
   <p:cSld>
     <p:bg>
@@ -26065,7 +29791,12 @@
             <a:fillRect/>
           </a:stretch>
         </p:blipFill>
-        <p:spPr/>
+        <p:spPr>
+          <a:xfrm>
+            <a:off x="0" y="0"/>
+            <a:ext cx="12192000" cy="6858000"/>
+          </a:xfrm>
+        </p:spPr>
       </p:pic>
       <p:sp>
         <p:nvSpPr>
@@ -26238,7 +29969,7 @@
         <p:spPr>
           <a:xfrm>
             <a:off x="550863" y="549275"/>
-            <a:ext cx="8024966" cy="2986234"/>
+            <a:ext cx="3905727" cy="2986234"/>
           </a:xfrm>
         </p:spPr>
         <p:txBody>
@@ -26254,7 +29985,7 @@
             </a:pPr>
             <a:r>
               <a:rPr lang="en-US" dirty="0"/>
-              <a:t>Interview Description</a:t>
+              <a:t>Selection</a:t>
             </a:r>
             <a:endParaRPr lang="en-US" sz="6400" kern="1200" dirty="0">
               <a:solidFill>
@@ -26299,6 +30030,23 @@
               <a:lnSpc>
                 <a:spcPct val="100000"/>
               </a:lnSpc>
+            </a:pPr>
+            <a:r>
+              <a:rPr lang="en-NZ" b="1" i="0" dirty="0">
+                <a:solidFill>
+                  <a:srgbClr val="FFFFFF"/>
+                </a:solidFill>
+                <a:effectLst/>
+                <a:latin typeface="-apple-system"/>
+              </a:rPr>
+              <a:t>College Student - Budget PC Build which fits the range even though prebuilt the specs were hard to best when trying to find good yet cheap parts</a:t>
+            </a:r>
+          </a:p>
+          <a:p>
+            <a:pPr marL="0" indent="0">
+              <a:lnSpc>
+                <a:spcPct val="100000"/>
+              </a:lnSpc>
               <a:buNone/>
             </a:pPr>
             <a:r>
@@ -26307,7 +30055,7 @@
                 <a:ea typeface="+mn-ea"/>
                 <a:cs typeface="+mn-cs"/>
               </a:rPr>
-              <a:t>Subtitle</a:t>
+              <a:t> </a:t>
             </a:r>
           </a:p>
         </p:txBody>
@@ -26391,7 +30139,7 @@
           <a:p>
             <a:fld id="{DBA1B0FB-D917-4C8C-928F-313BD683BF39}" type="slidenum">
               <a:rPr lang="en-US" smtClean="0"/>
-              <a:t>5</a:t>
+              <a:t>6</a:t>
             </a:fld>
             <a:endParaRPr lang="en-US"/>
           </a:p>
@@ -26400,7 +30148,7 @@
     </p:spTree>
     <p:extLst>
       <p:ext uri="{BB962C8B-B14F-4D97-AF65-F5344CB8AC3E}">
-        <p14:creationId xmlns:p14="http://schemas.microsoft.com/office/powerpoint/2010/main" val="3885125405"/>
+        <p14:creationId xmlns:p14="http://schemas.microsoft.com/office/powerpoint/2010/main" val="1966302396"/>
       </p:ext>
     </p:extLst>
   </p:cSld>
@@ -26410,7 +30158,7 @@
 </p:sld>
 </file>
 
-<file path=ppt/slides/slide6.xml><?xml version="1.0" encoding="utf-8"?>
+<file path=ppt/slides/slide7.xml><?xml version="1.0" encoding="utf-8"?>
 <p:sld xmlns:a="http://schemas.openxmlformats.org/drawingml/2006/main" xmlns:r="http://schemas.openxmlformats.org/officeDocument/2006/relationships" xmlns:p="http://schemas.openxmlformats.org/presentationml/2006/main">
   <p:cSld>
     <p:bg>
@@ -27524,7 +31272,7 @@
         <p:spPr>
           <a:xfrm>
             <a:off x="550863" y="549275"/>
-            <a:ext cx="3905727" cy="2986234"/>
+            <a:ext cx="4731351" cy="2986234"/>
           </a:xfrm>
         </p:spPr>
         <p:txBody>
@@ -27540,7 +31288,7 @@
             </a:pPr>
             <a:r>
               <a:rPr lang="en-US" dirty="0"/>
-              <a:t>Selection</a:t>
+              <a:t>Justification</a:t>
             </a:r>
             <a:endParaRPr lang="en-US" sz="6400" kern="1200" dirty="0">
               <a:solidFill>
@@ -27588,1299 +31336,14 @@
               <a:buNone/>
             </a:pPr>
             <a:r>
-              <a:rPr lang="en-US" kern="1200" dirty="0">
-                <a:latin typeface="+mn-lt"/>
-                <a:ea typeface="+mn-ea"/>
-                <a:cs typeface="+mn-cs"/>
-              </a:rPr>
-              <a:t>Subtitle</a:t>
+              <a:rPr lang="en-US" dirty="0"/>
+              <a:t>I chose this obviously because of the budget it has reasonable specs it has a good CPU but since the price it is drawn back a bit but in all they were happy with the results</a:t>
             </a:r>
-          </a:p>
-        </p:txBody>
-      </p:sp>
-      <p:sp>
-        <p:nvSpPr>
-          <p:cNvPr id="2" name="Date Placeholder 1">
-            <a:extLst>
-              <a:ext uri="{FF2B5EF4-FFF2-40B4-BE49-F238E27FC236}">
-                <a16:creationId xmlns:a16="http://schemas.microsoft.com/office/drawing/2014/main" id="{2910D835-B454-4270-BB35-86A187307E6F}"/>
-              </a:ext>
-            </a:extLst>
-          </p:cNvPr>
-          <p:cNvSpPr>
-            <a:spLocks noGrp="1"/>
-          </p:cNvSpPr>
-          <p:nvPr>
-            <p:ph type="dt" sz="half" idx="10"/>
-          </p:nvPr>
-        </p:nvSpPr>
-        <p:spPr/>
-        <p:txBody>
-          <a:bodyPr/>
-          <a:lstStyle/>
-          <a:p>
-            <a:r>
-              <a:rPr lang="en-US"/>
-              <a:t>Tuesday, February 2, 20XX</a:t>
-            </a:r>
-          </a:p>
-        </p:txBody>
-      </p:sp>
-      <p:sp>
-        <p:nvSpPr>
-          <p:cNvPr id="3" name="Footer Placeholder 2">
-            <a:extLst>
-              <a:ext uri="{FF2B5EF4-FFF2-40B4-BE49-F238E27FC236}">
-                <a16:creationId xmlns:a16="http://schemas.microsoft.com/office/drawing/2014/main" id="{7F7F653B-90B5-4F47-A33F-93DCB2EF68C2}"/>
-              </a:ext>
-            </a:extLst>
-          </p:cNvPr>
-          <p:cNvSpPr>
-            <a:spLocks noGrp="1"/>
-          </p:cNvSpPr>
-          <p:nvPr>
-            <p:ph type="ftr" sz="quarter" idx="11"/>
-          </p:nvPr>
-        </p:nvSpPr>
-        <p:spPr/>
-        <p:txBody>
-          <a:bodyPr/>
-          <a:lstStyle/>
-          <a:p>
-            <a:r>
-              <a:rPr lang="en-US"/>
-              <a:t>Sample Footer Text</a:t>
-            </a:r>
-          </a:p>
-        </p:txBody>
-      </p:sp>
-      <p:sp>
-        <p:nvSpPr>
-          <p:cNvPr id="4" name="Slide Number Placeholder 3">
-            <a:extLst>
-              <a:ext uri="{FF2B5EF4-FFF2-40B4-BE49-F238E27FC236}">
-                <a16:creationId xmlns:a16="http://schemas.microsoft.com/office/drawing/2014/main" id="{E1E7D98D-6710-41D2-B258-E1A1059D29F8}"/>
-              </a:ext>
-            </a:extLst>
-          </p:cNvPr>
-          <p:cNvSpPr>
-            <a:spLocks noGrp="1"/>
-          </p:cNvSpPr>
-          <p:nvPr>
-            <p:ph type="sldNum" sz="quarter" idx="12"/>
-          </p:nvPr>
-        </p:nvSpPr>
-        <p:spPr/>
-        <p:txBody>
-          <a:bodyPr/>
-          <a:lstStyle/>
-          <a:p>
-            <a:fld id="{DBA1B0FB-D917-4C8C-928F-313BD683BF39}" type="slidenum">
-              <a:rPr lang="en-US" smtClean="0"/>
-              <a:t>6</a:t>
-            </a:fld>
-            <a:endParaRPr lang="en-US"/>
-          </a:p>
-        </p:txBody>
-      </p:sp>
-    </p:spTree>
-    <p:extLst>
-      <p:ext uri="{BB962C8B-B14F-4D97-AF65-F5344CB8AC3E}">
-        <p14:creationId xmlns:p14="http://schemas.microsoft.com/office/powerpoint/2010/main" val="1966302396"/>
-      </p:ext>
-    </p:extLst>
-  </p:cSld>
-  <p:clrMapOvr>
-    <a:masterClrMapping/>
-  </p:clrMapOvr>
-</p:sld>
-</file>
-
-<file path=ppt/slides/slide7.xml><?xml version="1.0" encoding="utf-8"?>
-<p:sld xmlns:a="http://schemas.openxmlformats.org/drawingml/2006/main" xmlns:r="http://schemas.openxmlformats.org/officeDocument/2006/relationships" xmlns:p="http://schemas.openxmlformats.org/presentationml/2006/main">
-  <p:cSld>
-    <p:bg>
-      <p:bgPr>
-        <a:solidFill>
-          <a:schemeClr val="bg2"/>
-        </a:solidFill>
-        <a:effectLst/>
-      </p:bgPr>
-    </p:bg>
-    <p:spTree>
-      <p:nvGrpSpPr>
-        <p:cNvPr id="1" name=""/>
-        <p:cNvGrpSpPr/>
-        <p:nvPr/>
-      </p:nvGrpSpPr>
-      <p:grpSpPr>
-        <a:xfrm>
-          <a:off x="0" y="0"/>
-          <a:ext cx="0" cy="0"/>
-          <a:chOff x="0" y="0"/>
-          <a:chExt cx="0" cy="0"/>
-        </a:xfrm>
-      </p:grpSpPr>
-      <p:sp>
-        <p:nvSpPr>
-          <p:cNvPr id="34" name="Freeform: Shape 33">
-            <a:extLst>
-              <a:ext uri="{FF2B5EF4-FFF2-40B4-BE49-F238E27FC236}">
-                <a16:creationId xmlns:a16="http://schemas.microsoft.com/office/drawing/2014/main" id="{82184FF4-7029-4ED7-813A-192E60608764}"/>
-              </a:ext>
-              <a:ext uri="{C183D7F6-B498-43B3-948B-1728B52AA6E4}">
-                <adec:decorative xmlns:adec="http://schemas.microsoft.com/office/drawing/2017/decorative" val="1"/>
-              </a:ext>
-            </a:extLst>
-          </p:cNvPr>
-          <p:cNvSpPr>
-            <a:spLocks noGrp="1" noRot="1" noChangeAspect="1" noMove="1" noResize="1" noEditPoints="1" noAdjustHandles="1" noChangeArrowheads="1" noChangeShapeType="1" noTextEdit="1"/>
-          </p:cNvSpPr>
-          <p:nvPr>
-            <p:extLst>
-              <p:ext uri="{386F3935-93C4-4BCD-93E2-E3B085C9AB24}">
-                <p16:designElem xmlns:p16="http://schemas.microsoft.com/office/powerpoint/2015/main" val="1"/>
-              </p:ext>
-            </p:extLst>
-          </p:nvPr>
-        </p:nvSpPr>
-        <p:spPr>
-          <a:xfrm rot="2700000">
-            <a:off x="612445" y="481888"/>
-            <a:ext cx="1080000" cy="1262947"/>
-          </a:xfrm>
-          <a:custGeom>
-            <a:avLst/>
-            <a:gdLst/>
-            <a:ahLst/>
-            <a:cxnLst/>
-            <a:rect l="l" t="t" r="r" b="b"/>
-            <a:pathLst>
-              <a:path w="1080000" h="1262947">
-                <a:moveTo>
-                  <a:pt x="540000" y="0"/>
-                </a:moveTo>
-                <a:lnTo>
-                  <a:pt x="1064374" y="931034"/>
-                </a:lnTo>
-                <a:lnTo>
-                  <a:pt x="1069029" y="938533"/>
-                </a:lnTo>
-                <a:cubicBezTo>
-                  <a:pt x="1076223" y="956109"/>
-                  <a:pt x="1080000" y="974307"/>
-                  <a:pt x="1080000" y="992947"/>
-                </a:cubicBezTo>
-                <a:cubicBezTo>
-                  <a:pt x="1080000" y="1142064"/>
-                  <a:pt x="838234" y="1262947"/>
-                  <a:pt x="540000" y="1262947"/>
-                </a:cubicBezTo>
-                <a:cubicBezTo>
-                  <a:pt x="241766" y="1262947"/>
-                  <a:pt x="0" y="1142064"/>
-                  <a:pt x="0" y="992947"/>
-                </a:cubicBezTo>
-                <a:cubicBezTo>
-                  <a:pt x="0" y="974307"/>
-                  <a:pt x="3778" y="956109"/>
-                  <a:pt x="10971" y="938533"/>
-                </a:cubicBezTo>
-                <a:lnTo>
-                  <a:pt x="15626" y="931034"/>
-                </a:lnTo>
-                <a:lnTo>
-                  <a:pt x="540000" y="0"/>
-                </a:lnTo>
-                <a:close/>
-              </a:path>
-            </a:pathLst>
-          </a:custGeom>
-          <a:gradFill>
-            <a:gsLst>
-              <a:gs pos="60000">
-                <a:schemeClr val="bg2">
-                  <a:lumMod val="90000"/>
-                  <a:lumOff val="10000"/>
-                </a:schemeClr>
-              </a:gs>
-              <a:gs pos="30000">
-                <a:schemeClr val="bg2">
-                  <a:lumMod val="90000"/>
-                  <a:lumOff val="10000"/>
-                </a:schemeClr>
-              </a:gs>
-              <a:gs pos="40000">
-                <a:schemeClr val="bg2">
-                  <a:lumMod val="75000"/>
-                  <a:lumOff val="25000"/>
-                </a:schemeClr>
-              </a:gs>
-              <a:gs pos="100000">
-                <a:schemeClr val="bg2"/>
-              </a:gs>
-            </a:gsLst>
-            <a:lin ang="600000" scaled="0"/>
-          </a:gradFill>
-          <a:ln>
-            <a:noFill/>
-          </a:ln>
-          <a:effectLst>
-            <a:innerShdw blurRad="254000" dist="101600" dir="2700000">
-              <a:schemeClr val="accent1">
-                <a:lumMod val="60000"/>
-                <a:lumOff val="40000"/>
-                <a:alpha val="40000"/>
-              </a:schemeClr>
-            </a:innerShdw>
-          </a:effectLst>
-        </p:spPr>
-        <p:style>
-          <a:lnRef idx="2">
-            <a:schemeClr val="accent1">
-              <a:shade val="50000"/>
-            </a:schemeClr>
-          </a:lnRef>
-          <a:fillRef idx="1">
-            <a:schemeClr val="accent1"/>
-          </a:fillRef>
-          <a:effectRef idx="0">
-            <a:schemeClr val="accent1"/>
-          </a:effectRef>
-          <a:fontRef idx="minor">
-            <a:schemeClr val="lt1"/>
-          </a:fontRef>
-        </p:style>
-        <p:txBody>
-          <a:bodyPr rot="0" spcFirstLastPara="0" vertOverflow="overflow" horzOverflow="overflow" vert="horz" wrap="square" lIns="91440" tIns="45720" rIns="91440" bIns="45720" numCol="1" spcCol="0" rtlCol="0" fromWordArt="0" anchor="ctr" anchorCtr="0" forceAA="0" compatLnSpc="1">
-            <a:prstTxWarp prst="textNoShape">
-              <a:avLst/>
-            </a:prstTxWarp>
-            <a:noAutofit/>
-          </a:bodyPr>
-          <a:lstStyle/>
-          <a:p>
-            <a:pPr algn="ctr"/>
-            <a:endParaRPr lang="en-US"/>
-          </a:p>
-        </p:txBody>
-      </p:sp>
-      <p:sp>
-        <p:nvSpPr>
-          <p:cNvPr id="36" name="Oval 35">
-            <a:extLst>
-              <a:ext uri="{FF2B5EF4-FFF2-40B4-BE49-F238E27FC236}">
-                <a16:creationId xmlns:a16="http://schemas.microsoft.com/office/drawing/2014/main" id="{AAA7AB09-557C-41AD-9113-FF9F68FA1035}"/>
-              </a:ext>
-              <a:ext uri="{C183D7F6-B498-43B3-948B-1728B52AA6E4}">
-                <adec:decorative xmlns:adec="http://schemas.microsoft.com/office/drawing/2017/decorative" val="1"/>
-              </a:ext>
-            </a:extLst>
-          </p:cNvPr>
-          <p:cNvSpPr>
-            <a:spLocks noGrp="1" noRot="1" noChangeAspect="1" noMove="1" noResize="1" noEditPoints="1" noAdjustHandles="1" noChangeArrowheads="1" noChangeShapeType="1" noTextEdit="1"/>
-          </p:cNvSpPr>
-          <p:nvPr>
-            <p:extLst>
-              <p:ext uri="{386F3935-93C4-4BCD-93E2-E3B085C9AB24}">
-                <p16:designElem xmlns:p16="http://schemas.microsoft.com/office/powerpoint/2015/main" val="1"/>
-              </p:ext>
-            </p:extLst>
-          </p:nvPr>
-        </p:nvSpPr>
-        <p:spPr>
-          <a:xfrm rot="8100000">
-            <a:off x="626845" y="828962"/>
-            <a:ext cx="540000" cy="1080000"/>
-          </a:xfrm>
-          <a:prstGeom prst="ellipse">
-            <a:avLst/>
-          </a:prstGeom>
-          <a:gradFill>
-            <a:gsLst>
-              <a:gs pos="100000">
-                <a:schemeClr val="bg2">
-                  <a:lumMod val="90000"/>
-                  <a:lumOff val="10000"/>
-                </a:schemeClr>
-              </a:gs>
-              <a:gs pos="50000">
-                <a:schemeClr val="bg2">
-                  <a:lumMod val="95000"/>
-                  <a:lumOff val="5000"/>
-                </a:schemeClr>
-              </a:gs>
-            </a:gsLst>
-            <a:lin ang="5400000" scaled="0"/>
-          </a:gradFill>
-          <a:ln>
-            <a:noFill/>
-          </a:ln>
-          <a:effectLst>
-            <a:innerShdw blurRad="1270000" dist="2540000">
-              <a:schemeClr val="accent1">
-                <a:lumMod val="60000"/>
-                <a:lumOff val="40000"/>
-                <a:alpha val="0"/>
-              </a:schemeClr>
-            </a:innerShdw>
-          </a:effectLst>
-        </p:spPr>
-        <p:style>
-          <a:lnRef idx="2">
-            <a:schemeClr val="accent1">
-              <a:shade val="50000"/>
-            </a:schemeClr>
-          </a:lnRef>
-          <a:fillRef idx="1">
-            <a:schemeClr val="accent1"/>
-          </a:fillRef>
-          <a:effectRef idx="0">
-            <a:schemeClr val="accent1"/>
-          </a:effectRef>
-          <a:fontRef idx="minor">
-            <a:schemeClr val="lt1"/>
-          </a:fontRef>
-        </p:style>
-        <p:txBody>
-          <a:bodyPr rot="0" spcFirstLastPara="0" vertOverflow="overflow" horzOverflow="overflow" vert="horz" wrap="square" lIns="91440" tIns="45720" rIns="91440" bIns="45720" numCol="1" spcCol="0" rtlCol="0" fromWordArt="0" anchor="ctr" anchorCtr="0" forceAA="0" compatLnSpc="1">
-            <a:prstTxWarp prst="textNoShape">
-              <a:avLst/>
-            </a:prstTxWarp>
-            <a:noAutofit/>
-          </a:bodyPr>
-          <a:lstStyle/>
-          <a:p>
-            <a:pPr algn="ctr"/>
-            <a:endParaRPr lang="en-US"/>
-          </a:p>
-        </p:txBody>
-      </p:sp>
-      <p:sp>
-        <p:nvSpPr>
-          <p:cNvPr id="38" name="Oval 37">
-            <a:extLst>
-              <a:ext uri="{FF2B5EF4-FFF2-40B4-BE49-F238E27FC236}">
-                <a16:creationId xmlns:a16="http://schemas.microsoft.com/office/drawing/2014/main" id="{EF99ECAA-1F11-4937-BBA6-51935AB44C9D}"/>
-              </a:ext>
-              <a:ext uri="{C183D7F6-B498-43B3-948B-1728B52AA6E4}">
-                <adec:decorative xmlns:adec="http://schemas.microsoft.com/office/drawing/2017/decorative" val="1"/>
-              </a:ext>
-            </a:extLst>
-          </p:cNvPr>
-          <p:cNvSpPr>
-            <a:spLocks noGrp="1" noRot="1" noChangeAspect="1" noMove="1" noResize="1" noEditPoints="1" noAdjustHandles="1" noChangeArrowheads="1" noChangeShapeType="1" noTextEdit="1"/>
-          </p:cNvSpPr>
-          <p:nvPr>
-            <p:extLst>
-              <p:ext uri="{386F3935-93C4-4BCD-93E2-E3B085C9AB24}">
-                <p16:designElem xmlns:p16="http://schemas.microsoft.com/office/powerpoint/2015/main" val="1"/>
-              </p:ext>
-            </p:extLst>
-          </p:nvPr>
-        </p:nvSpPr>
-        <p:spPr>
-          <a:xfrm>
-            <a:off x="1800802" y="2472855"/>
-            <a:ext cx="360000" cy="360000"/>
-          </a:xfrm>
-          <a:prstGeom prst="ellipse">
-            <a:avLst/>
-          </a:prstGeom>
-          <a:gradFill flip="none" rotWithShape="1">
-            <a:gsLst>
-              <a:gs pos="100000">
-                <a:schemeClr val="bg2">
-                  <a:lumMod val="50000"/>
-                  <a:lumOff val="50000"/>
-                </a:schemeClr>
-              </a:gs>
-              <a:gs pos="60000">
-                <a:schemeClr val="bg2"/>
-              </a:gs>
-            </a:gsLst>
-            <a:path path="circle">
-              <a:fillToRect l="100000" b="100000"/>
-            </a:path>
-            <a:tileRect t="-100000" r="-100000"/>
-          </a:gradFill>
-          <a:ln>
-            <a:noFill/>
-          </a:ln>
-          <a:effectLst>
-            <a:innerShdw blurRad="127000" dist="63500" dir="2700000">
-              <a:schemeClr val="accent1">
-                <a:lumMod val="60000"/>
-                <a:lumOff val="40000"/>
-                <a:alpha val="20000"/>
-              </a:schemeClr>
-            </a:innerShdw>
-            <a:softEdge rad="0"/>
-          </a:effectLst>
-        </p:spPr>
-        <p:style>
-          <a:lnRef idx="2">
-            <a:schemeClr val="accent1">
-              <a:shade val="50000"/>
-            </a:schemeClr>
-          </a:lnRef>
-          <a:fillRef idx="1">
-            <a:schemeClr val="accent1"/>
-          </a:fillRef>
-          <a:effectRef idx="0">
-            <a:schemeClr val="accent1"/>
-          </a:effectRef>
-          <a:fontRef idx="minor">
-            <a:schemeClr val="lt1"/>
-          </a:fontRef>
-        </p:style>
-        <p:txBody>
-          <a:bodyPr rot="0" spcFirstLastPara="0" vertOverflow="overflow" horzOverflow="overflow" vert="horz" wrap="square" lIns="91440" tIns="45720" rIns="91440" bIns="45720" numCol="1" spcCol="0" rtlCol="0" fromWordArt="0" anchor="ctr" anchorCtr="0" forceAA="0" compatLnSpc="1">
-            <a:prstTxWarp prst="textNoShape">
-              <a:avLst/>
-            </a:prstTxWarp>
-            <a:noAutofit/>
-          </a:bodyPr>
-          <a:lstStyle/>
-          <a:p>
-            <a:pPr algn="ctr"/>
-            <a:endParaRPr lang="en-US"/>
-          </a:p>
-        </p:txBody>
-      </p:sp>
-      <p:grpSp>
-        <p:nvGrpSpPr>
-          <p:cNvPr id="40" name="Group 39">
-            <a:extLst>
-              <a:ext uri="{FF2B5EF4-FFF2-40B4-BE49-F238E27FC236}">
-                <a16:creationId xmlns:a16="http://schemas.microsoft.com/office/drawing/2014/main" id="{79DE9FAB-6BBA-4CFE-B67D-77B47F01ECA4}"/>
-              </a:ext>
-              <a:ext uri="{C183D7F6-B498-43B3-948B-1728B52AA6E4}">
-                <adec:decorative xmlns:adec="http://schemas.microsoft.com/office/drawing/2017/decorative" val="1"/>
-              </a:ext>
-            </a:extLst>
-          </p:cNvPr>
-          <p:cNvGrpSpPr>
-            <a:grpSpLocks noGrp="1" noUngrp="1" noRot="1" noChangeAspect="1" noMove="1" noResize="1"/>
-          </p:cNvGrpSpPr>
-          <p:nvPr>
-            <p:extLst>
-              <p:ext uri="{386F3935-93C4-4BCD-93E2-E3B085C9AB24}">
-                <p16:designElem xmlns:p16="http://schemas.microsoft.com/office/powerpoint/2015/main" val="1"/>
-              </p:ext>
-            </p:extLst>
-          </p:nvPr>
-        </p:nvGrpSpPr>
-        <p:grpSpPr>
-          <a:xfrm>
-            <a:off x="1329952" y="4524379"/>
-            <a:ext cx="1980001" cy="1363916"/>
-            <a:chOff x="4879602" y="3781429"/>
-            <a:chExt cx="1980001" cy="1363916"/>
-          </a:xfrm>
-        </p:grpSpPr>
-        <p:sp>
-          <p:nvSpPr>
-            <p:cNvPr id="41" name="Freeform: Shape 40">
-              <a:extLst>
-                <a:ext uri="{FF2B5EF4-FFF2-40B4-BE49-F238E27FC236}">
-                  <a16:creationId xmlns:a16="http://schemas.microsoft.com/office/drawing/2014/main" id="{79FAC916-D9BB-4794-81B4-7C47C67E850D}"/>
-                </a:ext>
-                <a:ext uri="{C183D7F6-B498-43B3-948B-1728B52AA6E4}">
-                  <adec:decorative xmlns:adec="http://schemas.microsoft.com/office/drawing/2017/decorative" val="1"/>
-                </a:ext>
-              </a:extLst>
-            </p:cNvPr>
-            <p:cNvSpPr>
-              <a:spLocks noChangeAspect="1"/>
-            </p:cNvSpPr>
-            <p:nvPr>
-              <p:extLst>
-                <p:ext uri="{386F3935-93C4-4BCD-93E2-E3B085C9AB24}">
-                  <p16:designElem xmlns:p16="http://schemas.microsoft.com/office/powerpoint/2015/main" val="1"/>
-                </p:ext>
-              </p:extLst>
-            </p:nvPr>
-          </p:nvSpPr>
-          <p:spPr>
-            <a:xfrm rot="18900000" flipV="1">
-              <a:off x="5005634" y="4191206"/>
-              <a:ext cx="1853969" cy="926985"/>
-            </a:xfrm>
-            <a:custGeom>
-              <a:avLst/>
-              <a:gdLst>
-                <a:gd name="connsiteX0" fmla="*/ 1329373 w 2658746"/>
-                <a:gd name="connsiteY0" fmla="*/ 0 h 1329373"/>
-                <a:gd name="connsiteX1" fmla="*/ 2658746 w 2658746"/>
-                <a:gd name="connsiteY1" fmla="*/ 1329373 h 1329373"/>
-                <a:gd name="connsiteX2" fmla="*/ 1994059 w 2658746"/>
-                <a:gd name="connsiteY2" fmla="*/ 1329373 h 1329373"/>
-                <a:gd name="connsiteX3" fmla="*/ 1329373 w 2658746"/>
-                <a:gd name="connsiteY3" fmla="*/ 664687 h 1329373"/>
-                <a:gd name="connsiteX4" fmla="*/ 664687 w 2658746"/>
-                <a:gd name="connsiteY4" fmla="*/ 1329373 h 1329373"/>
-                <a:gd name="connsiteX5" fmla="*/ 0 w 2658746"/>
-                <a:gd name="connsiteY5" fmla="*/ 1329373 h 1329373"/>
-                <a:gd name="connsiteX6" fmla="*/ 1329373 w 2658746"/>
-                <a:gd name="connsiteY6" fmla="*/ 0 h 1329373"/>
-              </a:gdLst>
-              <a:ahLst/>
-              <a:cxnLst>
-                <a:cxn ang="0">
-                  <a:pos x="connsiteX0" y="connsiteY0"/>
-                </a:cxn>
-                <a:cxn ang="0">
-                  <a:pos x="connsiteX1" y="connsiteY1"/>
-                </a:cxn>
-                <a:cxn ang="0">
-                  <a:pos x="connsiteX2" y="connsiteY2"/>
-                </a:cxn>
-                <a:cxn ang="0">
-                  <a:pos x="connsiteX3" y="connsiteY3"/>
-                </a:cxn>
-                <a:cxn ang="0">
-                  <a:pos x="connsiteX4" y="connsiteY4"/>
-                </a:cxn>
-                <a:cxn ang="0">
-                  <a:pos x="connsiteX5" y="connsiteY5"/>
-                </a:cxn>
-                <a:cxn ang="0">
-                  <a:pos x="connsiteX6" y="connsiteY6"/>
-                </a:cxn>
-              </a:cxnLst>
-              <a:rect l="l" t="t" r="r" b="b"/>
-              <a:pathLst>
-                <a:path w="2658746" h="1329373">
-                  <a:moveTo>
-                    <a:pt x="1329373" y="0"/>
-                  </a:moveTo>
-                  <a:cubicBezTo>
-                    <a:pt x="2063565" y="0"/>
-                    <a:pt x="2658746" y="595181"/>
-                    <a:pt x="2658746" y="1329373"/>
-                  </a:cubicBezTo>
-                  <a:lnTo>
-                    <a:pt x="1994059" y="1329373"/>
-                  </a:lnTo>
-                  <a:cubicBezTo>
-                    <a:pt x="1994059" y="962277"/>
-                    <a:pt x="1696469" y="664687"/>
-                    <a:pt x="1329373" y="664687"/>
-                  </a:cubicBezTo>
-                  <a:cubicBezTo>
-                    <a:pt x="962277" y="664687"/>
-                    <a:pt x="664687" y="962277"/>
-                    <a:pt x="664687" y="1329373"/>
-                  </a:cubicBezTo>
-                  <a:lnTo>
-                    <a:pt x="0" y="1329373"/>
-                  </a:lnTo>
-                  <a:cubicBezTo>
-                    <a:pt x="0" y="595181"/>
-                    <a:pt x="595181" y="0"/>
-                    <a:pt x="1329373" y="0"/>
-                  </a:cubicBezTo>
-                  <a:close/>
-                </a:path>
-              </a:pathLst>
-            </a:custGeom>
-            <a:solidFill>
-              <a:schemeClr val="bg2"/>
-            </a:solidFill>
-            <a:ln>
-              <a:noFill/>
-            </a:ln>
-            <a:effectLst>
-              <a:innerShdw blurRad="254000" dist="50800" dir="16200000">
-                <a:schemeClr val="accent1">
-                  <a:lumMod val="40000"/>
-                  <a:lumOff val="60000"/>
-                  <a:alpha val="40000"/>
-                </a:schemeClr>
-              </a:innerShdw>
-            </a:effectLst>
-          </p:spPr>
-          <p:style>
-            <a:lnRef idx="2">
-              <a:schemeClr val="accent1">
-                <a:shade val="50000"/>
-              </a:schemeClr>
-            </a:lnRef>
-            <a:fillRef idx="1">
-              <a:schemeClr val="accent1"/>
-            </a:fillRef>
-            <a:effectRef idx="0">
-              <a:schemeClr val="accent1"/>
-            </a:effectRef>
-            <a:fontRef idx="minor">
-              <a:schemeClr val="lt1"/>
-            </a:fontRef>
-          </p:style>
-          <p:txBody>
-            <a:bodyPr rtlCol="0" anchor="ctr"/>
-            <a:lstStyle/>
-            <a:p>
-              <a:pPr algn="ctr"/>
-              <a:endParaRPr lang="en-US"/>
-            </a:p>
-          </p:txBody>
-        </p:sp>
-        <p:sp>
-          <p:nvSpPr>
-            <p:cNvPr id="42" name="Freeform: Shape 41">
-              <a:extLst>
-                <a:ext uri="{FF2B5EF4-FFF2-40B4-BE49-F238E27FC236}">
-                  <a16:creationId xmlns:a16="http://schemas.microsoft.com/office/drawing/2014/main" id="{B5CA2231-7A65-4D16-8400-A210CC41DB73}"/>
-                </a:ext>
-                <a:ext uri="{C183D7F6-B498-43B3-948B-1728B52AA6E4}">
-                  <adec:decorative xmlns:adec="http://schemas.microsoft.com/office/drawing/2017/decorative" val="1"/>
-                </a:ext>
-              </a:extLst>
-            </p:cNvPr>
-            <p:cNvSpPr>
-              <a:spLocks noChangeAspect="1"/>
-            </p:cNvSpPr>
-            <p:nvPr>
-              <p:extLst>
-                <p:ext uri="{386F3935-93C4-4BCD-93E2-E3B085C9AB24}">
-                  <p16:designElem xmlns:p16="http://schemas.microsoft.com/office/powerpoint/2015/main" val="1"/>
-                </p:ext>
-              </p:extLst>
-            </p:nvPr>
-          </p:nvSpPr>
-          <p:spPr>
-            <a:xfrm rot="18900000" flipV="1">
-              <a:off x="4957101" y="4052255"/>
-              <a:ext cx="1853969" cy="1093090"/>
-            </a:xfrm>
-            <a:custGeom>
-              <a:avLst/>
-              <a:gdLst>
-                <a:gd name="connsiteX0" fmla="*/ 1329373 w 2658746"/>
-                <a:gd name="connsiteY0" fmla="*/ 0 h 1329373"/>
-                <a:gd name="connsiteX1" fmla="*/ 2658746 w 2658746"/>
-                <a:gd name="connsiteY1" fmla="*/ 1329373 h 1329373"/>
-                <a:gd name="connsiteX2" fmla="*/ 1994059 w 2658746"/>
-                <a:gd name="connsiteY2" fmla="*/ 1329373 h 1329373"/>
-                <a:gd name="connsiteX3" fmla="*/ 1329373 w 2658746"/>
-                <a:gd name="connsiteY3" fmla="*/ 664687 h 1329373"/>
-                <a:gd name="connsiteX4" fmla="*/ 664687 w 2658746"/>
-                <a:gd name="connsiteY4" fmla="*/ 1329373 h 1329373"/>
-                <a:gd name="connsiteX5" fmla="*/ 0 w 2658746"/>
-                <a:gd name="connsiteY5" fmla="*/ 1329373 h 1329373"/>
-                <a:gd name="connsiteX6" fmla="*/ 1329373 w 2658746"/>
-                <a:gd name="connsiteY6" fmla="*/ 0 h 1329373"/>
-              </a:gdLst>
-              <a:ahLst/>
-              <a:cxnLst>
-                <a:cxn ang="0">
-                  <a:pos x="connsiteX0" y="connsiteY0"/>
-                </a:cxn>
-                <a:cxn ang="0">
-                  <a:pos x="connsiteX1" y="connsiteY1"/>
-                </a:cxn>
-                <a:cxn ang="0">
-                  <a:pos x="connsiteX2" y="connsiteY2"/>
-                </a:cxn>
-                <a:cxn ang="0">
-                  <a:pos x="connsiteX3" y="connsiteY3"/>
-                </a:cxn>
-                <a:cxn ang="0">
-                  <a:pos x="connsiteX4" y="connsiteY4"/>
-                </a:cxn>
-                <a:cxn ang="0">
-                  <a:pos x="connsiteX5" y="connsiteY5"/>
-                </a:cxn>
-                <a:cxn ang="0">
-                  <a:pos x="connsiteX6" y="connsiteY6"/>
-                </a:cxn>
-              </a:cxnLst>
-              <a:rect l="l" t="t" r="r" b="b"/>
-              <a:pathLst>
-                <a:path w="2658746" h="1329373">
-                  <a:moveTo>
-                    <a:pt x="1329373" y="0"/>
-                  </a:moveTo>
-                  <a:cubicBezTo>
-                    <a:pt x="2063565" y="0"/>
-                    <a:pt x="2658746" y="595181"/>
-                    <a:pt x="2658746" y="1329373"/>
-                  </a:cubicBezTo>
-                  <a:lnTo>
-                    <a:pt x="1994059" y="1329373"/>
-                  </a:lnTo>
-                  <a:cubicBezTo>
-                    <a:pt x="1994059" y="962277"/>
-                    <a:pt x="1696469" y="664687"/>
-                    <a:pt x="1329373" y="664687"/>
-                  </a:cubicBezTo>
-                  <a:cubicBezTo>
-                    <a:pt x="962277" y="664687"/>
-                    <a:pt x="664687" y="962277"/>
-                    <a:pt x="664687" y="1329373"/>
-                  </a:cubicBezTo>
-                  <a:lnTo>
-                    <a:pt x="0" y="1329373"/>
-                  </a:lnTo>
-                  <a:cubicBezTo>
-                    <a:pt x="0" y="595181"/>
-                    <a:pt x="595181" y="0"/>
-                    <a:pt x="1329373" y="0"/>
-                  </a:cubicBezTo>
-                  <a:close/>
-                </a:path>
-              </a:pathLst>
-            </a:custGeom>
-            <a:solidFill>
-              <a:schemeClr val="bg2">
-                <a:lumMod val="50000"/>
-                <a:lumOff val="50000"/>
-                <a:alpha val="40000"/>
-              </a:schemeClr>
-            </a:solidFill>
-            <a:ln>
-              <a:noFill/>
-            </a:ln>
-            <a:effectLst>
-              <a:softEdge rad="190500"/>
-            </a:effectLst>
-          </p:spPr>
-          <p:style>
-            <a:lnRef idx="2">
-              <a:schemeClr val="accent1">
-                <a:shade val="50000"/>
-              </a:schemeClr>
-            </a:lnRef>
-            <a:fillRef idx="1">
-              <a:schemeClr val="accent1"/>
-            </a:fillRef>
-            <a:effectRef idx="0">
-              <a:schemeClr val="accent1"/>
-            </a:effectRef>
-            <a:fontRef idx="minor">
-              <a:schemeClr val="lt1"/>
-            </a:fontRef>
-          </p:style>
-          <p:txBody>
-            <a:bodyPr rtlCol="0" anchor="ctr"/>
-            <a:lstStyle/>
-            <a:p>
-              <a:pPr algn="ctr"/>
-              <a:endParaRPr lang="en-US">
-                <a:solidFill>
-                  <a:schemeClr val="tx1"/>
-                </a:solidFill>
-              </a:endParaRPr>
-            </a:p>
-          </p:txBody>
-        </p:sp>
-        <p:sp>
-          <p:nvSpPr>
-            <p:cNvPr id="43" name="Oval 42">
-              <a:extLst>
-                <a:ext uri="{FF2B5EF4-FFF2-40B4-BE49-F238E27FC236}">
-                  <a16:creationId xmlns:a16="http://schemas.microsoft.com/office/drawing/2014/main" id="{4B089C8C-B82B-4704-88E2-E857A5E21529}"/>
-                </a:ext>
-                <a:ext uri="{C183D7F6-B498-43B3-948B-1728B52AA6E4}">
-                  <adec:decorative xmlns:adec="http://schemas.microsoft.com/office/drawing/2017/decorative" val="1"/>
-                </a:ext>
-              </a:extLst>
-            </p:cNvPr>
-            <p:cNvSpPr/>
-            <p:nvPr>
-              <p:extLst>
-                <p:ext uri="{386F3935-93C4-4BCD-93E2-E3B085C9AB24}">
-                  <p16:designElem xmlns:p16="http://schemas.microsoft.com/office/powerpoint/2015/main" val="1"/>
-                </p:ext>
-              </p:extLst>
-            </p:nvPr>
-          </p:nvSpPr>
-          <p:spPr>
-            <a:xfrm rot="13500000" flipV="1">
-              <a:off x="6040374" y="3601683"/>
-              <a:ext cx="107098" cy="466589"/>
-            </a:xfrm>
-            <a:prstGeom prst="ellipse">
-              <a:avLst/>
-            </a:prstGeom>
-            <a:solidFill>
-              <a:schemeClr val="bg2">
-                <a:lumMod val="90000"/>
-                <a:lumOff val="10000"/>
-              </a:schemeClr>
-            </a:solidFill>
-            <a:ln>
-              <a:noFill/>
-            </a:ln>
-            <a:effectLst>
-              <a:innerShdw blurRad="63500" dist="2540000">
-                <a:schemeClr val="accent1">
-                  <a:lumMod val="60000"/>
-                  <a:lumOff val="40000"/>
-                  <a:alpha val="0"/>
-                </a:schemeClr>
-              </a:innerShdw>
-            </a:effectLst>
-          </p:spPr>
-          <p:style>
-            <a:lnRef idx="2">
-              <a:schemeClr val="accent1">
-                <a:shade val="50000"/>
-              </a:schemeClr>
-            </a:lnRef>
-            <a:fillRef idx="1">
-              <a:schemeClr val="accent1"/>
-            </a:fillRef>
-            <a:effectRef idx="0">
-              <a:schemeClr val="accent1"/>
-            </a:effectRef>
-            <a:fontRef idx="minor">
-              <a:schemeClr val="lt1"/>
-            </a:fontRef>
-          </p:style>
-          <p:txBody>
-            <a:bodyPr rot="0" spcFirstLastPara="0" vertOverflow="overflow" horzOverflow="overflow" vert="horz" wrap="square" lIns="91440" tIns="45720" rIns="91440" bIns="45720" numCol="1" spcCol="0" rtlCol="0" fromWordArt="0" anchor="ctr" anchorCtr="0" forceAA="0" compatLnSpc="1">
-              <a:prstTxWarp prst="textNoShape">
-                <a:avLst/>
-              </a:prstTxWarp>
-              <a:noAutofit/>
-            </a:bodyPr>
-            <a:lstStyle/>
-            <a:p>
-              <a:pPr algn="ctr"/>
-              <a:endParaRPr lang="en-US"/>
-            </a:p>
-          </p:txBody>
-        </p:sp>
-        <p:sp>
-          <p:nvSpPr>
-            <p:cNvPr id="44" name="Oval 43">
-              <a:extLst>
-                <a:ext uri="{FF2B5EF4-FFF2-40B4-BE49-F238E27FC236}">
-                  <a16:creationId xmlns:a16="http://schemas.microsoft.com/office/drawing/2014/main" id="{434B90C8-5B4D-456E-AD99-80EF748FDD72}"/>
-                </a:ext>
-                <a:ext uri="{C183D7F6-B498-43B3-948B-1728B52AA6E4}">
-                  <adec:decorative xmlns:adec="http://schemas.microsoft.com/office/drawing/2017/decorative" val="1"/>
-                </a:ext>
-              </a:extLst>
-            </p:cNvPr>
-            <p:cNvSpPr/>
-            <p:nvPr>
-              <p:extLst>
-                <p:ext uri="{386F3935-93C4-4BCD-93E2-E3B085C9AB24}">
-                  <p16:designElem xmlns:p16="http://schemas.microsoft.com/office/powerpoint/2015/main" val="1"/>
-                </p:ext>
-              </p:extLst>
-            </p:nvPr>
-          </p:nvSpPr>
-          <p:spPr>
-            <a:xfrm rot="13500000" flipV="1">
-              <a:off x="5059348" y="4582709"/>
-              <a:ext cx="107098" cy="466589"/>
-            </a:xfrm>
-            <a:prstGeom prst="ellipse">
-              <a:avLst/>
-            </a:prstGeom>
-            <a:solidFill>
-              <a:schemeClr val="bg2">
-                <a:lumMod val="90000"/>
-                <a:lumOff val="10000"/>
-              </a:schemeClr>
-            </a:solidFill>
-            <a:ln>
-              <a:noFill/>
-            </a:ln>
-            <a:effectLst>
-              <a:innerShdw blurRad="63500" dist="2540000">
-                <a:schemeClr val="accent1">
-                  <a:lumMod val="60000"/>
-                  <a:lumOff val="40000"/>
-                  <a:alpha val="0"/>
-                </a:schemeClr>
-              </a:innerShdw>
-            </a:effectLst>
-          </p:spPr>
-          <p:style>
-            <a:lnRef idx="2">
-              <a:schemeClr val="accent1">
-                <a:shade val="50000"/>
-              </a:schemeClr>
-            </a:lnRef>
-            <a:fillRef idx="1">
-              <a:schemeClr val="accent1"/>
-            </a:fillRef>
-            <a:effectRef idx="0">
-              <a:schemeClr val="accent1"/>
-            </a:effectRef>
-            <a:fontRef idx="minor">
-              <a:schemeClr val="lt1"/>
-            </a:fontRef>
-          </p:style>
-          <p:txBody>
-            <a:bodyPr rot="0" spcFirstLastPara="0" vertOverflow="overflow" horzOverflow="overflow" vert="horz" wrap="square" lIns="91440" tIns="45720" rIns="91440" bIns="45720" numCol="1" spcCol="0" rtlCol="0" fromWordArt="0" anchor="ctr" anchorCtr="0" forceAA="0" compatLnSpc="1">
-              <a:prstTxWarp prst="textNoShape">
-                <a:avLst/>
-              </a:prstTxWarp>
-              <a:noAutofit/>
-            </a:bodyPr>
-            <a:lstStyle/>
-            <a:p>
-              <a:pPr algn="ctr"/>
-              <a:endParaRPr lang="en-US"/>
-            </a:p>
-          </p:txBody>
-        </p:sp>
-      </p:grpSp>
-      <p:sp useBgFill="1">
-        <p:nvSpPr>
-          <p:cNvPr id="46" name="Rectangle 45">
-            <a:extLst>
-              <a:ext uri="{FF2B5EF4-FFF2-40B4-BE49-F238E27FC236}">
-                <a16:creationId xmlns:a16="http://schemas.microsoft.com/office/drawing/2014/main" id="{1DB043B4-68C6-45B9-82AC-A5800EADB8DB}"/>
-              </a:ext>
-              <a:ext uri="{C183D7F6-B498-43B3-948B-1728B52AA6E4}">
-                <adec:decorative xmlns:adec="http://schemas.microsoft.com/office/drawing/2017/decorative" val="1"/>
-              </a:ext>
-            </a:extLst>
-          </p:cNvPr>
-          <p:cNvSpPr>
-            <a:spLocks noGrp="1" noRot="1" noChangeAspect="1" noMove="1" noResize="1" noEditPoints="1" noAdjustHandles="1" noChangeArrowheads="1" noChangeShapeType="1" noTextEdit="1"/>
-          </p:cNvSpPr>
-          <p:nvPr>
-            <p:extLst>
-              <p:ext uri="{386F3935-93C4-4BCD-93E2-E3B085C9AB24}">
-                <p16:designElem xmlns:p16="http://schemas.microsoft.com/office/powerpoint/2015/main" val="1"/>
-              </p:ext>
-            </p:extLst>
-          </p:nvPr>
-        </p:nvSpPr>
-        <p:spPr>
-          <a:xfrm>
-            <a:off x="0" y="0"/>
-            <a:ext cx="12192000" cy="6858000"/>
-          </a:xfrm>
-          <a:prstGeom prst="rect">
-            <a:avLst/>
-          </a:prstGeom>
-          <a:ln w="12700" cap="flat" cmpd="sng" algn="ctr">
-            <a:noFill/>
-            <a:prstDash val="solid"/>
-            <a:miter lim="800000"/>
-          </a:ln>
-          <a:effectLst/>
-          <a:extLst>
-            <a:ext uri="{91240B29-F687-4F45-9708-019B960494DF}">
-              <a14:hiddenLine xmlns:a14="http://schemas.microsoft.com/office/drawing/2010/main" w="12700" cap="flat" cmpd="sng" algn="ctr">
-                <a:solidFill>
-                  <a:schemeClr val="accent1">
-                    <a:shade val="50000"/>
-                  </a:schemeClr>
-                </a:solidFill>
-                <a:prstDash val="solid"/>
-                <a:miter lim="800000"/>
-              </a14:hiddenLine>
-            </a:ext>
-          </a:extLst>
-        </p:spPr>
-        <p:style>
-          <a:lnRef idx="2">
-            <a:schemeClr val="accent1">
-              <a:shade val="50000"/>
-            </a:schemeClr>
-          </a:lnRef>
-          <a:fillRef idx="1">
-            <a:schemeClr val="accent1"/>
-          </a:fillRef>
-          <a:effectRef idx="0">
-            <a:schemeClr val="accent1"/>
-          </a:effectRef>
-          <a:fontRef idx="minor">
-            <a:schemeClr val="lt1"/>
-          </a:fontRef>
-        </p:style>
-        <p:txBody>
-          <a:bodyPr rtlCol="0" anchor="ctr"/>
-          <a:lstStyle/>
-          <a:p>
-            <a:pPr algn="ctr"/>
-            <a:endParaRPr lang="en-US"/>
-          </a:p>
-        </p:txBody>
-      </p:sp>
-      <p:pic>
-        <p:nvPicPr>
-          <p:cNvPr id="8" name="Picture Placeholder 7" descr="Data Points Digital background">
-            <a:extLst>
-              <a:ext uri="{FF2B5EF4-FFF2-40B4-BE49-F238E27FC236}">
-                <a16:creationId xmlns:a16="http://schemas.microsoft.com/office/drawing/2014/main" id="{5FED7C55-F545-49A1-90FD-D853A25AB453}"/>
-              </a:ext>
-            </a:extLst>
-          </p:cNvPr>
-          <p:cNvPicPr>
-            <a:picLocks noGrp="1" noChangeAspect="1"/>
-          </p:cNvPicPr>
-          <p:nvPr>
-            <p:ph type="pic" sz="quarter" idx="13"/>
-          </p:nvPr>
-        </p:nvPicPr>
-        <p:blipFill>
-          <a:blip r:embed="rId3">
-            <a:extLst>
-              <a:ext uri="{28A0092B-C50C-407E-A947-70E740481C1C}">
-                <a14:useLocalDpi xmlns:a14="http://schemas.microsoft.com/office/drawing/2010/main" val="0"/>
-              </a:ext>
-            </a:extLst>
-          </a:blip>
-          <a:srcRect/>
-          <a:stretch>
-            <a:fillRect/>
-          </a:stretch>
-        </p:blipFill>
-        <p:spPr/>
-      </p:pic>
-      <p:sp>
-        <p:nvSpPr>
-          <p:cNvPr id="48" name="Rectangle 47">
-            <a:extLst>
-              <a:ext uri="{FF2B5EF4-FFF2-40B4-BE49-F238E27FC236}">
-                <a16:creationId xmlns:a16="http://schemas.microsoft.com/office/drawing/2014/main" id="{3C64A91D-E535-4C24-A0E3-96A3810E3FDC}"/>
-              </a:ext>
-              <a:ext uri="{C183D7F6-B498-43B3-948B-1728B52AA6E4}">
-                <adec:decorative xmlns:adec="http://schemas.microsoft.com/office/drawing/2017/decorative" val="1"/>
-              </a:ext>
-            </a:extLst>
-          </p:cNvPr>
-          <p:cNvSpPr>
-            <a:spLocks noGrp="1" noRot="1" noChangeAspect="1" noMove="1" noResize="1" noEditPoints="1" noAdjustHandles="1" noChangeArrowheads="1" noChangeShapeType="1" noTextEdit="1"/>
-          </p:cNvSpPr>
-          <p:nvPr>
-            <p:extLst>
-              <p:ext uri="{386F3935-93C4-4BCD-93E2-E3B085C9AB24}">
-                <p16:designElem xmlns:p16="http://schemas.microsoft.com/office/powerpoint/2015/main" val="1"/>
-              </p:ext>
-            </p:extLst>
-          </p:nvPr>
-        </p:nvSpPr>
-        <p:spPr>
-          <a:xfrm>
-            <a:off x="0" y="5773729"/>
-            <a:ext cx="12192000" cy="1084271"/>
-          </a:xfrm>
-          <a:prstGeom prst="rect">
-            <a:avLst/>
-          </a:prstGeom>
-          <a:gradFill flip="none" rotWithShape="1">
-            <a:gsLst>
-              <a:gs pos="90000">
-                <a:schemeClr val="bg2">
-                  <a:alpha val="60000"/>
-                </a:schemeClr>
-              </a:gs>
-              <a:gs pos="28000">
-                <a:schemeClr val="bg2">
-                  <a:alpha val="0"/>
-                </a:schemeClr>
-              </a:gs>
-            </a:gsLst>
-            <a:lin ang="5400000" scaled="0"/>
-            <a:tileRect/>
-          </a:gradFill>
-          <a:ln>
-            <a:noFill/>
-          </a:ln>
-        </p:spPr>
-        <p:style>
-          <a:lnRef idx="2">
-            <a:schemeClr val="accent1">
-              <a:shade val="50000"/>
-            </a:schemeClr>
-          </a:lnRef>
-          <a:fillRef idx="1">
-            <a:schemeClr val="accent1"/>
-          </a:fillRef>
-          <a:effectRef idx="0">
-            <a:schemeClr val="accent1"/>
-          </a:effectRef>
-          <a:fontRef idx="minor">
-            <a:schemeClr val="lt1"/>
-          </a:fontRef>
-        </p:style>
-        <p:txBody>
-          <a:bodyPr rtlCol="0" anchor="ctr"/>
-          <a:lstStyle/>
-          <a:p>
-            <a:pPr algn="ctr"/>
-            <a:endParaRPr lang="en-US"/>
-          </a:p>
-        </p:txBody>
-      </p:sp>
-      <p:sp>
-        <p:nvSpPr>
-          <p:cNvPr id="50" name="Rectangle 49">
-            <a:extLst>
-              <a:ext uri="{FF2B5EF4-FFF2-40B4-BE49-F238E27FC236}">
-                <a16:creationId xmlns:a16="http://schemas.microsoft.com/office/drawing/2014/main" id="{26FC4867-BA3E-4F8E-AB23-684F34DF3D31}"/>
-              </a:ext>
-              <a:ext uri="{C183D7F6-B498-43B3-948B-1728B52AA6E4}">
-                <adec:decorative xmlns:adec="http://schemas.microsoft.com/office/drawing/2017/decorative" val="1"/>
-              </a:ext>
-            </a:extLst>
-          </p:cNvPr>
-          <p:cNvSpPr>
-            <a:spLocks noGrp="1" noRot="1" noChangeAspect="1" noMove="1" noResize="1" noEditPoints="1" noAdjustHandles="1" noChangeArrowheads="1" noChangeShapeType="1" noTextEdit="1"/>
-          </p:cNvSpPr>
-          <p:nvPr>
-            <p:extLst>
-              <p:ext uri="{386F3935-93C4-4BCD-93E2-E3B085C9AB24}">
-                <p16:designElem xmlns:p16="http://schemas.microsoft.com/office/powerpoint/2015/main" val="1"/>
-              </p:ext>
-            </p:extLst>
-          </p:nvPr>
-        </p:nvSpPr>
-        <p:spPr>
-          <a:xfrm rot="10800000">
-            <a:off x="0" y="-3"/>
-            <a:ext cx="9000000" cy="6857998"/>
-          </a:xfrm>
-          <a:prstGeom prst="rect">
-            <a:avLst/>
-          </a:prstGeom>
-          <a:gradFill flip="none" rotWithShape="1">
-            <a:gsLst>
-              <a:gs pos="50000">
-                <a:schemeClr val="bg2">
-                  <a:alpha val="60000"/>
-                </a:schemeClr>
-              </a:gs>
-              <a:gs pos="0">
-                <a:schemeClr val="bg2">
-                  <a:alpha val="0"/>
-                </a:schemeClr>
-              </a:gs>
-            </a:gsLst>
-            <a:lin ang="0" scaled="0"/>
-            <a:tileRect/>
-          </a:gradFill>
-          <a:ln>
-            <a:noFill/>
-          </a:ln>
-        </p:spPr>
-        <p:style>
-          <a:lnRef idx="2">
-            <a:schemeClr val="accent1">
-              <a:shade val="50000"/>
-            </a:schemeClr>
-          </a:lnRef>
-          <a:fillRef idx="1">
-            <a:schemeClr val="accent1"/>
-          </a:fillRef>
-          <a:effectRef idx="0">
-            <a:schemeClr val="accent1"/>
-          </a:effectRef>
-          <a:fontRef idx="minor">
-            <a:schemeClr val="lt1"/>
-          </a:fontRef>
-        </p:style>
-        <p:txBody>
-          <a:bodyPr rtlCol="0" anchor="ctr"/>
-          <a:lstStyle/>
-          <a:p>
-            <a:pPr algn="ctr"/>
-            <a:endParaRPr lang="en-US"/>
-          </a:p>
-        </p:txBody>
-      </p:sp>
-      <p:sp>
-        <p:nvSpPr>
-          <p:cNvPr id="15" name="Title 14">
-            <a:extLst>
-              <a:ext uri="{FF2B5EF4-FFF2-40B4-BE49-F238E27FC236}">
-                <a16:creationId xmlns:a16="http://schemas.microsoft.com/office/drawing/2014/main" id="{40F1DF5B-353A-4270-8C10-6A1509441174}"/>
-              </a:ext>
-            </a:extLst>
-          </p:cNvPr>
-          <p:cNvSpPr>
-            <a:spLocks noGrp="1"/>
-          </p:cNvSpPr>
-          <p:nvPr>
-            <p:ph type="ctrTitle"/>
-          </p:nvPr>
-        </p:nvSpPr>
-        <p:spPr>
-          <a:xfrm>
-            <a:off x="550863" y="549275"/>
-            <a:ext cx="4731351" cy="2986234"/>
-          </a:xfrm>
-        </p:spPr>
-        <p:txBody>
-          <a:bodyPr vert="horz" wrap="square" lIns="0" tIns="0" rIns="0" bIns="0" rtlCol="0" anchor="b" anchorCtr="0">
-            <a:normAutofit/>
-          </a:bodyPr>
-          <a:lstStyle/>
-          <a:p>
-            <a:pPr>
-              <a:lnSpc>
-                <a:spcPct val="100000"/>
-              </a:lnSpc>
-            </a:pPr>
-            <a:r>
-              <a:rPr lang="en-US" dirty="0"/>
-              <a:t>Justification</a:t>
-            </a:r>
-            <a:endParaRPr lang="en-US" sz="6400" kern="1200" dirty="0">
-              <a:solidFill>
-                <a:schemeClr val="tx1"/>
-              </a:solidFill>
-              <a:latin typeface="+mj-lt"/>
-              <a:ea typeface="+mj-ea"/>
-              <a:cs typeface="+mj-cs"/>
+            <a:endParaRPr lang="en-US" kern="1200" dirty="0">
+              <a:latin typeface="+mn-lt"/>
+              <a:ea typeface="+mn-ea"/>
+              <a:cs typeface="+mn-cs"/>
             </a:endParaRPr>
-          </a:p>
-        </p:txBody>
-      </p:sp>
-      <p:sp>
-        <p:nvSpPr>
-          <p:cNvPr id="16" name="Subtitle 15">
-            <a:extLst>
-              <a:ext uri="{FF2B5EF4-FFF2-40B4-BE49-F238E27FC236}">
-                <a16:creationId xmlns:a16="http://schemas.microsoft.com/office/drawing/2014/main" id="{4BDCF583-1D5D-4235-97C2-39272B80A0B1}"/>
-              </a:ext>
-            </a:extLst>
-          </p:cNvPr>
-          <p:cNvSpPr>
-            <a:spLocks noGrp="1"/>
-          </p:cNvSpPr>
-          <p:nvPr>
-            <p:ph type="subTitle" idx="1"/>
-          </p:nvPr>
-        </p:nvSpPr>
-        <p:spPr>
-          <a:xfrm>
-            <a:off x="550863" y="3827610"/>
-            <a:ext cx="5437187" cy="2265216"/>
-          </a:xfrm>
-        </p:spPr>
-        <p:txBody>
-          <a:bodyPr vert="horz" wrap="square" lIns="0" tIns="0" rIns="0" bIns="0" rtlCol="0">
-            <a:normAutofit/>
-          </a:bodyPr>
-          <a:lstStyle/>
-          <a:p>
-            <a:pPr marL="0" indent="0">
-              <a:lnSpc>
-                <a:spcPct val="100000"/>
-              </a:lnSpc>
-              <a:buNone/>
-            </a:pPr>
-            <a:r>
-              <a:rPr lang="en-US" kern="1200" dirty="0">
-                <a:latin typeface="+mn-lt"/>
-                <a:ea typeface="+mn-ea"/>
-                <a:cs typeface="+mn-cs"/>
-              </a:rPr>
-              <a:t>Subtitle</a:t>
-            </a:r>
           </a:p>
         </p:txBody>
       </p:sp>
@@ -29090,13 +31553,13 @@
         </p:spPr>
         <p:txBody>
           <a:bodyPr>
-            <a:normAutofit lnSpcReduction="10000"/>
+            <a:normAutofit/>
           </a:bodyPr>
           <a:lstStyle/>
           <a:p>
             <a:r>
               <a:rPr lang="en-US" dirty="0"/>
-              <a:t>With PowerPoint, you can create presentations and share your work with others, wherever they are. Type the text you want here to get started. You can also add images, art, and videos on this template. Save to OneDrive and access your presentations from your computer, tablet, or phone. </a:t>
+              <a:t>To sum it up Chad was happy with the specs of the pc and it was good finding this pc  . </a:t>
             </a:r>
           </a:p>
         </p:txBody>
@@ -29294,19 +31757,7 @@
           <a:p>
             <a:r>
               <a:rPr lang="en-US" dirty="0"/>
-              <a:t>Presenter name</a:t>
-            </a:r>
-          </a:p>
-          <a:p>
-            <a:r>
-              <a:rPr lang="en-US" dirty="0"/>
-              <a:t>Email address</a:t>
-            </a:r>
-          </a:p>
-          <a:p>
-            <a:r>
-              <a:rPr lang="en-US" dirty="0"/>
-              <a:t>Website address</a:t>
+              <a:t>Thanks for viewing this presentation from Coey</a:t>
             </a:r>
           </a:p>
         </p:txBody>
@@ -30285,34 +32736,6 @@
 </file>
 
 <file path=customXml/item1.xml><?xml version="1.0" encoding="utf-8"?>
-<p:properties xmlns:p="http://schemas.microsoft.com/office/2006/metadata/properties" xmlns:xsi="http://www.w3.org/2001/XMLSchema-instance" xmlns:pc="http://schemas.microsoft.com/office/infopath/2007/PartnerControls">
-  <documentManagement>
-    <_ip_UnifiedCompliancePolicyUIAction xmlns="http://schemas.microsoft.com/sharepoint/v3" xsi:nil="true"/>
-    <Image xmlns="71af3243-3dd4-4a8d-8c0d-dd76da1f02a5">
-      <Url xsi:nil="true"/>
-      <Description xsi:nil="true"/>
-    </Image>
-    <Status xmlns="71af3243-3dd4-4a8d-8c0d-dd76da1f02a5">Not started</Status>
-    <_ip_UnifiedCompliancePolicyProperties xmlns="http://schemas.microsoft.com/sharepoint/v3" xsi:nil="true"/>
-    <lcf76f155ced4ddcb4097134ff3c332f xmlns="71af3243-3dd4-4a8d-8c0d-dd76da1f02a5">
-      <Terms xmlns="http://schemas.microsoft.com/office/infopath/2007/PartnerControls"/>
-    </lcf76f155ced4ddcb4097134ff3c332f>
-    <TaxCatchAll xmlns="230e9df3-be65-4c73-a93b-d1236ebd677e"/>
-    <MediaServiceKeyPoints xmlns="71af3243-3dd4-4a8d-8c0d-dd76da1f02a5" xsi:nil="true"/>
-  </documentManagement>
-</p:properties>
-</file>
-
-<file path=customXml/item2.xml><?xml version="1.0" encoding="utf-8"?>
-<?mso-contentType ?>
-<FormTemplates xmlns="http://schemas.microsoft.com/sharepoint/v3/contenttype/forms">
-  <Display>DocumentLibraryForm</Display>
-  <Edit>DocumentLibraryForm</Edit>
-  <New>DocumentLibraryForm</New>
-</FormTemplates>
-</file>
-
-<file path=customXml/item3.xml><?xml version="1.0" encoding="utf-8"?>
 <ct:contentTypeSchema xmlns:ct="http://schemas.microsoft.com/office/2006/metadata/contentType" xmlns:ma="http://schemas.microsoft.com/office/2006/metadata/properties/metaAttributes" ct:_="" ma:_="" ma:contentTypeName="Document" ma:contentTypeID="0x01010079F111ED35F8CC479449609E8A0923A6" ma:contentTypeVersion="18" ma:contentTypeDescription="Create a new document." ma:contentTypeScope="" ma:versionID="22a266b9fa9a230c5a512669d8b298c3">
   <xsd:schema xmlns:xsd="http://www.w3.org/2001/XMLSchema" xmlns:xs="http://www.w3.org/2001/XMLSchema" xmlns:p="http://schemas.microsoft.com/office/2006/metadata/properties" xmlns:ns1="http://schemas.microsoft.com/sharepoint/v3" xmlns:ns2="71af3243-3dd4-4a8d-8c0d-dd76da1f02a5" xmlns:ns3="16c05727-aa75-4e4a-9b5f-8a80a1165891" xmlns:ns4="230e9df3-be65-4c73-a93b-d1236ebd677e" targetNamespace="http://schemas.microsoft.com/office/2006/metadata/properties" ma:root="true" ma:fieldsID="eddc33fff6b14141ee5c74a0d29ea6a1" ns1:_="" ns2:_="" ns3:_="" ns4:_="">
     <xsd:import namespace="http://schemas.microsoft.com/sharepoint/v3"/>
@@ -30588,27 +33011,35 @@
 </ct:contentTypeSchema>
 </file>
 
-<file path=customXml/itemProps1.xml><?xml version="1.0" encoding="utf-8"?>
-<ds:datastoreItem xmlns:ds="http://schemas.openxmlformats.org/officeDocument/2006/customXml" ds:itemID="{50811A92-D464-4AC4-A396-BA73B10CEEAC}">
-  <ds:schemaRefs>
-    <ds:schemaRef ds:uri="http://schemas.microsoft.com/office/2006/metadata/properties"/>
-    <ds:schemaRef ds:uri="http://schemas.microsoft.com/office/infopath/2007/PartnerControls"/>
-    <ds:schemaRef ds:uri="http://schemas.microsoft.com/sharepoint/v3"/>
-    <ds:schemaRef ds:uri="71af3243-3dd4-4a8d-8c0d-dd76da1f02a5"/>
-    <ds:schemaRef ds:uri="230e9df3-be65-4c73-a93b-d1236ebd677e"/>
-  </ds:schemaRefs>
-</ds:datastoreItem>
+<file path=customXml/item2.xml><?xml version="1.0" encoding="utf-8"?>
+<?mso-contentType ?>
+<FormTemplates xmlns="http://schemas.microsoft.com/sharepoint/v3/contenttype/forms">
+  <Display>DocumentLibraryForm</Display>
+  <Edit>DocumentLibraryForm</Edit>
+  <New>DocumentLibraryForm</New>
+</FormTemplates>
 </file>
 
-<file path=customXml/itemProps2.xml><?xml version="1.0" encoding="utf-8"?>
-<ds:datastoreItem xmlns:ds="http://schemas.openxmlformats.org/officeDocument/2006/customXml" ds:itemID="{904751AB-E840-446F-8D49-E697067EC887}">
-  <ds:schemaRefs>
-    <ds:schemaRef ds:uri="http://schemas.microsoft.com/sharepoint/v3/contenttype/forms"/>
-  </ds:schemaRefs>
-</ds:datastoreItem>
+<file path=customXml/item3.xml><?xml version="1.0" encoding="utf-8"?>
+<p:properties xmlns:p="http://schemas.microsoft.com/office/2006/metadata/properties" xmlns:xsi="http://www.w3.org/2001/XMLSchema-instance" xmlns:pc="http://schemas.microsoft.com/office/infopath/2007/PartnerControls">
+  <documentManagement>
+    <_ip_UnifiedCompliancePolicyUIAction xmlns="http://schemas.microsoft.com/sharepoint/v3" xsi:nil="true"/>
+    <Image xmlns="71af3243-3dd4-4a8d-8c0d-dd76da1f02a5">
+      <Url xsi:nil="true"/>
+      <Description xsi:nil="true"/>
+    </Image>
+    <Status xmlns="71af3243-3dd4-4a8d-8c0d-dd76da1f02a5">Not started</Status>
+    <_ip_UnifiedCompliancePolicyProperties xmlns="http://schemas.microsoft.com/sharepoint/v3" xsi:nil="true"/>
+    <lcf76f155ced4ddcb4097134ff3c332f xmlns="71af3243-3dd4-4a8d-8c0d-dd76da1f02a5">
+      <Terms xmlns="http://schemas.microsoft.com/office/infopath/2007/PartnerControls"/>
+    </lcf76f155ced4ddcb4097134ff3c332f>
+    <TaxCatchAll xmlns="230e9df3-be65-4c73-a93b-d1236ebd677e"/>
+    <MediaServiceKeyPoints xmlns="71af3243-3dd4-4a8d-8c0d-dd76da1f02a5" xsi:nil="true"/>
+  </documentManagement>
+</p:properties>
 </file>
 
-<file path=customXml/itemProps3.xml><?xml version="1.0" encoding="utf-8"?>
+<file path=customXml/itemProps1.xml><?xml version="1.0" encoding="utf-8"?>
 <ds:datastoreItem xmlns:ds="http://schemas.openxmlformats.org/officeDocument/2006/customXml" ds:itemID="{DE4876F9-7AE1-498D-B8FE-1E3AD703D2AF}">
   <ds:schemaRefs>
     <ds:schemaRef ds:uri="http://schemas.microsoft.com/office/2006/metadata/contentType"/>
@@ -30629,6 +33060,26 @@
 </ds:datastoreItem>
 </file>
 
+<file path=customXml/itemProps2.xml><?xml version="1.0" encoding="utf-8"?>
+<ds:datastoreItem xmlns:ds="http://schemas.openxmlformats.org/officeDocument/2006/customXml" ds:itemID="{904751AB-E840-446F-8D49-E697067EC887}">
+  <ds:schemaRefs>
+    <ds:schemaRef ds:uri="http://schemas.microsoft.com/sharepoint/v3/contenttype/forms"/>
+  </ds:schemaRefs>
+</ds:datastoreItem>
+</file>
+
+<file path=customXml/itemProps3.xml><?xml version="1.0" encoding="utf-8"?>
+<ds:datastoreItem xmlns:ds="http://schemas.openxmlformats.org/officeDocument/2006/customXml" ds:itemID="{50811A92-D464-4AC4-A396-BA73B10CEEAC}">
+  <ds:schemaRefs>
+    <ds:schemaRef ds:uri="http://schemas.microsoft.com/office/2006/metadata/properties"/>
+    <ds:schemaRef ds:uri="http://schemas.microsoft.com/office/infopath/2007/PartnerControls"/>
+    <ds:schemaRef ds:uri="http://schemas.microsoft.com/sharepoint/v3"/>
+    <ds:schemaRef ds:uri="71af3243-3dd4-4a8d-8c0d-dd76da1f02a5"/>
+    <ds:schemaRef ds:uri="230e9df3-be65-4c73-a93b-d1236ebd677e"/>
+  </ds:schemaRefs>
+</ds:datastoreItem>
+</file>
+
 <file path=docMetadata/LabelInfo.xml><?xml version="1.0" encoding="utf-8"?>
 <clbl:labelList xmlns:clbl="http://schemas.microsoft.com/office/2020/mipLabelMetadata">
   <clbl:label id="{f42aa342-8706-4288-bd11-ebb85995028c}" enabled="1" method="Standard" siteId="{72f988bf-86f1-41af-91ab-2d7cd011db47}" contentBits="0" removed="0"/>
